--- a/pitch_group_mirror.pptx
+++ b/pitch_group_mirror.pptx
@@ -7,9 +7,9 @@
   <p:sldIdLst>
     <p:sldId id="256" r:id="rId2"/>
     <p:sldId id="257" r:id="rId3"/>
-    <p:sldId id="260" r:id="rId4"/>
+    <p:sldId id="261" r:id="rId4"/>
     <p:sldId id="258" r:id="rId5"/>
-    <p:sldId id="259" r:id="rId6"/>
+    <p:sldId id="262" r:id="rId6"/>
   </p:sldIdLst>
   <p:sldSz cx="12192000" cy="6858000"/>
   <p:notesSz cx="6858000" cy="9144000"/>
@@ -108,6 +108,11 @@
       </a:defRPr>
     </a:lvl9pPr>
   </p:defaultTextStyle>
+  <p:extLst>
+    <p:ext uri="{EFAFB233-063F-42B5-8137-9DF3F51BA10A}">
+      <p15:sldGuideLst xmlns:p15="http://schemas.microsoft.com/office/powerpoint/2012/main"/>
+    </p:ext>
+  </p:extLst>
 </p:presentation>
 </file>
 
@@ -153,7 +158,7 @@
           </a:lstStyle>
           <a:p>
             <a:r>
-              <a:rPr lang="sv-SE" smtClean="0"/>
+              <a:rPr lang="sv-SE"/>
               <a:t>Click to edit Master title style</a:t>
             </a:r>
             <a:endParaRPr lang="en-US" dirty="0"/>
@@ -273,7 +278,7 @@
           </a:lstStyle>
           <a:p>
             <a:r>
-              <a:rPr lang="sv-SE" smtClean="0"/>
+              <a:rPr lang="sv-SE"/>
               <a:t>Click to edit Master subtitle style</a:t>
             </a:r>
             <a:endParaRPr lang="en-US" dirty="0"/>
@@ -297,7 +302,7 @@
           <a:p>
             <a:fld id="{4AAD347D-5ACD-4C99-B74B-A9C85AD731AF}" type="datetimeFigureOut">
               <a:rPr lang="en-US" dirty="0"/>
-              <a:t>9/7/18</a:t>
+              <a:t>9/10/2018</a:t>
             </a:fld>
             <a:endParaRPr lang="en-US" dirty="0"/>
           </a:p>
@@ -397,7 +402,7 @@
           </a:lstStyle>
           <a:p>
             <a:r>
-              <a:rPr lang="sv-SE" smtClean="0"/>
+              <a:rPr lang="sv-SE"/>
               <a:t>Click to edit Master title style</a:t>
             </a:r>
             <a:endParaRPr lang="en-US" dirty="0"/>
@@ -476,7 +481,7 @@
           </a:lstStyle>
           <a:p>
             <a:r>
-              <a:rPr lang="sv-SE" smtClean="0"/>
+              <a:rPr lang="sv-SE"/>
               <a:t>Drag picture to placeholder or click icon to add</a:t>
             </a:r>
             <a:endParaRPr lang="en-US" dirty="0"/>
@@ -544,7 +549,7 @@
           <a:p>
             <a:pPr lvl="0"/>
             <a:r>
-              <a:rPr lang="sv-SE" smtClean="0"/>
+              <a:rPr lang="sv-SE"/>
               <a:t>Click to edit Master text styles</a:t>
             </a:r>
           </a:p>
@@ -567,7 +572,7 @@
           <a:p>
             <a:fld id="{4509A250-FF31-4206-8172-F9D3106AACB1}" type="datetimeFigureOut">
               <a:rPr lang="en-US" dirty="0"/>
-              <a:t>9/7/18</a:t>
+              <a:t>9/10/2018</a:t>
             </a:fld>
             <a:endParaRPr lang="en-US" dirty="0"/>
           </a:p>
@@ -665,7 +670,7 @@
           </a:lstStyle>
           <a:p>
             <a:r>
-              <a:rPr lang="sv-SE" smtClean="0"/>
+              <a:rPr lang="sv-SE"/>
               <a:t>Click to edit Master title style</a:t>
             </a:r>
             <a:endParaRPr lang="en-US" dirty="0"/>
@@ -733,7 +738,7 @@
           <a:p>
             <a:pPr lvl="0"/>
             <a:r>
-              <a:rPr lang="sv-SE" smtClean="0"/>
+              <a:rPr lang="sv-SE"/>
               <a:t>Click to edit Master text styles</a:t>
             </a:r>
           </a:p>
@@ -756,7 +761,7 @@
           <a:p>
             <a:fld id="{4509A250-FF31-4206-8172-F9D3106AACB1}" type="datetimeFigureOut">
               <a:rPr lang="en-US" dirty="0"/>
-              <a:t>9/7/18</a:t>
+              <a:t>9/10/2018</a:t>
             </a:fld>
             <a:endParaRPr lang="en-US" dirty="0"/>
           </a:p>
@@ -854,7 +859,7 @@
           </a:lstStyle>
           <a:p>
             <a:r>
-              <a:rPr lang="sv-SE" smtClean="0"/>
+              <a:rPr lang="sv-SE"/>
               <a:t>Click to edit Master title style</a:t>
             </a:r>
             <a:endParaRPr lang="en-US" dirty="0"/>
@@ -934,7 +939,7 @@
               <a:buNone/>
             </a:pPr>
             <a:r>
-              <a:rPr lang="sv-SE" smtClean="0"/>
+              <a:rPr lang="sv-SE"/>
               <a:t>Click to edit Master text styles</a:t>
             </a:r>
           </a:p>
@@ -1001,7 +1006,7 @@
           <a:p>
             <a:pPr lvl="0"/>
             <a:r>
-              <a:rPr lang="sv-SE" smtClean="0"/>
+              <a:rPr lang="sv-SE"/>
               <a:t>Click to edit Master text styles</a:t>
             </a:r>
           </a:p>
@@ -1024,7 +1029,7 @@
           <a:p>
             <a:fld id="{4509A250-FF31-4206-8172-F9D3106AACB1}" type="datetimeFigureOut">
               <a:rPr lang="en-US" dirty="0"/>
-              <a:t>9/7/18</a:t>
+              <a:t>9/10/2018</a:t>
             </a:fld>
             <a:endParaRPr lang="en-US" dirty="0"/>
           </a:p>
@@ -1216,7 +1221,7 @@
           </a:lstStyle>
           <a:p>
             <a:r>
-              <a:rPr lang="sv-SE" smtClean="0"/>
+              <a:rPr lang="sv-SE"/>
               <a:t>Click to edit Master title style</a:t>
             </a:r>
             <a:endParaRPr lang="en-US" dirty="0"/>
@@ -1337,7 +1342,7 @@
           <a:p>
             <a:pPr lvl="0"/>
             <a:r>
-              <a:rPr lang="sv-SE" smtClean="0"/>
+              <a:rPr lang="sv-SE"/>
               <a:t>Click to edit Master text styles</a:t>
             </a:r>
           </a:p>
@@ -1360,7 +1365,7 @@
           <a:p>
             <a:fld id="{4509A250-FF31-4206-8172-F9D3106AACB1}" type="datetimeFigureOut">
               <a:rPr lang="en-US" dirty="0"/>
-              <a:t>9/7/18</a:t>
+              <a:t>9/10/2018</a:t>
             </a:fld>
             <a:endParaRPr lang="en-US" dirty="0"/>
           </a:p>
@@ -1453,7 +1458,7 @@
           </a:lstStyle>
           <a:p>
             <a:r>
-              <a:rPr lang="sv-SE" smtClean="0"/>
+              <a:rPr lang="sv-SE"/>
               <a:t>Click to edit Master title style</a:t>
             </a:r>
             <a:endParaRPr lang="en-US" dirty="0"/>
@@ -1528,7 +1533,7 @@
           <a:p>
             <a:pPr lvl="0"/>
             <a:r>
-              <a:rPr lang="sv-SE" smtClean="0"/>
+              <a:rPr lang="sv-SE"/>
               <a:t>Click to edit Master text styles</a:t>
             </a:r>
           </a:p>
@@ -1595,7 +1600,7 @@
           <a:p>
             <a:pPr lvl="0"/>
             <a:r>
-              <a:rPr lang="sv-SE" smtClean="0"/>
+              <a:rPr lang="sv-SE"/>
               <a:t>Click to edit Master text styles</a:t>
             </a:r>
           </a:p>
@@ -1669,7 +1674,7 @@
           <a:p>
             <a:pPr lvl="0"/>
             <a:r>
-              <a:rPr lang="sv-SE" smtClean="0"/>
+              <a:rPr lang="sv-SE"/>
               <a:t>Click to edit Master text styles</a:t>
             </a:r>
           </a:p>
@@ -1736,7 +1741,7 @@
           <a:p>
             <a:pPr lvl="0"/>
             <a:r>
-              <a:rPr lang="sv-SE" smtClean="0"/>
+              <a:rPr lang="sv-SE"/>
               <a:t>Click to edit Master text styles</a:t>
             </a:r>
           </a:p>
@@ -1810,7 +1815,7 @@
           <a:p>
             <a:pPr lvl="0"/>
             <a:r>
-              <a:rPr lang="sv-SE" smtClean="0"/>
+              <a:rPr lang="sv-SE"/>
               <a:t>Click to edit Master text styles</a:t>
             </a:r>
           </a:p>
@@ -1877,7 +1882,7 @@
           <a:p>
             <a:pPr lvl="0"/>
             <a:r>
-              <a:rPr lang="sv-SE" smtClean="0"/>
+              <a:rPr lang="sv-SE"/>
               <a:t>Click to edit Master text styles</a:t>
             </a:r>
           </a:p>
@@ -1978,7 +1983,7 @@
           <a:p>
             <a:fld id="{4509A250-FF31-4206-8172-F9D3106AACB1}" type="datetimeFigureOut">
               <a:rPr lang="en-US" dirty="0"/>
-              <a:t>9/7/18</a:t>
+              <a:t>9/10/2018</a:t>
             </a:fld>
             <a:endParaRPr lang="en-US" dirty="0"/>
           </a:p>
@@ -2071,7 +2076,7 @@
           </a:lstStyle>
           <a:p>
             <a:r>
-              <a:rPr lang="sv-SE" smtClean="0"/>
+              <a:rPr lang="sv-SE"/>
               <a:t>Click to edit Master title style</a:t>
             </a:r>
             <a:endParaRPr lang="en-US" dirty="0"/>
@@ -2146,7 +2151,7 @@
           <a:p>
             <a:pPr lvl="0"/>
             <a:r>
-              <a:rPr lang="sv-SE" smtClean="0"/>
+              <a:rPr lang="sv-SE"/>
               <a:t>Click to edit Master text styles</a:t>
             </a:r>
           </a:p>
@@ -2224,7 +2229,7 @@
           </a:lstStyle>
           <a:p>
             <a:r>
-              <a:rPr lang="sv-SE" smtClean="0"/>
+              <a:rPr lang="sv-SE"/>
               <a:t>Drag picture to placeholder or click icon to add</a:t>
             </a:r>
             <a:endParaRPr lang="en-US" dirty="0"/>
@@ -2292,7 +2297,7 @@
           <a:p>
             <a:pPr lvl="0"/>
             <a:r>
-              <a:rPr lang="sv-SE" smtClean="0"/>
+              <a:rPr lang="sv-SE"/>
               <a:t>Click to edit Master text styles</a:t>
             </a:r>
           </a:p>
@@ -2366,7 +2371,7 @@
           <a:p>
             <a:pPr lvl="0"/>
             <a:r>
-              <a:rPr lang="sv-SE" smtClean="0"/>
+              <a:rPr lang="sv-SE"/>
               <a:t>Click to edit Master text styles</a:t>
             </a:r>
           </a:p>
@@ -2444,7 +2449,7 @@
           </a:lstStyle>
           <a:p>
             <a:r>
-              <a:rPr lang="sv-SE" smtClean="0"/>
+              <a:rPr lang="sv-SE"/>
               <a:t>Drag picture to placeholder or click icon to add</a:t>
             </a:r>
             <a:endParaRPr lang="en-US" dirty="0"/>
@@ -2512,7 +2517,7 @@
           <a:p>
             <a:pPr lvl="0"/>
             <a:r>
-              <a:rPr lang="sv-SE" smtClean="0"/>
+              <a:rPr lang="sv-SE"/>
               <a:t>Click to edit Master text styles</a:t>
             </a:r>
           </a:p>
@@ -2586,7 +2591,7 @@
           <a:p>
             <a:pPr lvl="0"/>
             <a:r>
-              <a:rPr lang="sv-SE" smtClean="0"/>
+              <a:rPr lang="sv-SE"/>
               <a:t>Click to edit Master text styles</a:t>
             </a:r>
           </a:p>
@@ -2664,7 +2669,7 @@
           </a:lstStyle>
           <a:p>
             <a:r>
-              <a:rPr lang="sv-SE" smtClean="0"/>
+              <a:rPr lang="sv-SE"/>
               <a:t>Drag picture to placeholder or click icon to add</a:t>
             </a:r>
             <a:endParaRPr lang="en-US" dirty="0"/>
@@ -2732,7 +2737,7 @@
           <a:p>
             <a:pPr lvl="0"/>
             <a:r>
-              <a:rPr lang="sv-SE" smtClean="0"/>
+              <a:rPr lang="sv-SE"/>
               <a:t>Click to edit Master text styles</a:t>
             </a:r>
           </a:p>
@@ -2833,7 +2838,7 @@
           <a:p>
             <a:fld id="{4509A250-FF31-4206-8172-F9D3106AACB1}" type="datetimeFigureOut">
               <a:rPr lang="en-US" dirty="0"/>
-              <a:t>9/7/18</a:t>
+              <a:t>9/10/2018</a:t>
             </a:fld>
             <a:endParaRPr lang="en-US" dirty="0"/>
           </a:p>
@@ -2922,7 +2927,7 @@
           <a:lstStyle/>
           <a:p>
             <a:r>
-              <a:rPr lang="sv-SE" smtClean="0"/>
+              <a:rPr lang="sv-SE"/>
               <a:t>Click to edit Master title style</a:t>
             </a:r>
             <a:endParaRPr lang="en-US" dirty="0"/>
@@ -2946,35 +2951,35 @@
           <a:p>
             <a:pPr lvl="0"/>
             <a:r>
-              <a:rPr lang="sv-SE" smtClean="0"/>
+              <a:rPr lang="sv-SE"/>
               <a:t>Click to edit Master text styles</a:t>
             </a:r>
           </a:p>
           <a:p>
             <a:pPr lvl="1"/>
             <a:r>
-              <a:rPr lang="sv-SE" smtClean="0"/>
+              <a:rPr lang="sv-SE"/>
               <a:t>Second level</a:t>
             </a:r>
           </a:p>
           <a:p>
             <a:pPr lvl="2"/>
             <a:r>
-              <a:rPr lang="sv-SE" smtClean="0"/>
+              <a:rPr lang="sv-SE"/>
               <a:t>Third level</a:t>
             </a:r>
           </a:p>
           <a:p>
             <a:pPr lvl="3"/>
             <a:r>
-              <a:rPr lang="sv-SE" smtClean="0"/>
+              <a:rPr lang="sv-SE"/>
               <a:t>Fourth level</a:t>
             </a:r>
           </a:p>
           <a:p>
             <a:pPr lvl="4"/>
             <a:r>
-              <a:rPr lang="sv-SE" smtClean="0"/>
+              <a:rPr lang="sv-SE"/>
               <a:t>Fifth level</a:t>
             </a:r>
             <a:endParaRPr lang="en-US" dirty="0"/>
@@ -2998,7 +3003,7 @@
           <a:p>
             <a:fld id="{4509A250-FF31-4206-8172-F9D3106AACB1}" type="datetimeFigureOut">
               <a:rPr lang="en-US" dirty="0"/>
-              <a:t>9/7/18</a:t>
+              <a:t>9/10/2018</a:t>
             </a:fld>
             <a:endParaRPr lang="en-US" dirty="0"/>
           </a:p>
@@ -3092,7 +3097,7 @@
           <a:lstStyle/>
           <a:p>
             <a:r>
-              <a:rPr lang="sv-SE" smtClean="0"/>
+              <a:rPr lang="sv-SE"/>
               <a:t>Click to edit Master title style</a:t>
             </a:r>
             <a:endParaRPr lang="en-US" dirty="0"/>
@@ -3121,35 +3126,35 @@
           <a:p>
             <a:pPr lvl="0"/>
             <a:r>
-              <a:rPr lang="sv-SE" smtClean="0"/>
+              <a:rPr lang="sv-SE"/>
               <a:t>Click to edit Master text styles</a:t>
             </a:r>
           </a:p>
           <a:p>
             <a:pPr lvl="1"/>
             <a:r>
-              <a:rPr lang="sv-SE" smtClean="0"/>
+              <a:rPr lang="sv-SE"/>
               <a:t>Second level</a:t>
             </a:r>
           </a:p>
           <a:p>
             <a:pPr lvl="2"/>
             <a:r>
-              <a:rPr lang="sv-SE" smtClean="0"/>
+              <a:rPr lang="sv-SE"/>
               <a:t>Third level</a:t>
             </a:r>
           </a:p>
           <a:p>
             <a:pPr lvl="3"/>
             <a:r>
-              <a:rPr lang="sv-SE" smtClean="0"/>
+              <a:rPr lang="sv-SE"/>
               <a:t>Fourth level</a:t>
             </a:r>
           </a:p>
           <a:p>
             <a:pPr lvl="4"/>
             <a:r>
-              <a:rPr lang="sv-SE" smtClean="0"/>
+              <a:rPr lang="sv-SE"/>
               <a:t>Fifth level</a:t>
             </a:r>
             <a:endParaRPr lang="en-US" dirty="0"/>
@@ -3173,7 +3178,7 @@
           <a:p>
             <a:fld id="{4509A250-FF31-4206-8172-F9D3106AACB1}" type="datetimeFigureOut">
               <a:rPr lang="en-US" dirty="0"/>
-              <a:t>9/7/18</a:t>
+              <a:t>9/10/2018</a:t>
             </a:fld>
             <a:endParaRPr lang="en-US" dirty="0"/>
           </a:p>
@@ -3270,27 +3275,27 @@
           </a:lstStyle>
           <a:p>
             <a:r>
-              <a:rPr lang="sv-SE" dirty="0" err="1" smtClean="0"/>
+              <a:rPr lang="sv-SE" dirty="0" err="1"/>
               <a:t>Click</a:t>
             </a:r>
             <a:r>
-              <a:rPr lang="sv-SE" dirty="0" smtClean="0"/>
+              <a:rPr lang="sv-SE" dirty="0"/>
               <a:t> to </a:t>
             </a:r>
             <a:r>
-              <a:rPr lang="sv-SE" dirty="0" err="1" smtClean="0"/>
+              <a:rPr lang="sv-SE" dirty="0" err="1"/>
               <a:t>edit</a:t>
             </a:r>
             <a:r>
-              <a:rPr lang="sv-SE" dirty="0" smtClean="0"/>
+              <a:rPr lang="sv-SE" dirty="0"/>
               <a:t> Master </a:t>
             </a:r>
             <a:r>
-              <a:rPr lang="sv-SE" dirty="0" err="1" smtClean="0"/>
+              <a:rPr lang="sv-SE" dirty="0" err="1"/>
               <a:t>title</a:t>
             </a:r>
             <a:r>
-              <a:rPr lang="sv-SE" dirty="0" smtClean="0"/>
+              <a:rPr lang="sv-SE" dirty="0"/>
               <a:t> style</a:t>
             </a:r>
             <a:endParaRPr lang="en-US" dirty="0"/>
@@ -3350,83 +3355,83 @@
           <a:p>
             <a:pPr lvl="0"/>
             <a:r>
-              <a:rPr lang="sv-SE" dirty="0" err="1" smtClean="0"/>
+              <a:rPr lang="sv-SE" dirty="0" err="1"/>
               <a:t>Click</a:t>
             </a:r>
             <a:r>
-              <a:rPr lang="sv-SE" dirty="0" smtClean="0"/>
+              <a:rPr lang="sv-SE" dirty="0"/>
               <a:t> to </a:t>
             </a:r>
             <a:r>
-              <a:rPr lang="sv-SE" dirty="0" err="1" smtClean="0"/>
+              <a:rPr lang="sv-SE" dirty="0" err="1"/>
               <a:t>edit</a:t>
             </a:r>
             <a:r>
-              <a:rPr lang="sv-SE" dirty="0" smtClean="0"/>
+              <a:rPr lang="sv-SE" dirty="0"/>
               <a:t> Master text </a:t>
             </a:r>
             <a:r>
-              <a:rPr lang="sv-SE" dirty="0" err="1" smtClean="0"/>
+              <a:rPr lang="sv-SE" dirty="0" err="1"/>
               <a:t>styles</a:t>
             </a:r>
-            <a:endParaRPr lang="sv-SE" dirty="0" smtClean="0"/>
+            <a:endParaRPr lang="sv-SE" dirty="0"/>
           </a:p>
           <a:p>
             <a:pPr lvl="1"/>
             <a:r>
-              <a:rPr lang="sv-SE" dirty="0" smtClean="0"/>
+              <a:rPr lang="sv-SE" dirty="0"/>
               <a:t>Second </a:t>
             </a:r>
             <a:r>
-              <a:rPr lang="sv-SE" dirty="0" err="1" smtClean="0"/>
+              <a:rPr lang="sv-SE" dirty="0" err="1"/>
               <a:t>level</a:t>
             </a:r>
-            <a:endParaRPr lang="sv-SE" dirty="0" smtClean="0"/>
+            <a:endParaRPr lang="sv-SE" dirty="0"/>
           </a:p>
           <a:p>
             <a:pPr lvl="2"/>
             <a:r>
-              <a:rPr lang="sv-SE" dirty="0" err="1" smtClean="0"/>
+              <a:rPr lang="sv-SE" dirty="0" err="1"/>
               <a:t>Third</a:t>
             </a:r>
             <a:r>
-              <a:rPr lang="sv-SE" dirty="0" smtClean="0"/>
+              <a:rPr lang="sv-SE" dirty="0"/>
               <a:t> </a:t>
             </a:r>
             <a:r>
-              <a:rPr lang="sv-SE" dirty="0" err="1" smtClean="0"/>
+              <a:rPr lang="sv-SE" dirty="0" err="1"/>
               <a:t>level</a:t>
             </a:r>
-            <a:endParaRPr lang="sv-SE" dirty="0" smtClean="0"/>
+            <a:endParaRPr lang="sv-SE" dirty="0"/>
           </a:p>
           <a:p>
             <a:pPr lvl="3"/>
             <a:r>
-              <a:rPr lang="sv-SE" dirty="0" err="1" smtClean="0"/>
+              <a:rPr lang="sv-SE" dirty="0" err="1"/>
               <a:t>Fourth</a:t>
             </a:r>
             <a:r>
-              <a:rPr lang="sv-SE" dirty="0" smtClean="0"/>
+              <a:rPr lang="sv-SE" dirty="0"/>
               <a:t> </a:t>
             </a:r>
             <a:r>
-              <a:rPr lang="sv-SE" dirty="0" err="1" smtClean="0"/>
+              <a:rPr lang="sv-SE" dirty="0" err="1"/>
               <a:t>level</a:t>
             </a:r>
-            <a:endParaRPr lang="sv-SE" dirty="0" smtClean="0"/>
+            <a:endParaRPr lang="sv-SE" dirty="0"/>
           </a:p>
           <a:p>
             <a:pPr lvl="4"/>
             <a:r>
-              <a:rPr lang="sv-SE" dirty="0" err="1" smtClean="0"/>
+              <a:rPr lang="sv-SE" dirty="0" err="1"/>
               <a:t>Fifth</a:t>
             </a:r>
             <a:r>
-              <a:rPr lang="sv-SE" dirty="0" smtClean="0"/>
+              <a:rPr lang="sv-SE" dirty="0"/>
               <a:t> </a:t>
             </a:r>
             <a:r>
-              <a:rPr lang="sv-SE" dirty="0" err="1" smtClean="0"/>
+              <a:rPr lang="sv-SE" dirty="0" err="1"/>
               <a:t>level</a:t>
             </a:r>
             <a:endParaRPr lang="en-US" dirty="0"/>
@@ -3450,7 +3455,7 @@
           <a:p>
             <a:fld id="{4509A250-FF31-4206-8172-F9D3106AACB1}" type="datetimeFigureOut">
               <a:rPr lang="en-US" dirty="0"/>
-              <a:t>9/7/18</a:t>
+              <a:t>9/10/2018</a:t>
             </a:fld>
             <a:endParaRPr lang="en-US" dirty="0"/>
           </a:p>
@@ -3548,7 +3553,7 @@
           </a:lstStyle>
           <a:p>
             <a:r>
-              <a:rPr lang="sv-SE" smtClean="0"/>
+              <a:rPr lang="sv-SE"/>
               <a:t>Click to edit Master title style</a:t>
             </a:r>
             <a:endParaRPr lang="en-US" dirty="0"/>
@@ -3669,7 +3674,7 @@
           <a:p>
             <a:pPr lvl="0"/>
             <a:r>
-              <a:rPr lang="sv-SE" smtClean="0"/>
+              <a:rPr lang="sv-SE"/>
               <a:t>Click to edit Master text styles</a:t>
             </a:r>
           </a:p>
@@ -3692,7 +3697,7 @@
           <a:p>
             <a:fld id="{9796027F-7875-4030-9381-8BD8C4F21935}" type="datetimeFigureOut">
               <a:rPr lang="en-US" dirty="0"/>
-              <a:t>9/7/18</a:t>
+              <a:t>9/10/2018</a:t>
             </a:fld>
             <a:endParaRPr lang="en-US" dirty="0"/>
           </a:p>
@@ -3781,7 +3786,7 @@
           <a:lstStyle/>
           <a:p>
             <a:r>
-              <a:rPr lang="sv-SE" smtClean="0"/>
+              <a:rPr lang="sv-SE"/>
               <a:t>Click to edit Master title style</a:t>
             </a:r>
             <a:endParaRPr lang="en-US" dirty="0"/>
@@ -3840,35 +3845,35 @@
           <a:p>
             <a:pPr lvl="0"/>
             <a:r>
-              <a:rPr lang="sv-SE" smtClean="0"/>
+              <a:rPr lang="sv-SE"/>
               <a:t>Click to edit Master text styles</a:t>
             </a:r>
           </a:p>
           <a:p>
             <a:pPr lvl="1"/>
             <a:r>
-              <a:rPr lang="sv-SE" smtClean="0"/>
+              <a:rPr lang="sv-SE"/>
               <a:t>Second level</a:t>
             </a:r>
           </a:p>
           <a:p>
             <a:pPr lvl="2"/>
             <a:r>
-              <a:rPr lang="sv-SE" smtClean="0"/>
+              <a:rPr lang="sv-SE"/>
               <a:t>Third level</a:t>
             </a:r>
           </a:p>
           <a:p>
             <a:pPr lvl="3"/>
             <a:r>
-              <a:rPr lang="sv-SE" smtClean="0"/>
+              <a:rPr lang="sv-SE"/>
               <a:t>Fourth level</a:t>
             </a:r>
           </a:p>
           <a:p>
             <a:pPr lvl="4"/>
             <a:r>
-              <a:rPr lang="sv-SE" smtClean="0"/>
+              <a:rPr lang="sv-SE"/>
               <a:t>Fifth level</a:t>
             </a:r>
             <a:endParaRPr lang="en-US" dirty="0"/>
@@ -3927,35 +3932,35 @@
           <a:p>
             <a:pPr lvl="0"/>
             <a:r>
-              <a:rPr lang="sv-SE" smtClean="0"/>
+              <a:rPr lang="sv-SE"/>
               <a:t>Click to edit Master text styles</a:t>
             </a:r>
           </a:p>
           <a:p>
             <a:pPr lvl="1"/>
             <a:r>
-              <a:rPr lang="sv-SE" smtClean="0"/>
+              <a:rPr lang="sv-SE"/>
               <a:t>Second level</a:t>
             </a:r>
           </a:p>
           <a:p>
             <a:pPr lvl="2"/>
             <a:r>
-              <a:rPr lang="sv-SE" smtClean="0"/>
+              <a:rPr lang="sv-SE"/>
               <a:t>Third level</a:t>
             </a:r>
           </a:p>
           <a:p>
             <a:pPr lvl="3"/>
             <a:r>
-              <a:rPr lang="sv-SE" smtClean="0"/>
+              <a:rPr lang="sv-SE"/>
               <a:t>Fourth level</a:t>
             </a:r>
           </a:p>
           <a:p>
             <a:pPr lvl="4"/>
             <a:r>
-              <a:rPr lang="sv-SE" smtClean="0"/>
+              <a:rPr lang="sv-SE"/>
               <a:t>Fifth level</a:t>
             </a:r>
             <a:endParaRPr lang="en-US" dirty="0"/>
@@ -3979,7 +3984,7 @@
           <a:p>
             <a:fld id="{9796027F-7875-4030-9381-8BD8C4F21935}" type="datetimeFigureOut">
               <a:rPr lang="en-US" dirty="0"/>
-              <a:t>9/7/18</a:t>
+              <a:t>9/10/2018</a:t>
             </a:fld>
             <a:endParaRPr lang="en-US" dirty="0"/>
           </a:p>
@@ -4072,7 +4077,7 @@
           </a:lstStyle>
           <a:p>
             <a:r>
-              <a:rPr lang="sv-SE" smtClean="0"/>
+              <a:rPr lang="sv-SE"/>
               <a:t>Click to edit Master title style</a:t>
             </a:r>
             <a:endParaRPr lang="en-US" dirty="0"/>
@@ -4147,7 +4152,7 @@
           <a:p>
             <a:pPr lvl="0"/>
             <a:r>
-              <a:rPr lang="sv-SE" smtClean="0"/>
+              <a:rPr lang="sv-SE"/>
               <a:t>Click to edit Master text styles</a:t>
             </a:r>
           </a:p>
@@ -4205,35 +4210,35 @@
           <a:p>
             <a:pPr lvl="0"/>
             <a:r>
-              <a:rPr lang="sv-SE" smtClean="0"/>
+              <a:rPr lang="sv-SE"/>
               <a:t>Click to edit Master text styles</a:t>
             </a:r>
           </a:p>
           <a:p>
             <a:pPr lvl="1"/>
             <a:r>
-              <a:rPr lang="sv-SE" smtClean="0"/>
+              <a:rPr lang="sv-SE"/>
               <a:t>Second level</a:t>
             </a:r>
           </a:p>
           <a:p>
             <a:pPr lvl="2"/>
             <a:r>
-              <a:rPr lang="sv-SE" smtClean="0"/>
+              <a:rPr lang="sv-SE"/>
               <a:t>Third level</a:t>
             </a:r>
           </a:p>
           <a:p>
             <a:pPr lvl="3"/>
             <a:r>
-              <a:rPr lang="sv-SE" smtClean="0"/>
+              <a:rPr lang="sv-SE"/>
               <a:t>Fourth level</a:t>
             </a:r>
           </a:p>
           <a:p>
             <a:pPr lvl="4"/>
             <a:r>
-              <a:rPr lang="sv-SE" smtClean="0"/>
+              <a:rPr lang="sv-SE"/>
               <a:t>Fifth level</a:t>
             </a:r>
             <a:endParaRPr lang="en-US" dirty="0"/>
@@ -4308,7 +4313,7 @@
           <a:p>
             <a:pPr lvl="0"/>
             <a:r>
-              <a:rPr lang="sv-SE" smtClean="0"/>
+              <a:rPr lang="sv-SE"/>
               <a:t>Click to edit Master text styles</a:t>
             </a:r>
           </a:p>
@@ -4366,35 +4371,35 @@
           <a:p>
             <a:pPr lvl="0"/>
             <a:r>
-              <a:rPr lang="sv-SE" smtClean="0"/>
+              <a:rPr lang="sv-SE"/>
               <a:t>Click to edit Master text styles</a:t>
             </a:r>
           </a:p>
           <a:p>
             <a:pPr lvl="1"/>
             <a:r>
-              <a:rPr lang="sv-SE" smtClean="0"/>
+              <a:rPr lang="sv-SE"/>
               <a:t>Second level</a:t>
             </a:r>
           </a:p>
           <a:p>
             <a:pPr lvl="2"/>
             <a:r>
-              <a:rPr lang="sv-SE" smtClean="0"/>
+              <a:rPr lang="sv-SE"/>
               <a:t>Third level</a:t>
             </a:r>
           </a:p>
           <a:p>
             <a:pPr lvl="3"/>
             <a:r>
-              <a:rPr lang="sv-SE" smtClean="0"/>
+              <a:rPr lang="sv-SE"/>
               <a:t>Fourth level</a:t>
             </a:r>
           </a:p>
           <a:p>
             <a:pPr lvl="4"/>
             <a:r>
-              <a:rPr lang="sv-SE" smtClean="0"/>
+              <a:rPr lang="sv-SE"/>
               <a:t>Fifth level</a:t>
             </a:r>
             <a:endParaRPr lang="en-US" dirty="0"/>
@@ -4418,7 +4423,7 @@
           <a:p>
             <a:fld id="{9796027F-7875-4030-9381-8BD8C4F21935}" type="datetimeFigureOut">
               <a:rPr lang="en-US" dirty="0"/>
-              <a:t>9/7/18</a:t>
+              <a:t>9/10/2018</a:t>
             </a:fld>
             <a:endParaRPr lang="en-US" dirty="0"/>
           </a:p>
@@ -4507,7 +4512,7 @@
           <a:lstStyle/>
           <a:p>
             <a:r>
-              <a:rPr lang="sv-SE" smtClean="0"/>
+              <a:rPr lang="sv-SE"/>
               <a:t>Click to edit Master title style</a:t>
             </a:r>
             <a:endParaRPr lang="en-US" dirty="0"/>
@@ -4531,7 +4536,7 @@
           <a:p>
             <a:fld id="{4509A250-FF31-4206-8172-F9D3106AACB1}" type="datetimeFigureOut">
               <a:rPr lang="en-US" dirty="0"/>
-              <a:t>9/7/18</a:t>
+              <a:t>9/10/2018</a:t>
             </a:fld>
             <a:endParaRPr lang="en-US" dirty="0"/>
           </a:p>
@@ -4621,7 +4626,7 @@
           <a:p>
             <a:fld id="{4509A250-FF31-4206-8172-F9D3106AACB1}" type="datetimeFigureOut">
               <a:rPr lang="en-US" dirty="0"/>
-              <a:t>9/7/18</a:t>
+              <a:t>9/10/2018</a:t>
             </a:fld>
             <a:endParaRPr lang="en-US" dirty="0"/>
           </a:p>
@@ -4719,7 +4724,7 @@
           </a:lstStyle>
           <a:p>
             <a:r>
-              <a:rPr lang="sv-SE" smtClean="0"/>
+              <a:rPr lang="sv-SE"/>
               <a:t>Click to edit Master title style</a:t>
             </a:r>
             <a:endParaRPr lang="en-US" dirty="0"/>
@@ -4778,35 +4783,35 @@
           <a:p>
             <a:pPr lvl="0"/>
             <a:r>
-              <a:rPr lang="sv-SE" smtClean="0"/>
+              <a:rPr lang="sv-SE"/>
               <a:t>Click to edit Master text styles</a:t>
             </a:r>
           </a:p>
           <a:p>
             <a:pPr lvl="1"/>
             <a:r>
-              <a:rPr lang="sv-SE" smtClean="0"/>
+              <a:rPr lang="sv-SE"/>
               <a:t>Second level</a:t>
             </a:r>
           </a:p>
           <a:p>
             <a:pPr lvl="2"/>
             <a:r>
-              <a:rPr lang="sv-SE" smtClean="0"/>
+              <a:rPr lang="sv-SE"/>
               <a:t>Third level</a:t>
             </a:r>
           </a:p>
           <a:p>
             <a:pPr lvl="3"/>
             <a:r>
-              <a:rPr lang="sv-SE" smtClean="0"/>
+              <a:rPr lang="sv-SE"/>
               <a:t>Fourth level</a:t>
             </a:r>
           </a:p>
           <a:p>
             <a:pPr lvl="4"/>
             <a:r>
-              <a:rPr lang="sv-SE" smtClean="0"/>
+              <a:rPr lang="sv-SE"/>
               <a:t>Fifth level</a:t>
             </a:r>
             <a:endParaRPr lang="en-US" dirty="0"/>
@@ -4872,7 +4877,7 @@
           <a:p>
             <a:pPr lvl="0"/>
             <a:r>
-              <a:rPr lang="sv-SE" smtClean="0"/>
+              <a:rPr lang="sv-SE"/>
               <a:t>Click to edit Master text styles</a:t>
             </a:r>
           </a:p>
@@ -4895,7 +4900,7 @@
           <a:p>
             <a:fld id="{4509A250-FF31-4206-8172-F9D3106AACB1}" type="datetimeFigureOut">
               <a:rPr lang="en-US" dirty="0"/>
-              <a:t>9/7/18</a:t>
+              <a:t>9/10/2018</a:t>
             </a:fld>
             <a:endParaRPr lang="en-US" dirty="0"/>
           </a:p>
@@ -4995,7 +5000,7 @@
           </a:lstStyle>
           <a:p>
             <a:r>
-              <a:rPr lang="sv-SE" smtClean="0"/>
+              <a:rPr lang="sv-SE"/>
               <a:t>Click to edit Master title style</a:t>
             </a:r>
             <a:endParaRPr lang="en-US" dirty="0"/>
@@ -5074,7 +5079,7 @@
           </a:lstStyle>
           <a:p>
             <a:r>
-              <a:rPr lang="sv-SE" smtClean="0"/>
+              <a:rPr lang="sv-SE"/>
               <a:t>Drag picture to placeholder or click icon to add</a:t>
             </a:r>
             <a:endParaRPr lang="en-US" dirty="0"/>
@@ -5142,7 +5147,7 @@
           <a:p>
             <a:pPr lvl="0"/>
             <a:r>
-              <a:rPr lang="sv-SE" smtClean="0"/>
+              <a:rPr lang="sv-SE"/>
               <a:t>Click to edit Master text styles</a:t>
             </a:r>
           </a:p>
@@ -5165,7 +5170,7 @@
           <a:p>
             <a:fld id="{4509A250-FF31-4206-8172-F9D3106AACB1}" type="datetimeFigureOut">
               <a:rPr lang="en-US" dirty="0"/>
-              <a:t>9/7/18</a:t>
+              <a:t>9/10/2018</a:t>
             </a:fld>
             <a:endParaRPr lang="en-US" dirty="0"/>
           </a:p>
@@ -5484,31 +5489,31 @@
           <a:lstStyle/>
           <a:p>
             <a:r>
-              <a:rPr lang="sv-SE" dirty="0" err="1" smtClean="0"/>
+              <a:rPr lang="sv-SE" dirty="0" err="1"/>
               <a:t>Click</a:t>
             </a:r>
             <a:r>
-              <a:rPr lang="sv-SE" dirty="0" smtClean="0"/>
+              <a:rPr lang="sv-SE" dirty="0"/>
               <a:t> to </a:t>
             </a:r>
             <a:r>
-              <a:rPr lang="sv-SE" dirty="0" err="1" smtClean="0"/>
+              <a:rPr lang="sv-SE" dirty="0" err="1"/>
               <a:t>edit</a:t>
             </a:r>
             <a:r>
-              <a:rPr lang="sv-SE" dirty="0" smtClean="0"/>
+              <a:rPr lang="sv-SE" dirty="0"/>
               <a:t> Master </a:t>
             </a:r>
             <a:r>
-              <a:rPr lang="sv-SE" dirty="0" err="1" smtClean="0"/>
+              <a:rPr lang="sv-SE" dirty="0" err="1"/>
               <a:t>title</a:t>
             </a:r>
             <a:r>
-              <a:rPr lang="sv-SE" dirty="0" smtClean="0"/>
+              <a:rPr lang="sv-SE" dirty="0"/>
               <a:t> </a:t>
             </a:r>
             <a:r>
-              <a:rPr lang="sv-SE" dirty="0" err="1" smtClean="0"/>
+              <a:rPr lang="sv-SE" dirty="0" err="1"/>
               <a:t>styles</a:t>
             </a:r>
             <a:endParaRPr lang="en-US" dirty="0"/>
@@ -5542,35 +5547,35 @@
           <a:p>
             <a:pPr lvl="0"/>
             <a:r>
-              <a:rPr lang="sv-SE" smtClean="0"/>
+              <a:rPr lang="sv-SE"/>
               <a:t>Click to edit Master text styles</a:t>
             </a:r>
           </a:p>
           <a:p>
             <a:pPr lvl="1"/>
             <a:r>
-              <a:rPr lang="sv-SE" smtClean="0"/>
+              <a:rPr lang="sv-SE"/>
               <a:t>Second level</a:t>
             </a:r>
           </a:p>
           <a:p>
             <a:pPr lvl="2"/>
             <a:r>
-              <a:rPr lang="sv-SE" smtClean="0"/>
+              <a:rPr lang="sv-SE"/>
               <a:t>Third level</a:t>
             </a:r>
           </a:p>
           <a:p>
             <a:pPr lvl="3"/>
             <a:r>
-              <a:rPr lang="sv-SE" smtClean="0"/>
+              <a:rPr lang="sv-SE"/>
               <a:t>Fourth level</a:t>
             </a:r>
           </a:p>
           <a:p>
             <a:pPr lvl="4"/>
             <a:r>
-              <a:rPr lang="sv-SE" smtClean="0"/>
+              <a:rPr lang="sv-SE"/>
               <a:t>Fifth level</a:t>
             </a:r>
             <a:endParaRPr lang="en-US" dirty="0"/>
@@ -5613,7 +5618,7 @@
           <a:p>
             <a:fld id="{4AAD347D-5ACD-4C99-B74B-A9C85AD731AF}" type="datetimeFigureOut">
               <a:rPr lang="en-US" dirty="0"/>
-              <a:t>9/7/18</a:t>
+              <a:t>9/10/2018</a:t>
             </a:fld>
             <a:endParaRPr lang="en-US" dirty="0"/>
           </a:p>
@@ -6158,60 +6163,95 @@
           <a:lstStyle/>
           <a:p>
             <a:r>
-              <a:rPr lang="en-US" dirty="0" smtClean="0">
+              <a:rPr lang="en-US" dirty="0">
                 <a:latin typeface="Helvetica Light" charset="0"/>
                 <a:ea typeface="Helvetica Light" charset="0"/>
                 <a:cs typeface="Helvetica Light" charset="0"/>
               </a:rPr>
               <a:t>QuickSight</a:t>
             </a:r>
-            <a:endParaRPr lang="en-US" dirty="0">
+          </a:p>
+        </p:txBody>
+      </p:sp>
+      <p:sp>
+        <p:nvSpPr>
+          <p:cNvPr id="3" name="Subtitle 2"/>
+          <p:cNvSpPr>
+            <a:spLocks noGrp="1"/>
+          </p:cNvSpPr>
+          <p:nvPr>
+            <p:ph type="subTitle" idx="1"/>
+          </p:nvPr>
+        </p:nvSpPr>
+        <p:spPr>
+          <a:xfrm>
+            <a:off x="1154955" y="4777379"/>
+            <a:ext cx="10536302" cy="1539445"/>
+          </a:xfrm>
+        </p:spPr>
+        <p:txBody>
+          <a:bodyPr>
+            <a:noAutofit/>
+          </a:bodyPr>
+          <a:lstStyle/>
+          <a:p>
+            <a:r>
+              <a:rPr lang="en-US" sz="1800" cap="none" dirty="0">
+                <a:latin typeface="Helvetica Light" charset="0"/>
+                <a:ea typeface="Helvetica Light" charset="0"/>
+                <a:cs typeface="Helvetica Light" charset="0"/>
+              </a:rPr>
+              <a:t>Bite sized information in the corner of your eye</a:t>
+            </a:r>
+          </a:p>
+          <a:p>
+            <a:endParaRPr lang="en-US" sz="1800" cap="none" dirty="0">
               <a:latin typeface="Helvetica Light" charset="0"/>
               <a:ea typeface="Helvetica Light" charset="0"/>
               <a:cs typeface="Helvetica Light" charset="0"/>
             </a:endParaRPr>
           </a:p>
-        </p:txBody>
-      </p:sp>
-      <p:sp>
-        <p:nvSpPr>
-          <p:cNvPr id="3" name="Subtitle 2"/>
-          <p:cNvSpPr>
-            <a:spLocks noGrp="1"/>
-          </p:cNvSpPr>
-          <p:nvPr>
-            <p:ph type="subTitle" idx="1"/>
-          </p:nvPr>
-        </p:nvSpPr>
-        <p:spPr>
-          <a:xfrm>
-            <a:off x="1154955" y="4777379"/>
-            <a:ext cx="8825658" cy="1090985"/>
-          </a:xfrm>
-        </p:spPr>
-        <p:txBody>
-          <a:bodyPr>
-            <a:noAutofit/>
-          </a:bodyPr>
-          <a:lstStyle/>
-          <a:p>
-            <a:r>
-              <a:rPr lang="en-US" sz="1800" cap="none" dirty="0" smtClean="0">
+          <a:p>
+            <a:endParaRPr lang="en-US" sz="1800" cap="none" dirty="0">
+              <a:latin typeface="Helvetica Light" charset="0"/>
+              <a:ea typeface="Helvetica Light" charset="0"/>
+              <a:cs typeface="Helvetica Light" charset="0"/>
+            </a:endParaRPr>
+          </a:p>
+          <a:p>
+            <a:r>
+              <a:rPr lang="en-US" sz="1800" cap="none" dirty="0">
                 <a:latin typeface="Helvetica Light" charset="0"/>
                 <a:ea typeface="Helvetica Light" charset="0"/>
                 <a:cs typeface="Helvetica Light" charset="0"/>
               </a:rPr>
-              <a:t>Bite sized information in </a:t>
-            </a:r>
-            <a:r>
-              <a:rPr lang="en-US" sz="1800" cap="none" smtClean="0">
+              <a:t>												Mustafa Hamada, </a:t>
+            </a:r>
+            <a:r>
+              <a:rPr lang="en-US" sz="1800" cap="none" dirty="0" err="1">
                 <a:latin typeface="Helvetica Light" charset="0"/>
                 <a:ea typeface="Helvetica Light" charset="0"/>
                 <a:cs typeface="Helvetica Light" charset="0"/>
               </a:rPr>
-              <a:t>the corner of your eye</a:t>
-            </a:r>
-            <a:endParaRPr lang="en-US" sz="1800" cap="none" dirty="0" smtClean="0">
+              <a:t>Christoffer</a:t>
+            </a:r>
+            <a:r>
+              <a:rPr lang="en-US" sz="1800" cap="none" dirty="0">
+                <a:latin typeface="Helvetica Light" charset="0"/>
+                <a:ea typeface="Helvetica Light" charset="0"/>
+                <a:cs typeface="Helvetica Light" charset="0"/>
+              </a:rPr>
+              <a:t> Palm &amp; Marie </a:t>
+            </a:r>
+            <a:r>
+              <a:rPr lang="en-US" sz="1800" cap="none" dirty="0" err="1">
+                <a:latin typeface="Helvetica Light" charset="0"/>
+                <a:ea typeface="Helvetica Light" charset="0"/>
+                <a:cs typeface="Helvetica Light" charset="0"/>
+              </a:rPr>
+              <a:t>Sahiti</a:t>
+            </a:r>
+            <a:endParaRPr lang="en-US" sz="1800" cap="none" dirty="0">
               <a:latin typeface="Helvetica Light" charset="0"/>
               <a:ea typeface="Helvetica Light" charset="0"/>
               <a:cs typeface="Helvetica Light" charset="0"/>
@@ -6229,13 +6269,6 @@
   <p:clrMapOvr>
     <a:masterClrMapping/>
   </p:clrMapOvr>
-  <p:timing>
-    <p:tnLst>
-      <p:par>
-        <p:cTn id="1" dur="indefinite" restart="never" nodeType="tmRoot"/>
-      </p:par>
-    </p:tnLst>
-  </p:timing>
 </p:sld>
 </file>
 
@@ -6272,18 +6305,13 @@
           <a:lstStyle/>
           <a:p>
             <a:r>
-              <a:rPr lang="sv-SE" dirty="0" smtClean="0">
+              <a:rPr lang="sv-SE" dirty="0">
                 <a:latin typeface="Helvetica Neue Light" charset="0"/>
                 <a:ea typeface="Helvetica Neue Light" charset="0"/>
                 <a:cs typeface="Helvetica Neue Light" charset="0"/>
               </a:rPr>
               <a:t>Idén: interaktiv spegel</a:t>
             </a:r>
-            <a:endParaRPr lang="sv-SE" dirty="0">
-              <a:latin typeface="Helvetica Neue Light" charset="0"/>
-              <a:ea typeface="Helvetica Neue Light" charset="0"/>
-              <a:cs typeface="Helvetica Neue Light" charset="0"/>
-            </a:endParaRPr>
           </a:p>
         </p:txBody>
       </p:sp>
@@ -6303,69 +6331,62 @@
           <a:lstStyle/>
           <a:p>
             <a:r>
-              <a:rPr lang="sv-SE" dirty="0" smtClean="0"/>
+              <a:rPr lang="sv-SE" dirty="0"/>
               <a:t>Morgon scenario</a:t>
             </a:r>
           </a:p>
           <a:p>
             <a:pPr lvl="1"/>
             <a:r>
-              <a:rPr lang="sv-SE" dirty="0" smtClean="0"/>
+              <a:rPr lang="sv-SE" dirty="0"/>
               <a:t>Väder temperatur när man vaknar </a:t>
             </a:r>
           </a:p>
           <a:p>
             <a:pPr lvl="1"/>
             <a:r>
-              <a:rPr lang="sv-SE" dirty="0" smtClean="0"/>
-              <a:t>Snabb titt i spegeln innan man går ut ur dörren</a:t>
+              <a:rPr lang="sv-SE" dirty="0"/>
+              <a:t>Snabb titt i spegeln innan man går ut genom dörren</a:t>
             </a:r>
           </a:p>
           <a:p>
             <a:pPr lvl="1"/>
             <a:r>
-              <a:rPr lang="sv-SE" dirty="0" smtClean="0"/>
+              <a:rPr lang="sv-SE" dirty="0"/>
               <a:t>Väder prognos </a:t>
             </a:r>
           </a:p>
           <a:p>
             <a:pPr lvl="1"/>
             <a:r>
-              <a:rPr lang="sv-SE" dirty="0" smtClean="0"/>
+              <a:rPr lang="sv-SE" dirty="0"/>
               <a:t>Snabba nyheter när man tar på sig jackan</a:t>
             </a:r>
           </a:p>
           <a:p>
             <a:r>
-              <a:rPr lang="sv-SE" dirty="0" smtClean="0"/>
+              <a:rPr lang="sv-SE" dirty="0"/>
               <a:t>Notiser på morgonen</a:t>
             </a:r>
           </a:p>
           <a:p>
             <a:pPr lvl="1"/>
             <a:r>
-              <a:rPr lang="sv-SE" dirty="0" smtClean="0"/>
+              <a:rPr lang="sv-SE" dirty="0"/>
               <a:t>Snabba meddelanden på spegeln</a:t>
             </a:r>
           </a:p>
           <a:p>
             <a:r>
-              <a:rPr lang="sv-SE" dirty="0" smtClean="0"/>
+              <a:rPr lang="sv-SE" dirty="0"/>
               <a:t>Daglig rutin</a:t>
             </a:r>
           </a:p>
           <a:p>
             <a:pPr lvl="1"/>
             <a:r>
-              <a:rPr lang="sv-SE" dirty="0" smtClean="0"/>
+              <a:rPr lang="sv-SE" dirty="0"/>
               <a:t>Borsta tänderna </a:t>
-            </a:r>
-          </a:p>
-          <a:p>
-            <a:pPr lvl="1"/>
-            <a:r>
-              <a:rPr lang="sv-SE" dirty="0" smtClean="0"/>
-              <a:t>Bad rummet</a:t>
             </a:r>
           </a:p>
         </p:txBody>
@@ -6380,13 +6401,6 @@
   <p:clrMapOvr>
     <a:masterClrMapping/>
   </p:clrMapOvr>
-  <p:timing>
-    <p:tnLst>
-      <p:par>
-        <p:cTn id="1" dur="indefinite" restart="never" nodeType="tmRoot"/>
-      </p:par>
-    </p:tnLst>
-  </p:timing>
 </p:sld>
 </file>
 
@@ -6409,43 +6423,51 @@
       </p:grpSpPr>
       <p:sp>
         <p:nvSpPr>
-          <p:cNvPr id="2" name="Title 1"/>
-          <p:cNvSpPr>
-            <a:spLocks noGrp="1"/>
-          </p:cNvSpPr>
-          <p:nvPr>
-            <p:ph type="ctrTitle"/>
-          </p:nvPr>
-        </p:nvSpPr>
-        <p:spPr/>
+          <p:cNvPr id="2" name="Rubrik 1">
+            <a:extLst>
+              <a:ext uri="{FF2B5EF4-FFF2-40B4-BE49-F238E27FC236}">
+                <a16:creationId xmlns:a16="http://schemas.microsoft.com/office/drawing/2014/main" id="{9122A6C2-26F9-4631-A776-F060D0C9FF8C}"/>
+              </a:ext>
+            </a:extLst>
+          </p:cNvPr>
+          <p:cNvSpPr>
+            <a:spLocks noGrp="1"/>
+          </p:cNvSpPr>
+          <p:nvPr>
+            <p:ph type="title"/>
+          </p:nvPr>
+        </p:nvSpPr>
+        <p:spPr>
+          <a:xfrm>
+            <a:off x="646111" y="652388"/>
+            <a:ext cx="9404723" cy="1400530"/>
+          </a:xfrm>
+        </p:spPr>
         <p:txBody>
           <a:bodyPr/>
           <a:lstStyle/>
           <a:p>
             <a:r>
-              <a:rPr lang="en-US" dirty="0" smtClean="0">
-                <a:latin typeface="Helvetica Light" charset="0"/>
-                <a:ea typeface="Helvetica Light" charset="0"/>
-                <a:cs typeface="Helvetica Light" charset="0"/>
-              </a:rPr>
-              <a:t>QuickSight</a:t>
-            </a:r>
-            <a:endParaRPr lang="en-US" dirty="0">
-              <a:latin typeface="Helvetica Light" charset="0"/>
-              <a:ea typeface="Helvetica Light" charset="0"/>
-              <a:cs typeface="Helvetica Light" charset="0"/>
-            </a:endParaRPr>
-          </a:p>
-        </p:txBody>
-      </p:sp>
-      <p:sp>
-        <p:nvSpPr>
-          <p:cNvPr id="3" name="Subtitle 2"/>
-          <p:cNvSpPr>
-            <a:spLocks noGrp="1"/>
-          </p:cNvSpPr>
-          <p:nvPr>
-            <p:ph type="subTitle" idx="1"/>
+              <a:rPr lang="sv-SE" dirty="0"/>
+              <a:t>Demonstration </a:t>
+            </a:r>
+          </a:p>
+        </p:txBody>
+      </p:sp>
+      <p:sp>
+        <p:nvSpPr>
+          <p:cNvPr id="3" name="Platshållare för innehåll 2">
+            <a:extLst>
+              <a:ext uri="{FF2B5EF4-FFF2-40B4-BE49-F238E27FC236}">
+                <a16:creationId xmlns:a16="http://schemas.microsoft.com/office/drawing/2014/main" id="{5F761CCC-1C19-45AF-A50F-506C981F9205}"/>
+              </a:ext>
+            </a:extLst>
+          </p:cNvPr>
+          <p:cNvSpPr>
+            <a:spLocks noGrp="1"/>
+          </p:cNvSpPr>
+          <p:nvPr>
+            <p:ph idx="1"/>
           </p:nvPr>
         </p:nvSpPr>
         <p:spPr/>
@@ -6456,38 +6478,40 @@
           <a:lstStyle/>
           <a:p>
             <a:r>
-              <a:rPr lang="en-US" sz="1800" cap="none" dirty="0" smtClean="0">
-                <a:latin typeface="Helvetica Light" charset="0"/>
-                <a:ea typeface="Helvetica Light" charset="0"/>
-                <a:cs typeface="Helvetica Light" charset="0"/>
-              </a:rPr>
-              <a:t>Daily snippets on the go</a:t>
-            </a:r>
-            <a:endParaRPr lang="en-US" sz="1800" cap="none" dirty="0">
-              <a:latin typeface="Helvetica Light" charset="0"/>
-              <a:ea typeface="Helvetica Light" charset="0"/>
-              <a:cs typeface="Helvetica Light" charset="0"/>
-            </a:endParaRPr>
+              <a:rPr lang="sv-SE" dirty="0"/>
+              <a:t>Röststyrd</a:t>
+            </a:r>
+          </a:p>
+          <a:p>
+            <a:r>
+              <a:rPr lang="sv-SE" dirty="0"/>
+              <a:t>Personlig kalender</a:t>
+            </a:r>
+          </a:p>
+          <a:p>
+            <a:r>
+              <a:rPr lang="sv-SE" dirty="0"/>
+              <a:t>Visa/dölja meddelanden</a:t>
+            </a:r>
+          </a:p>
+          <a:p>
+            <a:r>
+              <a:rPr lang="sv-SE" dirty="0"/>
+              <a:t>Individanpassat nyhetsflöde </a:t>
+            </a:r>
           </a:p>
         </p:txBody>
       </p:sp>
     </p:spTree>
     <p:extLst>
       <p:ext uri="{BB962C8B-B14F-4D97-AF65-F5344CB8AC3E}">
-        <p14:creationId xmlns:p14="http://schemas.microsoft.com/office/powerpoint/2010/main" val="421818347"/>
+        <p14:creationId xmlns:p14="http://schemas.microsoft.com/office/powerpoint/2010/main" val="2816503989"/>
       </p:ext>
     </p:extLst>
   </p:cSld>
   <p:clrMapOvr>
     <a:masterClrMapping/>
   </p:clrMapOvr>
-  <p:timing>
-    <p:tnLst>
-      <p:par>
-        <p:cTn id="1" dur="indefinite" restart="never" nodeType="tmRoot"/>
-      </p:par>
-    </p:tnLst>
-  </p:timing>
 </p:sld>
 </file>
 
@@ -6523,11 +6547,13 @@
           <a:bodyPr anchor="ctr"/>
           <a:lstStyle/>
           <a:p>
-            <a:r>
-              <a:rPr lang="sv-SE" dirty="0" smtClean="0"/>
-              <a:t>QuickSight</a:t>
-            </a:r>
-            <a:endParaRPr lang="sv-SE" dirty="0"/>
+            <a:pPr lvl="1"/>
+            <a:r>
+              <a:rPr lang="sv-SE" sz="4000" dirty="0">
+                <a:latin typeface="Helvetica Light"/>
+              </a:rPr>
+              <a:t>Potential</a:t>
+            </a:r>
           </a:p>
         </p:txBody>
       </p:sp>
@@ -6547,48 +6573,36 @@
           <a:lstStyle/>
           <a:p>
             <a:r>
-              <a:rPr lang="sv-SE" dirty="0" smtClean="0"/>
-              <a:t>Demonstrera produkten</a:t>
-            </a:r>
-          </a:p>
-          <a:p>
-            <a:r>
-              <a:rPr lang="sv-SE" dirty="0" smtClean="0"/>
-              <a:t>Olika funktionaliteter</a:t>
-            </a:r>
-          </a:p>
-          <a:p>
-            <a:r>
-              <a:rPr lang="sv-SE" dirty="0" smtClean="0"/>
+              <a:rPr lang="sv-SE" dirty="0"/>
               <a:t>Produktens potential:</a:t>
             </a:r>
           </a:p>
           <a:p>
             <a:pPr lvl="1"/>
             <a:r>
-              <a:rPr lang="sv-SE" dirty="0" smtClean="0"/>
+              <a:rPr lang="sv-SE" dirty="0"/>
               <a:t>Anpassningsbar</a:t>
             </a:r>
           </a:p>
           <a:p>
             <a:pPr lvl="1"/>
             <a:r>
-              <a:rPr lang="sv-SE" dirty="0" smtClean="0"/>
+              <a:rPr lang="sv-SE" dirty="0"/>
               <a:t>Integrera ’intelligent </a:t>
             </a:r>
             <a:r>
-              <a:rPr lang="sv-SE" dirty="0" err="1" smtClean="0"/>
+              <a:rPr lang="sv-SE" dirty="0" err="1"/>
               <a:t>assistant</a:t>
             </a:r>
             <a:r>
-              <a:rPr lang="sv-SE" dirty="0" smtClean="0"/>
+              <a:rPr lang="sv-SE" dirty="0"/>
               <a:t>’</a:t>
             </a:r>
           </a:p>
           <a:p>
             <a:pPr lvl="1"/>
             <a:r>
-              <a:rPr lang="sv-SE" dirty="0" err="1" smtClean="0"/>
+              <a:rPr lang="sv-SE" dirty="0" err="1"/>
               <a:t>Facial</a:t>
             </a:r>
             <a:r>
@@ -6596,53 +6610,52 @@
               <a:t> </a:t>
             </a:r>
             <a:r>
-              <a:rPr lang="sv-SE" dirty="0" err="1" smtClean="0"/>
+              <a:rPr lang="sv-SE" dirty="0" err="1"/>
               <a:t>recognition</a:t>
             </a:r>
             <a:r>
-              <a:rPr lang="sv-SE" dirty="0" smtClean="0"/>
+              <a:rPr lang="sv-SE" dirty="0"/>
               <a:t> </a:t>
             </a:r>
           </a:p>
           <a:p>
             <a:pPr lvl="1"/>
             <a:r>
-              <a:rPr lang="sv-SE" dirty="0" smtClean="0"/>
+              <a:rPr lang="sv-SE" dirty="0"/>
               <a:t>Video samtal</a:t>
             </a:r>
           </a:p>
           <a:p>
             <a:pPr lvl="1"/>
             <a:r>
-              <a:rPr lang="sv-SE" dirty="0" smtClean="0"/>
+              <a:rPr lang="sv-SE" dirty="0"/>
               <a:t>Quick </a:t>
             </a:r>
             <a:r>
-              <a:rPr lang="sv-SE" dirty="0" err="1" smtClean="0"/>
+              <a:rPr lang="sv-SE" dirty="0" err="1"/>
               <a:t>search</a:t>
             </a:r>
-            <a:endParaRPr lang="sv-SE" dirty="0" smtClean="0"/>
+            <a:endParaRPr lang="sv-SE" dirty="0"/>
           </a:p>
           <a:p>
             <a:pPr lvl="1"/>
             <a:r>
-              <a:rPr lang="sv-SE" dirty="0" smtClean="0"/>
+              <a:rPr lang="sv-SE" dirty="0"/>
               <a:t>Skalbar potential</a:t>
             </a:r>
+          </a:p>
+          <a:p>
+            <a:pPr lvl="1"/>
             <a:endParaRPr lang="sv-SE" dirty="0"/>
           </a:p>
           <a:p>
-            <a:pPr lvl="1"/>
-            <a:endParaRPr lang="sv-SE" dirty="0" smtClean="0"/>
-          </a:p>
-          <a:p>
-            <a:endParaRPr lang="sv-SE" dirty="0" smtClean="0"/>
-          </a:p>
-          <a:p>
-            <a:endParaRPr lang="sv-SE" dirty="0" smtClean="0"/>
-          </a:p>
-          <a:p>
-            <a:endParaRPr lang="sv-SE" dirty="0" smtClean="0"/>
+            <a:endParaRPr lang="sv-SE" dirty="0"/>
+          </a:p>
+          <a:p>
+            <a:endParaRPr lang="sv-SE" dirty="0"/>
+          </a:p>
+          <a:p>
+            <a:endParaRPr lang="sv-SE" dirty="0"/>
           </a:p>
           <a:p>
             <a:endParaRPr lang="sv-SE" dirty="0"/>
@@ -6659,13 +6672,6 @@
   <p:clrMapOvr>
     <a:masterClrMapping/>
   </p:clrMapOvr>
-  <p:timing>
-    <p:tnLst>
-      <p:par>
-        <p:cTn id="1" dur="indefinite" restart="never" nodeType="tmRoot"/>
-      </p:par>
-    </p:tnLst>
-  </p:timing>
 </p:sld>
 </file>
 
@@ -6688,7 +6694,13 @@
       </p:grpSpPr>
       <p:sp>
         <p:nvSpPr>
-          <p:cNvPr id="2" name="Title 1"/>
+          <p:cNvPr id="2" name="Rubrik 1">
+            <a:extLst>
+              <a:ext uri="{FF2B5EF4-FFF2-40B4-BE49-F238E27FC236}">
+                <a16:creationId xmlns:a16="http://schemas.microsoft.com/office/drawing/2014/main" id="{937D90F4-67CA-4831-8E1B-3F8AD1603DDC}"/>
+              </a:ext>
+            </a:extLst>
+          </p:cNvPr>
           <p:cNvSpPr>
             <a:spLocks noGrp="1"/>
           </p:cNvSpPr>
@@ -6696,18 +6708,33 @@
             <p:ph type="title"/>
           </p:nvPr>
         </p:nvSpPr>
-        <p:spPr/>
-        <p:txBody>
-          <a:bodyPr anchor="ctr"/>
+        <p:spPr>
+          <a:xfrm>
+            <a:off x="645130" y="1352653"/>
+            <a:ext cx="9404723" cy="1400530"/>
+          </a:xfrm>
+        </p:spPr>
+        <p:txBody>
+          <a:bodyPr/>
           <a:lstStyle/>
           <a:p>
-            <a:endParaRPr lang="sv-SE" dirty="0"/>
-          </a:p>
-        </p:txBody>
-      </p:sp>
-      <p:sp>
-        <p:nvSpPr>
-          <p:cNvPr id="3" name="Content Placeholder 2"/>
+            <a:pPr algn="ctr"/>
+            <a:r>
+              <a:rPr lang="sv-SE" dirty="0"/>
+              <a:t>Frågor?</a:t>
+            </a:r>
+          </a:p>
+        </p:txBody>
+      </p:sp>
+      <p:sp>
+        <p:nvSpPr>
+          <p:cNvPr id="3" name="Platshållare för innehåll 2">
+            <a:extLst>
+              <a:ext uri="{FF2B5EF4-FFF2-40B4-BE49-F238E27FC236}">
+                <a16:creationId xmlns:a16="http://schemas.microsoft.com/office/drawing/2014/main" id="{0F672190-7524-4E3A-BE0E-523C81D755D6}"/>
+              </a:ext>
+            </a:extLst>
+          </p:cNvPr>
           <p:cNvSpPr>
             <a:spLocks noGrp="1"/>
           </p:cNvSpPr>
@@ -6727,20 +6754,13 @@
     </p:spTree>
     <p:extLst>
       <p:ext uri="{BB962C8B-B14F-4D97-AF65-F5344CB8AC3E}">
-        <p14:creationId xmlns:p14="http://schemas.microsoft.com/office/powerpoint/2010/main" val="1113579250"/>
+        <p14:creationId xmlns:p14="http://schemas.microsoft.com/office/powerpoint/2010/main" val="942296319"/>
       </p:ext>
     </p:extLst>
   </p:cSld>
   <p:clrMapOvr>
     <a:masterClrMapping/>
   </p:clrMapOvr>
-  <p:timing>
-    <p:tnLst>
-      <p:par>
-        <p:cTn id="1" dur="indefinite" restart="never" nodeType="tmRoot"/>
-      </p:par>
-    </p:tnLst>
-  </p:timing>
 </p:sld>
 </file>
 

--- a/pitch_group_mirror.pptx
+++ b/pitch_group_mirror.pptx
@@ -6,10 +6,16 @@
   </p:sldMasterIdLst>
   <p:sldIdLst>
     <p:sldId id="256" r:id="rId2"/>
-    <p:sldId id="257" r:id="rId3"/>
-    <p:sldId id="261" r:id="rId4"/>
-    <p:sldId id="258" r:id="rId5"/>
-    <p:sldId id="262" r:id="rId6"/>
+    <p:sldId id="263" r:id="rId3"/>
+    <p:sldId id="257" r:id="rId4"/>
+    <p:sldId id="264" r:id="rId5"/>
+    <p:sldId id="265" r:id="rId6"/>
+    <p:sldId id="266" r:id="rId7"/>
+    <p:sldId id="261" r:id="rId8"/>
+    <p:sldId id="258" r:id="rId9"/>
+    <p:sldId id="267" r:id="rId10"/>
+    <p:sldId id="268" r:id="rId11"/>
+    <p:sldId id="262" r:id="rId12"/>
   </p:sldIdLst>
   <p:sldSz cx="12192000" cy="6858000"/>
   <p:notesSz cx="6858000" cy="9144000"/>
@@ -302,7 +308,7 @@
           <a:p>
             <a:fld id="{4AAD347D-5ACD-4C99-B74B-A9C85AD731AF}" type="datetimeFigureOut">
               <a:rPr lang="en-US" dirty="0"/>
-              <a:t>9/10/2018</a:t>
+              <a:t>9/12/18</a:t>
             </a:fld>
             <a:endParaRPr lang="en-US" dirty="0"/>
           </a:p>
@@ -572,7 +578,7 @@
           <a:p>
             <a:fld id="{4509A250-FF31-4206-8172-F9D3106AACB1}" type="datetimeFigureOut">
               <a:rPr lang="en-US" dirty="0"/>
-              <a:t>9/10/2018</a:t>
+              <a:t>9/12/18</a:t>
             </a:fld>
             <a:endParaRPr lang="en-US" dirty="0"/>
           </a:p>
@@ -761,7 +767,7 @@
           <a:p>
             <a:fld id="{4509A250-FF31-4206-8172-F9D3106AACB1}" type="datetimeFigureOut">
               <a:rPr lang="en-US" dirty="0"/>
-              <a:t>9/10/2018</a:t>
+              <a:t>9/12/18</a:t>
             </a:fld>
             <a:endParaRPr lang="en-US" dirty="0"/>
           </a:p>
@@ -1029,7 +1035,7 @@
           <a:p>
             <a:fld id="{4509A250-FF31-4206-8172-F9D3106AACB1}" type="datetimeFigureOut">
               <a:rPr lang="en-US" dirty="0"/>
-              <a:t>9/10/2018</a:t>
+              <a:t>9/12/18</a:t>
             </a:fld>
             <a:endParaRPr lang="en-US" dirty="0"/>
           </a:p>
@@ -1365,7 +1371,7 @@
           <a:p>
             <a:fld id="{4509A250-FF31-4206-8172-F9D3106AACB1}" type="datetimeFigureOut">
               <a:rPr lang="en-US" dirty="0"/>
-              <a:t>9/10/2018</a:t>
+              <a:t>9/12/18</a:t>
             </a:fld>
             <a:endParaRPr lang="en-US" dirty="0"/>
           </a:p>
@@ -1983,7 +1989,7 @@
           <a:p>
             <a:fld id="{4509A250-FF31-4206-8172-F9D3106AACB1}" type="datetimeFigureOut">
               <a:rPr lang="en-US" dirty="0"/>
-              <a:t>9/10/2018</a:t>
+              <a:t>9/12/18</a:t>
             </a:fld>
             <a:endParaRPr lang="en-US" dirty="0"/>
           </a:p>
@@ -2838,7 +2844,7 @@
           <a:p>
             <a:fld id="{4509A250-FF31-4206-8172-F9D3106AACB1}" type="datetimeFigureOut">
               <a:rPr lang="en-US" dirty="0"/>
-              <a:t>9/10/2018</a:t>
+              <a:t>9/12/18</a:t>
             </a:fld>
             <a:endParaRPr lang="en-US" dirty="0"/>
           </a:p>
@@ -3003,7 +3009,7 @@
           <a:p>
             <a:fld id="{4509A250-FF31-4206-8172-F9D3106AACB1}" type="datetimeFigureOut">
               <a:rPr lang="en-US" dirty="0"/>
-              <a:t>9/10/2018</a:t>
+              <a:t>9/12/18</a:t>
             </a:fld>
             <a:endParaRPr lang="en-US" dirty="0"/>
           </a:p>
@@ -3178,7 +3184,7 @@
           <a:p>
             <a:fld id="{4509A250-FF31-4206-8172-F9D3106AACB1}" type="datetimeFigureOut">
               <a:rPr lang="en-US" dirty="0"/>
-              <a:t>9/10/2018</a:t>
+              <a:t>9/12/18</a:t>
             </a:fld>
             <a:endParaRPr lang="en-US" dirty="0"/>
           </a:p>
@@ -3455,7 +3461,7 @@
           <a:p>
             <a:fld id="{4509A250-FF31-4206-8172-F9D3106AACB1}" type="datetimeFigureOut">
               <a:rPr lang="en-US" dirty="0"/>
-              <a:t>9/10/2018</a:t>
+              <a:t>9/12/18</a:t>
             </a:fld>
             <a:endParaRPr lang="en-US" dirty="0"/>
           </a:p>
@@ -3697,7 +3703,7 @@
           <a:p>
             <a:fld id="{9796027F-7875-4030-9381-8BD8C4F21935}" type="datetimeFigureOut">
               <a:rPr lang="en-US" dirty="0"/>
-              <a:t>9/10/2018</a:t>
+              <a:t>9/12/18</a:t>
             </a:fld>
             <a:endParaRPr lang="en-US" dirty="0"/>
           </a:p>
@@ -3984,7 +3990,7 @@
           <a:p>
             <a:fld id="{9796027F-7875-4030-9381-8BD8C4F21935}" type="datetimeFigureOut">
               <a:rPr lang="en-US" dirty="0"/>
-              <a:t>9/10/2018</a:t>
+              <a:t>9/12/18</a:t>
             </a:fld>
             <a:endParaRPr lang="en-US" dirty="0"/>
           </a:p>
@@ -4423,7 +4429,7 @@
           <a:p>
             <a:fld id="{9796027F-7875-4030-9381-8BD8C4F21935}" type="datetimeFigureOut">
               <a:rPr lang="en-US" dirty="0"/>
-              <a:t>9/10/2018</a:t>
+              <a:t>9/12/18</a:t>
             </a:fld>
             <a:endParaRPr lang="en-US" dirty="0"/>
           </a:p>
@@ -4536,7 +4542,7 @@
           <a:p>
             <a:fld id="{4509A250-FF31-4206-8172-F9D3106AACB1}" type="datetimeFigureOut">
               <a:rPr lang="en-US" dirty="0"/>
-              <a:t>9/10/2018</a:t>
+              <a:t>9/12/18</a:t>
             </a:fld>
             <a:endParaRPr lang="en-US" dirty="0"/>
           </a:p>
@@ -4626,7 +4632,7 @@
           <a:p>
             <a:fld id="{4509A250-FF31-4206-8172-F9D3106AACB1}" type="datetimeFigureOut">
               <a:rPr lang="en-US" dirty="0"/>
-              <a:t>9/10/2018</a:t>
+              <a:t>9/12/18</a:t>
             </a:fld>
             <a:endParaRPr lang="en-US" dirty="0"/>
           </a:p>
@@ -4900,7 +4906,7 @@
           <a:p>
             <a:fld id="{4509A250-FF31-4206-8172-F9D3106AACB1}" type="datetimeFigureOut">
               <a:rPr lang="en-US" dirty="0"/>
-              <a:t>9/10/2018</a:t>
+              <a:t>9/12/18</a:t>
             </a:fld>
             <a:endParaRPr lang="en-US" dirty="0"/>
           </a:p>
@@ -5170,7 +5176,7 @@
           <a:p>
             <a:fld id="{4509A250-FF31-4206-8172-F9D3106AACB1}" type="datetimeFigureOut">
               <a:rPr lang="en-US" dirty="0"/>
-              <a:t>9/10/2018</a:t>
+              <a:t>9/12/18</a:t>
             </a:fld>
             <a:endParaRPr lang="en-US" dirty="0"/>
           </a:p>
@@ -5618,7 +5624,7 @@
           <a:p>
             <a:fld id="{4AAD347D-5ACD-4C99-B74B-A9C85AD731AF}" type="datetimeFigureOut">
               <a:rPr lang="en-US" dirty="0"/>
-              <a:t>9/10/2018</a:t>
+              <a:t>9/12/18</a:t>
             </a:fld>
             <a:endParaRPr lang="en-US" dirty="0"/>
           </a:p>
@@ -6168,7 +6174,15 @@
                 <a:ea typeface="Helvetica Light" charset="0"/>
                 <a:cs typeface="Helvetica Light" charset="0"/>
               </a:rPr>
-              <a:t>QuickSight</a:t>
+              <a:t>Quick</a:t>
+            </a:r>
+            <a:r>
+              <a:rPr lang="en-US" b="1" dirty="0">
+                <a:latin typeface="Helvetica Light" charset="0"/>
+                <a:ea typeface="Helvetica Light" charset="0"/>
+                <a:cs typeface="Helvetica Light" charset="0"/>
+              </a:rPr>
+              <a:t>Sight</a:t>
             </a:r>
           </a:p>
         </p:txBody>
@@ -6225,37 +6239,8 @@
                 <a:ea typeface="Helvetica Light" charset="0"/>
                 <a:cs typeface="Helvetica Light" charset="0"/>
               </a:rPr>
-              <a:t>												Mustafa Hamada, </a:t>
-            </a:r>
-            <a:r>
-              <a:rPr lang="en-US" sz="1800" cap="none" dirty="0" err="1">
-                <a:latin typeface="Helvetica Light" charset="0"/>
-                <a:ea typeface="Helvetica Light" charset="0"/>
-                <a:cs typeface="Helvetica Light" charset="0"/>
-              </a:rPr>
-              <a:t>Christoffer</a:t>
-            </a:r>
-            <a:r>
-              <a:rPr lang="en-US" sz="1800" cap="none" dirty="0">
-                <a:latin typeface="Helvetica Light" charset="0"/>
-                <a:ea typeface="Helvetica Light" charset="0"/>
-                <a:cs typeface="Helvetica Light" charset="0"/>
-              </a:rPr>
-              <a:t> Palm &amp; Marie </a:t>
-            </a:r>
-            <a:r>
-              <a:rPr lang="en-US" sz="1800" cap="none" dirty="0" err="1">
-                <a:latin typeface="Helvetica Light" charset="0"/>
-                <a:ea typeface="Helvetica Light" charset="0"/>
-                <a:cs typeface="Helvetica Light" charset="0"/>
-              </a:rPr>
-              <a:t>Sahiti</a:t>
-            </a:r>
-            <a:endParaRPr lang="en-US" sz="1800" cap="none" dirty="0">
-              <a:latin typeface="Helvetica Light" charset="0"/>
-              <a:ea typeface="Helvetica Light" charset="0"/>
-              <a:cs typeface="Helvetica Light" charset="0"/>
-            </a:endParaRPr>
+              <a:t>										</a:t>
+            </a:r>
           </a:p>
         </p:txBody>
       </p:sp>
@@ -6263,6 +6248,237 @@
     <p:extLst>
       <p:ext uri="{BB962C8B-B14F-4D97-AF65-F5344CB8AC3E}">
         <p14:creationId xmlns:p14="http://schemas.microsoft.com/office/powerpoint/2010/main" val="327263533"/>
+      </p:ext>
+    </p:extLst>
+  </p:cSld>
+  <p:clrMapOvr>
+    <a:masterClrMapping/>
+  </p:clrMapOvr>
+</p:sld>
+</file>
+
+<file path=ppt/slides/slide10.xml><?xml version="1.0" encoding="utf-8"?>
+<p:sld xmlns:a="http://schemas.openxmlformats.org/drawingml/2006/main" xmlns:r="http://schemas.openxmlformats.org/officeDocument/2006/relationships" xmlns:p="http://schemas.openxmlformats.org/presentationml/2006/main">
+  <p:cSld>
+    <p:spTree>
+      <p:nvGrpSpPr>
+        <p:cNvPr id="1" name=""/>
+        <p:cNvGrpSpPr/>
+        <p:nvPr/>
+      </p:nvGrpSpPr>
+      <p:grpSpPr>
+        <a:xfrm>
+          <a:off x="0" y="0"/>
+          <a:ext cx="0" cy="0"/>
+          <a:chOff x="0" y="0"/>
+          <a:chExt cx="0" cy="0"/>
+        </a:xfrm>
+      </p:grpSpPr>
+      <p:sp>
+        <p:nvSpPr>
+          <p:cNvPr id="2" name="Title 1"/>
+          <p:cNvSpPr>
+            <a:spLocks noGrp="1"/>
+          </p:cNvSpPr>
+          <p:nvPr>
+            <p:ph type="title"/>
+          </p:nvPr>
+        </p:nvSpPr>
+        <p:spPr/>
+        <p:txBody>
+          <a:bodyPr anchor="ctr"/>
+          <a:lstStyle/>
+          <a:p>
+            <a:pPr lvl="1"/>
+            <a:r>
+              <a:rPr lang="sv-SE" sz="4000" dirty="0" smtClean="0">
+                <a:latin typeface="Helvetica Light"/>
+              </a:rPr>
+              <a:t>Outlook</a:t>
+            </a:r>
+            <a:endParaRPr lang="sv-SE" sz="4000" dirty="0">
+              <a:latin typeface="Helvetica Light"/>
+            </a:endParaRPr>
+          </a:p>
+        </p:txBody>
+      </p:sp>
+      <p:sp>
+        <p:nvSpPr>
+          <p:cNvPr id="3" name="Content Placeholder 2"/>
+          <p:cNvSpPr>
+            <a:spLocks noGrp="1"/>
+          </p:cNvSpPr>
+          <p:nvPr>
+            <p:ph idx="1"/>
+          </p:nvPr>
+        </p:nvSpPr>
+        <p:spPr/>
+        <p:txBody>
+          <a:bodyPr/>
+          <a:lstStyle/>
+          <a:p>
+            <a:r>
+              <a:rPr lang="sv-SE" dirty="0" smtClean="0"/>
+              <a:t>Liten fokuserad task-grupp</a:t>
+            </a:r>
+          </a:p>
+          <a:p>
+            <a:r>
+              <a:rPr lang="sv-SE" dirty="0" smtClean="0"/>
+              <a:t>Stegvis utveckling</a:t>
+            </a:r>
+          </a:p>
+          <a:p>
+            <a:r>
+              <a:rPr lang="sv-SE" dirty="0" smtClean="0"/>
+              <a:t>OOP</a:t>
+            </a:r>
+          </a:p>
+          <a:p>
+            <a:r>
+              <a:rPr lang="sv-SE" dirty="0" smtClean="0"/>
+              <a:t>Testa oss fram</a:t>
+            </a:r>
+          </a:p>
+          <a:p>
+            <a:r>
+              <a:rPr lang="sv-SE" dirty="0" smtClean="0"/>
+              <a:t>”Google is </a:t>
+            </a:r>
+            <a:r>
+              <a:rPr lang="sv-SE" dirty="0" err="1" smtClean="0"/>
+              <a:t>your</a:t>
+            </a:r>
+            <a:r>
+              <a:rPr lang="sv-SE" dirty="0" smtClean="0"/>
+              <a:t> best </a:t>
+            </a:r>
+            <a:r>
+              <a:rPr lang="sv-SE" dirty="0" err="1" smtClean="0"/>
+              <a:t>friend</a:t>
+            </a:r>
+            <a:r>
+              <a:rPr lang="sv-SE" dirty="0" smtClean="0"/>
+              <a:t>!”</a:t>
+            </a:r>
+          </a:p>
+          <a:p>
+            <a:endParaRPr lang="sv-SE" dirty="0"/>
+          </a:p>
+          <a:p>
+            <a:r>
+              <a:rPr lang="sv-SE" dirty="0" smtClean="0"/>
+              <a:t>Python3 </a:t>
+            </a:r>
+            <a:r>
+              <a:rPr lang="sv-SE" dirty="0" err="1" smtClean="0"/>
+              <a:t>Tk</a:t>
+            </a:r>
+            <a:r>
+              <a:rPr lang="sv-SE" dirty="0" smtClean="0"/>
+              <a:t> </a:t>
+            </a:r>
+            <a:r>
+              <a:rPr lang="sv-SE" dirty="0" err="1" smtClean="0"/>
+              <a:t>interfect</a:t>
+            </a:r>
+            <a:r>
+              <a:rPr lang="sv-SE" dirty="0" smtClean="0"/>
+              <a:t> ”</a:t>
+            </a:r>
+            <a:r>
+              <a:rPr lang="sv-SE" dirty="0" err="1" smtClean="0"/>
+              <a:t>locked</a:t>
+            </a:r>
+            <a:r>
+              <a:rPr lang="sv-SE" dirty="0" smtClean="0"/>
+              <a:t>” funktioner tex ’</a:t>
+            </a:r>
+            <a:r>
+              <a:rPr lang="sv-SE" dirty="0" err="1" smtClean="0"/>
+              <a:t>tk.mainloop</a:t>
+            </a:r>
+            <a:r>
+              <a:rPr lang="sv-SE" dirty="0" smtClean="0"/>
+              <a:t>()’</a:t>
+            </a:r>
+          </a:p>
+          <a:p>
+            <a:endParaRPr lang="sv-SE" dirty="0" smtClean="0"/>
+          </a:p>
+          <a:p>
+            <a:endParaRPr lang="sv-SE" dirty="0"/>
+          </a:p>
+        </p:txBody>
+      </p:sp>
+    </p:spTree>
+    <p:extLst>
+      <p:ext uri="{BB962C8B-B14F-4D97-AF65-F5344CB8AC3E}">
+        <p14:creationId xmlns:p14="http://schemas.microsoft.com/office/powerpoint/2010/main" val="1743961819"/>
+      </p:ext>
+    </p:extLst>
+  </p:cSld>
+  <p:clrMapOvr>
+    <a:masterClrMapping/>
+  </p:clrMapOvr>
+</p:sld>
+</file>
+
+<file path=ppt/slides/slide11.xml><?xml version="1.0" encoding="utf-8"?>
+<p:sld xmlns:a="http://schemas.openxmlformats.org/drawingml/2006/main" xmlns:r="http://schemas.openxmlformats.org/officeDocument/2006/relationships" xmlns:p="http://schemas.openxmlformats.org/presentationml/2006/main">
+  <p:cSld>
+    <p:spTree>
+      <p:nvGrpSpPr>
+        <p:cNvPr id="1" name=""/>
+        <p:cNvGrpSpPr/>
+        <p:nvPr/>
+      </p:nvGrpSpPr>
+      <p:grpSpPr>
+        <a:xfrm>
+          <a:off x="0" y="0"/>
+          <a:ext cx="0" cy="0"/>
+          <a:chOff x="0" y="0"/>
+          <a:chExt cx="0" cy="0"/>
+        </a:xfrm>
+      </p:grpSpPr>
+      <p:sp>
+        <p:nvSpPr>
+          <p:cNvPr id="2" name="Rubrik 1">
+            <a:extLst>
+              <a:ext uri="{FF2B5EF4-FFF2-40B4-BE49-F238E27FC236}">
+                <a16:creationId xmlns="" xmlns:a16="http://schemas.microsoft.com/office/drawing/2014/main" id="{937D90F4-67CA-4831-8E1B-3F8AD1603DDC}"/>
+              </a:ext>
+            </a:extLst>
+          </p:cNvPr>
+          <p:cNvSpPr>
+            <a:spLocks noGrp="1"/>
+          </p:cNvSpPr>
+          <p:nvPr>
+            <p:ph type="title"/>
+          </p:nvPr>
+        </p:nvSpPr>
+        <p:spPr>
+          <a:xfrm>
+            <a:off x="645130" y="1352653"/>
+            <a:ext cx="9404723" cy="1400530"/>
+          </a:xfrm>
+        </p:spPr>
+        <p:txBody>
+          <a:bodyPr/>
+          <a:lstStyle/>
+          <a:p>
+            <a:pPr algn="ctr"/>
+            <a:r>
+              <a:rPr lang="sv-SE" dirty="0"/>
+              <a:t>Frågor?</a:t>
+            </a:r>
+          </a:p>
+        </p:txBody>
+      </p:sp>
+    </p:spTree>
+    <p:extLst>
+      <p:ext uri="{BB962C8B-B14F-4D97-AF65-F5344CB8AC3E}">
+        <p14:creationId xmlns:p14="http://schemas.microsoft.com/office/powerpoint/2010/main" val="942296319"/>
       </p:ext>
     </p:extLst>
   </p:cSld>
@@ -6305,13 +6521,18 @@
           <a:lstStyle/>
           <a:p>
             <a:r>
-              <a:rPr lang="sv-SE" dirty="0">
+              <a:rPr lang="sv-SE" dirty="0" smtClean="0">
                 <a:latin typeface="Helvetica Neue Light" charset="0"/>
                 <a:ea typeface="Helvetica Neue Light" charset="0"/>
                 <a:cs typeface="Helvetica Neue Light" charset="0"/>
               </a:rPr>
-              <a:t>Idén: interaktiv spegel</a:t>
-            </a:r>
+              <a:t>Vilka är vi?</a:t>
+            </a:r>
+            <a:endParaRPr lang="sv-SE" dirty="0">
+              <a:latin typeface="Helvetica Neue Light" charset="0"/>
+              <a:ea typeface="Helvetica Neue Light" charset="0"/>
+              <a:cs typeface="Helvetica Neue Light" charset="0"/>
+            </a:endParaRPr>
           </a:p>
         </p:txBody>
       </p:sp>
@@ -6331,70 +6552,17 @@
           <a:lstStyle/>
           <a:p>
             <a:r>
-              <a:rPr lang="sv-SE" dirty="0"/>
-              <a:t>Morgon scenario</a:t>
-            </a:r>
-          </a:p>
-          <a:p>
-            <a:pPr lvl="1"/>
-            <a:r>
-              <a:rPr lang="sv-SE" dirty="0"/>
-              <a:t>Väder temperatur när man vaknar </a:t>
-            </a:r>
-          </a:p>
-          <a:p>
-            <a:pPr lvl="1"/>
-            <a:r>
-              <a:rPr lang="sv-SE" dirty="0"/>
-              <a:t>Snabb titt i spegeln innan man går ut genom dörren</a:t>
-            </a:r>
-          </a:p>
-          <a:p>
-            <a:pPr lvl="1"/>
-            <a:r>
-              <a:rPr lang="sv-SE" dirty="0"/>
-              <a:t>Väder prognos </a:t>
-            </a:r>
-          </a:p>
-          <a:p>
-            <a:pPr lvl="1"/>
-            <a:r>
-              <a:rPr lang="sv-SE" dirty="0"/>
-              <a:t>Snabba nyheter när man tar på sig jackan</a:t>
-            </a:r>
-          </a:p>
-          <a:p>
-            <a:r>
-              <a:rPr lang="sv-SE" dirty="0"/>
-              <a:t>Notiser på morgonen</a:t>
-            </a:r>
-          </a:p>
-          <a:p>
-            <a:pPr lvl="1"/>
-            <a:r>
-              <a:rPr lang="sv-SE" dirty="0"/>
-              <a:t>Snabba meddelanden på spegeln</a:t>
-            </a:r>
-          </a:p>
-          <a:p>
-            <a:r>
-              <a:rPr lang="sv-SE" dirty="0"/>
-              <a:t>Daglig rutin</a:t>
-            </a:r>
-          </a:p>
-          <a:p>
-            <a:pPr lvl="1"/>
-            <a:r>
-              <a:rPr lang="sv-SE" dirty="0"/>
-              <a:t>Borsta tänderna </a:t>
-            </a:r>
+              <a:rPr lang="sv-SE" dirty="0" smtClean="0"/>
+              <a:t>Marie, Mustafa, Christoffer</a:t>
+            </a:r>
+            <a:endParaRPr lang="sv-SE" dirty="0"/>
           </a:p>
         </p:txBody>
       </p:sp>
     </p:spTree>
     <p:extLst>
       <p:ext uri="{BB962C8B-B14F-4D97-AF65-F5344CB8AC3E}">
-        <p14:creationId xmlns:p14="http://schemas.microsoft.com/office/powerpoint/2010/main" val="1194216474"/>
+        <p14:creationId xmlns:p14="http://schemas.microsoft.com/office/powerpoint/2010/main" val="817630733"/>
       </p:ext>
     </p:extLst>
   </p:cSld>
@@ -6423,13 +6591,7 @@
       </p:grpSpPr>
       <p:sp>
         <p:nvSpPr>
-          <p:cNvPr id="2" name="Rubrik 1">
-            <a:extLst>
-              <a:ext uri="{FF2B5EF4-FFF2-40B4-BE49-F238E27FC236}">
-                <a16:creationId xmlns:a16="http://schemas.microsoft.com/office/drawing/2014/main" id="{9122A6C2-26F9-4631-A776-F060D0C9FF8C}"/>
-              </a:ext>
-            </a:extLst>
-          </p:cNvPr>
+          <p:cNvPr id="2" name="Title 1"/>
           <p:cNvSpPr>
             <a:spLocks noGrp="1"/>
           </p:cNvSpPr>
@@ -6437,67 +6599,94 @@
             <p:ph type="title"/>
           </p:nvPr>
         </p:nvSpPr>
-        <p:spPr>
-          <a:xfrm>
-            <a:off x="646111" y="652388"/>
-            <a:ext cx="9404723" cy="1400530"/>
-          </a:xfrm>
-        </p:spPr>
+        <p:spPr/>
+        <p:txBody>
+          <a:bodyPr anchor="ctr"/>
+          <a:lstStyle/>
+          <a:p>
+            <a:r>
+              <a:rPr lang="sv-SE" dirty="0">
+                <a:latin typeface="Helvetica Neue Light" charset="0"/>
+                <a:ea typeface="Helvetica Neue Light" charset="0"/>
+                <a:cs typeface="Helvetica Neue Light" charset="0"/>
+              </a:rPr>
+              <a:t>Idén: interaktiv spegel</a:t>
+            </a:r>
+          </a:p>
+        </p:txBody>
+      </p:sp>
+      <p:sp>
+        <p:nvSpPr>
+          <p:cNvPr id="3" name="Content Placeholder 2"/>
+          <p:cNvSpPr>
+            <a:spLocks noGrp="1"/>
+          </p:cNvSpPr>
+          <p:nvPr>
+            <p:ph idx="1"/>
+          </p:nvPr>
+        </p:nvSpPr>
+        <p:spPr/>
         <p:txBody>
           <a:bodyPr/>
           <a:lstStyle/>
           <a:p>
             <a:r>
               <a:rPr lang="sv-SE" dirty="0"/>
-              <a:t>Demonstration </a:t>
-            </a:r>
-          </a:p>
-        </p:txBody>
-      </p:sp>
-      <p:sp>
-        <p:nvSpPr>
-          <p:cNvPr id="3" name="Platshållare för innehåll 2">
-            <a:extLst>
-              <a:ext uri="{FF2B5EF4-FFF2-40B4-BE49-F238E27FC236}">
-                <a16:creationId xmlns:a16="http://schemas.microsoft.com/office/drawing/2014/main" id="{5F761CCC-1C19-45AF-A50F-506C981F9205}"/>
-              </a:ext>
-            </a:extLst>
-          </p:cNvPr>
-          <p:cNvSpPr>
-            <a:spLocks noGrp="1"/>
-          </p:cNvSpPr>
-          <p:nvPr>
-            <p:ph idx="1"/>
-          </p:nvPr>
-        </p:nvSpPr>
-        <p:spPr/>
-        <p:txBody>
-          <a:bodyPr>
-            <a:normAutofit/>
-          </a:bodyPr>
-          <a:lstStyle/>
-          <a:p>
+              <a:t>Morgon scenario</a:t>
+            </a:r>
+          </a:p>
+          <a:p>
+            <a:pPr lvl="1"/>
             <a:r>
               <a:rPr lang="sv-SE" dirty="0"/>
-              <a:t>Röststyrd</a:t>
-            </a:r>
-          </a:p>
-          <a:p>
+              <a:t>Väder temperatur när man vaknar </a:t>
+            </a:r>
+          </a:p>
+          <a:p>
+            <a:pPr lvl="1"/>
             <a:r>
               <a:rPr lang="sv-SE" dirty="0"/>
-              <a:t>Personlig kalender</a:t>
-            </a:r>
-          </a:p>
-          <a:p>
+              <a:t>Snabb titt i spegeln innan man går ut genom dörren</a:t>
+            </a:r>
+          </a:p>
+          <a:p>
+            <a:pPr lvl="1"/>
             <a:r>
               <a:rPr lang="sv-SE" dirty="0"/>
-              <a:t>Visa/dölja meddelanden</a:t>
-            </a:r>
-          </a:p>
-          <a:p>
+              <a:t>Väder prognos </a:t>
+            </a:r>
+          </a:p>
+          <a:p>
+            <a:pPr lvl="1"/>
             <a:r>
               <a:rPr lang="sv-SE" dirty="0"/>
-              <a:t>Individanpassat nyhetsflöde </a:t>
+              <a:t>Snabba nyheter när man tar på sig jackan</a:t>
+            </a:r>
+          </a:p>
+          <a:p>
+            <a:r>
+              <a:rPr lang="sv-SE" dirty="0"/>
+              <a:t>Notiser på morgonen</a:t>
+            </a:r>
+          </a:p>
+          <a:p>
+            <a:pPr lvl="1"/>
+            <a:r>
+              <a:rPr lang="sv-SE" dirty="0"/>
+              <a:t>Snabba meddelanden på spegeln</a:t>
+            </a:r>
+          </a:p>
+          <a:p>
+            <a:r>
+              <a:rPr lang="sv-SE" dirty="0"/>
+              <a:t>Daglig rutin</a:t>
+            </a:r>
+          </a:p>
+          <a:p>
+            <a:pPr lvl="1"/>
+            <a:r>
+              <a:rPr lang="sv-SE" dirty="0"/>
+              <a:t>Borsta tänderna </a:t>
             </a:r>
           </a:p>
         </p:txBody>
@@ -6505,7 +6694,7 @@
     </p:spTree>
     <p:extLst>
       <p:ext uri="{BB962C8B-B14F-4D97-AF65-F5344CB8AC3E}">
-        <p14:creationId xmlns:p14="http://schemas.microsoft.com/office/powerpoint/2010/main" val="2816503989"/>
+        <p14:creationId xmlns:p14="http://schemas.microsoft.com/office/powerpoint/2010/main" val="1194216474"/>
       </p:ext>
     </p:extLst>
   </p:cSld>
@@ -6547,13 +6736,19 @@
           <a:bodyPr anchor="ctr"/>
           <a:lstStyle/>
           <a:p>
-            <a:pPr lvl="1"/>
-            <a:r>
-              <a:rPr lang="sv-SE" sz="4000" dirty="0">
-                <a:latin typeface="Helvetica Light"/>
+            <a:r>
+              <a:rPr lang="sv-SE" dirty="0" smtClean="0">
+                <a:latin typeface="Helvetica Neue Light" charset="0"/>
+                <a:ea typeface="Helvetica Neue Light" charset="0"/>
+                <a:cs typeface="Helvetica Neue Light" charset="0"/>
               </a:rPr>
-              <a:t>Potential</a:t>
-            </a:r>
+              <a:t>Hårdvaruarkitektur</a:t>
+            </a:r>
+            <a:endParaRPr lang="sv-SE" dirty="0">
+              <a:latin typeface="Helvetica Neue Light" charset="0"/>
+              <a:ea typeface="Helvetica Neue Light" charset="0"/>
+              <a:cs typeface="Helvetica Neue Light" charset="0"/>
+            </a:endParaRPr>
           </a:p>
         </p:txBody>
       </p:sp>
@@ -6573,91 +6768,68 @@
           <a:lstStyle/>
           <a:p>
             <a:r>
-              <a:rPr lang="sv-SE" dirty="0"/>
-              <a:t>Produktens potential:</a:t>
-            </a:r>
-          </a:p>
-          <a:p>
-            <a:pPr lvl="1"/>
-            <a:r>
-              <a:rPr lang="sv-SE" dirty="0"/>
-              <a:t>Anpassningsbar</a:t>
-            </a:r>
-          </a:p>
-          <a:p>
-            <a:pPr lvl="1"/>
-            <a:r>
-              <a:rPr lang="sv-SE" dirty="0"/>
-              <a:t>Integrera ’intelligent </a:t>
-            </a:r>
-            <a:r>
-              <a:rPr lang="sv-SE" dirty="0" err="1"/>
-              <a:t>assistant</a:t>
-            </a:r>
-            <a:r>
-              <a:rPr lang="sv-SE" dirty="0"/>
-              <a:t>’</a:t>
-            </a:r>
-          </a:p>
-          <a:p>
-            <a:pPr lvl="1"/>
-            <a:r>
-              <a:rPr lang="sv-SE" dirty="0" err="1"/>
-              <a:t>Facial</a:t>
-            </a:r>
-            <a:r>
-              <a:rPr lang="sv-SE" dirty="0"/>
+              <a:rPr lang="sv-SE" dirty="0" err="1" smtClean="0"/>
+              <a:t>Raspberry</a:t>
+            </a:r>
+            <a:r>
+              <a:rPr lang="sv-SE" dirty="0" smtClean="0"/>
+              <a:t> pi 3B </a:t>
+            </a:r>
+          </a:p>
+          <a:p>
+            <a:r>
+              <a:rPr lang="sv-SE" dirty="0" err="1" smtClean="0"/>
+              <a:t>Geeetech</a:t>
+            </a:r>
+            <a:r>
+              <a:rPr lang="sv-SE" dirty="0" smtClean="0"/>
+              <a:t> Voice </a:t>
+            </a:r>
+            <a:r>
+              <a:rPr lang="sv-SE" dirty="0" err="1" smtClean="0"/>
+              <a:t>Recognition</a:t>
+            </a:r>
+            <a:r>
+              <a:rPr lang="sv-SE" dirty="0" smtClean="0"/>
               <a:t> </a:t>
             </a:r>
             <a:r>
-              <a:rPr lang="sv-SE" dirty="0" err="1"/>
-              <a:t>recognition</a:t>
-            </a:r>
-            <a:r>
-              <a:rPr lang="sv-SE" dirty="0"/>
-              <a:t> </a:t>
-            </a:r>
-          </a:p>
-          <a:p>
-            <a:pPr lvl="1"/>
-            <a:r>
-              <a:rPr lang="sv-SE" dirty="0"/>
-              <a:t>Video samtal</a:t>
-            </a:r>
-          </a:p>
-          <a:p>
-            <a:pPr lvl="1"/>
-            <a:r>
-              <a:rPr lang="sv-SE" dirty="0"/>
-              <a:t>Quick </a:t>
-            </a:r>
-            <a:r>
-              <a:rPr lang="sv-SE" dirty="0" err="1"/>
-              <a:t>search</a:t>
-            </a:r>
-            <a:endParaRPr lang="sv-SE" dirty="0"/>
-          </a:p>
-          <a:p>
-            <a:pPr lvl="1"/>
-            <a:r>
-              <a:rPr lang="sv-SE" dirty="0"/>
-              <a:t>Skalbar potential</a:t>
-            </a:r>
-          </a:p>
-          <a:p>
-            <a:pPr lvl="1"/>
-            <a:endParaRPr lang="sv-SE" dirty="0"/>
-          </a:p>
-          <a:p>
-            <a:endParaRPr lang="sv-SE" dirty="0"/>
-          </a:p>
-          <a:p>
-            <a:endParaRPr lang="sv-SE" dirty="0"/>
-          </a:p>
-          <a:p>
-            <a:endParaRPr lang="sv-SE" dirty="0"/>
-          </a:p>
-          <a:p>
+              <a:rPr lang="sv-SE" dirty="0" err="1" smtClean="0"/>
+              <a:t>Module</a:t>
+            </a:r>
+            <a:endParaRPr lang="sv-SE" dirty="0" smtClean="0"/>
+          </a:p>
+          <a:p>
+            <a:r>
+              <a:rPr lang="sv-SE" dirty="0" smtClean="0"/>
+              <a:t>3D </a:t>
+            </a:r>
+            <a:r>
+              <a:rPr lang="sv-SE" dirty="0" err="1" smtClean="0"/>
+              <a:t>printed</a:t>
+            </a:r>
+            <a:r>
+              <a:rPr lang="sv-SE" dirty="0" smtClean="0"/>
+              <a:t> skal</a:t>
+            </a:r>
+          </a:p>
+          <a:p>
+            <a:r>
+              <a:rPr lang="sv-SE" dirty="0" smtClean="0"/>
+              <a:t>Datorskärm</a:t>
+            </a:r>
+          </a:p>
+          <a:p>
+            <a:r>
+              <a:rPr lang="sv-SE" dirty="0" smtClean="0"/>
+              <a:t>Spegel</a:t>
+            </a:r>
+          </a:p>
+          <a:p>
+            <a:r>
+              <a:rPr lang="sv-SE" dirty="0" smtClean="0"/>
+              <a:t>Ram</a:t>
+            </a:r>
             <a:endParaRPr lang="sv-SE" dirty="0"/>
           </a:p>
         </p:txBody>
@@ -6665,7 +6837,7 @@
     </p:spTree>
     <p:extLst>
       <p:ext uri="{BB962C8B-B14F-4D97-AF65-F5344CB8AC3E}">
-        <p14:creationId xmlns:p14="http://schemas.microsoft.com/office/powerpoint/2010/main" val="1523902976"/>
+        <p14:creationId xmlns:p14="http://schemas.microsoft.com/office/powerpoint/2010/main" val="600730407"/>
       </p:ext>
     </p:extLst>
   </p:cSld>
@@ -6694,10 +6866,370 @@
       </p:grpSpPr>
       <p:sp>
         <p:nvSpPr>
+          <p:cNvPr id="2" name="Title 1"/>
+          <p:cNvSpPr>
+            <a:spLocks noGrp="1"/>
+          </p:cNvSpPr>
+          <p:nvPr>
+            <p:ph type="title"/>
+          </p:nvPr>
+        </p:nvSpPr>
+        <p:spPr/>
+        <p:txBody>
+          <a:bodyPr anchor="ctr"/>
+          <a:lstStyle/>
+          <a:p>
+            <a:r>
+              <a:rPr lang="sv-SE" dirty="0" smtClean="0">
+                <a:latin typeface="Helvetica Neue Light" charset="0"/>
+                <a:ea typeface="Helvetica Neue Light" charset="0"/>
+                <a:cs typeface="Helvetica Neue Light" charset="0"/>
+              </a:rPr>
+              <a:t>Mjukvaruarkitektur</a:t>
+            </a:r>
+            <a:endParaRPr lang="sv-SE" dirty="0">
+              <a:latin typeface="Helvetica Neue Light" charset="0"/>
+              <a:ea typeface="Helvetica Neue Light" charset="0"/>
+              <a:cs typeface="Helvetica Neue Light" charset="0"/>
+            </a:endParaRPr>
+          </a:p>
+        </p:txBody>
+      </p:sp>
+      <p:sp>
+        <p:nvSpPr>
+          <p:cNvPr id="3" name="Content Placeholder 2"/>
+          <p:cNvSpPr>
+            <a:spLocks noGrp="1"/>
+          </p:cNvSpPr>
+          <p:nvPr>
+            <p:ph idx="1"/>
+          </p:nvPr>
+        </p:nvSpPr>
+        <p:spPr/>
+        <p:txBody>
+          <a:bodyPr/>
+          <a:lstStyle/>
+          <a:p>
+            <a:r>
+              <a:rPr lang="sv-SE" dirty="0" err="1" smtClean="0"/>
+              <a:t>Tkinter</a:t>
+            </a:r>
+            <a:r>
+              <a:rPr lang="sv-SE" dirty="0" smtClean="0"/>
+              <a:t> bibliotek</a:t>
+            </a:r>
+          </a:p>
+          <a:p>
+            <a:r>
+              <a:rPr lang="sv-SE" dirty="0" smtClean="0"/>
+              <a:t>Klasser</a:t>
+            </a:r>
+          </a:p>
+          <a:p>
+            <a:r>
+              <a:rPr lang="sv-SE" dirty="0" err="1" smtClean="0"/>
+              <a:t>Widgets</a:t>
+            </a:r>
+            <a:endParaRPr lang="sv-SE" dirty="0" smtClean="0"/>
+          </a:p>
+          <a:p>
+            <a:r>
+              <a:rPr lang="sv-SE" dirty="0" err="1" smtClean="0"/>
+              <a:t>Code</a:t>
+            </a:r>
+            <a:r>
+              <a:rPr lang="sv-SE" dirty="0" smtClean="0"/>
+              <a:t> excerpts</a:t>
+            </a:r>
+            <a:endParaRPr lang="sv-SE" dirty="0"/>
+          </a:p>
+        </p:txBody>
+      </p:sp>
+    </p:spTree>
+    <p:extLst>
+      <p:ext uri="{BB962C8B-B14F-4D97-AF65-F5344CB8AC3E}">
+        <p14:creationId xmlns:p14="http://schemas.microsoft.com/office/powerpoint/2010/main" val="1357282833"/>
+      </p:ext>
+    </p:extLst>
+  </p:cSld>
+  <p:clrMapOvr>
+    <a:masterClrMapping/>
+  </p:clrMapOvr>
+  <p:timing>
+    <p:tnLst>
+      <p:par>
+        <p:cTn id="1" dur="indefinite" restart="never" nodeType="tmRoot"/>
+      </p:par>
+    </p:tnLst>
+  </p:timing>
+</p:sld>
+</file>
+
+<file path=ppt/slides/slide6.xml><?xml version="1.0" encoding="utf-8"?>
+<p:sld xmlns:a="http://schemas.openxmlformats.org/drawingml/2006/main" xmlns:r="http://schemas.openxmlformats.org/officeDocument/2006/relationships" xmlns:p="http://schemas.openxmlformats.org/presentationml/2006/main">
+  <p:cSld>
+    <p:spTree>
+      <p:nvGrpSpPr>
+        <p:cNvPr id="1" name=""/>
+        <p:cNvGrpSpPr/>
+        <p:nvPr/>
+      </p:nvGrpSpPr>
+      <p:grpSpPr>
+        <a:xfrm>
+          <a:off x="0" y="0"/>
+          <a:ext cx="0" cy="0"/>
+          <a:chOff x="0" y="0"/>
+          <a:chExt cx="0" cy="0"/>
+        </a:xfrm>
+      </p:grpSpPr>
+      <p:sp>
+        <p:nvSpPr>
+          <p:cNvPr id="2" name="Title 1"/>
+          <p:cNvSpPr>
+            <a:spLocks noGrp="1"/>
+          </p:cNvSpPr>
+          <p:nvPr>
+            <p:ph type="title"/>
+          </p:nvPr>
+        </p:nvSpPr>
+        <p:spPr/>
+        <p:txBody>
+          <a:bodyPr anchor="ctr"/>
+          <a:lstStyle/>
+          <a:p>
+            <a:r>
+              <a:rPr lang="sv-SE" dirty="0" smtClean="0">
+                <a:latin typeface="Helvetica Neue Light" charset="0"/>
+                <a:ea typeface="Helvetica Neue Light" charset="0"/>
+                <a:cs typeface="Helvetica Neue Light" charset="0"/>
+              </a:rPr>
+              <a:t>Mjukvaruarkitektur </a:t>
+            </a:r>
+            <a:r>
+              <a:rPr lang="mr-IN" dirty="0" smtClean="0">
+                <a:latin typeface="Helvetica Neue Light" charset="0"/>
+                <a:ea typeface="Helvetica Neue Light" charset="0"/>
+                <a:cs typeface="Helvetica Neue Light" charset="0"/>
+              </a:rPr>
+              <a:t>–</a:t>
+            </a:r>
+            <a:r>
+              <a:rPr lang="sv-SE" dirty="0" smtClean="0">
+                <a:latin typeface="Helvetica Neue Light" charset="0"/>
+                <a:ea typeface="Helvetica Neue Light" charset="0"/>
+                <a:cs typeface="Helvetica Neue Light" charset="0"/>
+              </a:rPr>
+              <a:t> kod </a:t>
+            </a:r>
+            <a:r>
+              <a:rPr lang="sv-SE" dirty="0" err="1" smtClean="0">
+                <a:latin typeface="Helvetica Neue Light" charset="0"/>
+                <a:ea typeface="Helvetica Neue Light" charset="0"/>
+                <a:cs typeface="Helvetica Neue Light" charset="0"/>
+              </a:rPr>
+              <a:t>snippets</a:t>
+            </a:r>
+            <a:endParaRPr lang="sv-SE" dirty="0">
+              <a:latin typeface="Helvetica Neue Light" charset="0"/>
+              <a:ea typeface="Helvetica Neue Light" charset="0"/>
+              <a:cs typeface="Helvetica Neue Light" charset="0"/>
+            </a:endParaRPr>
+          </a:p>
+        </p:txBody>
+      </p:sp>
+      <p:pic>
+        <p:nvPicPr>
+          <p:cNvPr id="5" name="Picture 4"/>
+          <p:cNvPicPr>
+            <a:picLocks noChangeAspect="1"/>
+          </p:cNvPicPr>
+          <p:nvPr/>
+        </p:nvPicPr>
+        <p:blipFill>
+          <a:blip r:embed="rId2">
+            <a:extLst>
+              <a:ext uri="{28A0092B-C50C-407E-A947-70E740481C1C}">
+                <a14:useLocalDpi xmlns:a14="http://schemas.microsoft.com/office/drawing/2010/main" val="0"/>
+              </a:ext>
+            </a:extLst>
+          </a:blip>
+          <a:stretch>
+            <a:fillRect/>
+          </a:stretch>
+        </p:blipFill>
+        <p:spPr>
+          <a:xfrm>
+            <a:off x="646111" y="1853248"/>
+            <a:ext cx="4191000" cy="3573780"/>
+          </a:xfrm>
+          <a:prstGeom prst="rect">
+            <a:avLst/>
+          </a:prstGeom>
+        </p:spPr>
+      </p:pic>
+      <p:pic>
+        <p:nvPicPr>
+          <p:cNvPr id="6" name="Picture 5"/>
+          <p:cNvPicPr>
+            <a:picLocks noChangeAspect="1"/>
+          </p:cNvPicPr>
+          <p:nvPr/>
+        </p:nvPicPr>
+        <p:blipFill>
+          <a:blip r:embed="rId3">
+            <a:extLst>
+              <a:ext uri="{28A0092B-C50C-407E-A947-70E740481C1C}">
+                <a14:useLocalDpi xmlns:a14="http://schemas.microsoft.com/office/drawing/2010/main" val="0"/>
+              </a:ext>
+            </a:extLst>
+          </a:blip>
+          <a:stretch>
+            <a:fillRect/>
+          </a:stretch>
+        </p:blipFill>
+        <p:spPr>
+          <a:xfrm>
+            <a:off x="2054990" y="2219008"/>
+            <a:ext cx="8892540" cy="3208020"/>
+          </a:xfrm>
+          <a:prstGeom prst="rect">
+            <a:avLst/>
+          </a:prstGeom>
+        </p:spPr>
+      </p:pic>
+      <p:pic>
+        <p:nvPicPr>
+          <p:cNvPr id="7" name="Picture 6"/>
+          <p:cNvPicPr>
+            <a:picLocks noChangeAspect="1"/>
+          </p:cNvPicPr>
+          <p:nvPr/>
+        </p:nvPicPr>
+        <p:blipFill>
+          <a:blip r:embed="rId4">
+            <a:extLst>
+              <a:ext uri="{28A0092B-C50C-407E-A947-70E740481C1C}">
+                <a14:useLocalDpi xmlns:a14="http://schemas.microsoft.com/office/drawing/2010/main" val="0"/>
+              </a:ext>
+            </a:extLst>
+          </a:blip>
+          <a:stretch>
+            <a:fillRect/>
+          </a:stretch>
+        </p:blipFill>
+        <p:spPr>
+          <a:xfrm>
+            <a:off x="1374009" y="3426460"/>
+            <a:ext cx="6835140" cy="2865120"/>
+          </a:xfrm>
+          <a:prstGeom prst="rect">
+            <a:avLst/>
+          </a:prstGeom>
+        </p:spPr>
+      </p:pic>
+      <p:pic>
+        <p:nvPicPr>
+          <p:cNvPr id="9" name="Picture 8"/>
+          <p:cNvPicPr>
+            <a:picLocks noChangeAspect="1"/>
+          </p:cNvPicPr>
+          <p:nvPr/>
+        </p:nvPicPr>
+        <p:blipFill>
+          <a:blip r:embed="rId5">
+            <a:extLst>
+              <a:ext uri="{28A0092B-C50C-407E-A947-70E740481C1C}">
+                <a14:useLocalDpi xmlns:a14="http://schemas.microsoft.com/office/drawing/2010/main" val="0"/>
+              </a:ext>
+            </a:extLst>
+          </a:blip>
+          <a:stretch>
+            <a:fillRect/>
+          </a:stretch>
+        </p:blipFill>
+        <p:spPr>
+          <a:xfrm>
+            <a:off x="101759" y="5442586"/>
+            <a:ext cx="4320540" cy="1143000"/>
+          </a:xfrm>
+          <a:prstGeom prst="rect">
+            <a:avLst/>
+          </a:prstGeom>
+        </p:spPr>
+      </p:pic>
+      <p:pic>
+        <p:nvPicPr>
+          <p:cNvPr id="10" name="Picture 9"/>
+          <p:cNvPicPr>
+            <a:picLocks noChangeAspect="1"/>
+          </p:cNvPicPr>
+          <p:nvPr/>
+        </p:nvPicPr>
+        <p:blipFill>
+          <a:blip r:embed="rId6">
+            <a:extLst>
+              <a:ext uri="{28A0092B-C50C-407E-A947-70E740481C1C}">
+                <a14:useLocalDpi xmlns:a14="http://schemas.microsoft.com/office/drawing/2010/main" val="0"/>
+              </a:ext>
+            </a:extLst>
+          </a:blip>
+          <a:stretch>
+            <a:fillRect/>
+          </a:stretch>
+        </p:blipFill>
+        <p:spPr>
+          <a:xfrm>
+            <a:off x="6861043" y="1631950"/>
+            <a:ext cx="5029200" cy="2446020"/>
+          </a:xfrm>
+          <a:prstGeom prst="rect">
+            <a:avLst/>
+          </a:prstGeom>
+        </p:spPr>
+      </p:pic>
+    </p:spTree>
+    <p:extLst>
+      <p:ext uri="{BB962C8B-B14F-4D97-AF65-F5344CB8AC3E}">
+        <p14:creationId xmlns:p14="http://schemas.microsoft.com/office/powerpoint/2010/main" val="2050494848"/>
+      </p:ext>
+    </p:extLst>
+  </p:cSld>
+  <p:clrMapOvr>
+    <a:masterClrMapping/>
+  </p:clrMapOvr>
+  <p:timing>
+    <p:tnLst>
+      <p:par>
+        <p:cTn id="1" dur="indefinite" restart="never" nodeType="tmRoot"/>
+      </p:par>
+    </p:tnLst>
+  </p:timing>
+</p:sld>
+</file>
+
+<file path=ppt/slides/slide7.xml><?xml version="1.0" encoding="utf-8"?>
+<p:sld xmlns:a="http://schemas.openxmlformats.org/drawingml/2006/main" xmlns:r="http://schemas.openxmlformats.org/officeDocument/2006/relationships" xmlns:p="http://schemas.openxmlformats.org/presentationml/2006/main">
+  <p:cSld>
+    <p:spTree>
+      <p:nvGrpSpPr>
+        <p:cNvPr id="1" name=""/>
+        <p:cNvGrpSpPr/>
+        <p:nvPr/>
+      </p:nvGrpSpPr>
+      <p:grpSpPr>
+        <a:xfrm>
+          <a:off x="0" y="0"/>
+          <a:ext cx="0" cy="0"/>
+          <a:chOff x="0" y="0"/>
+          <a:chExt cx="0" cy="0"/>
+        </a:xfrm>
+      </p:grpSpPr>
+      <p:sp>
+        <p:nvSpPr>
           <p:cNvPr id="2" name="Rubrik 1">
             <a:extLst>
               <a:ext uri="{FF2B5EF4-FFF2-40B4-BE49-F238E27FC236}">
-                <a16:creationId xmlns:a16="http://schemas.microsoft.com/office/drawing/2014/main" id="{937D90F4-67CA-4831-8E1B-3F8AD1603DDC}"/>
+                <a16:creationId xmlns="" xmlns:a16="http://schemas.microsoft.com/office/drawing/2014/main" id="{9122A6C2-26F9-4631-A776-F060D0C9FF8C}"/>
               </a:ext>
             </a:extLst>
           </p:cNvPr>
@@ -6710,7 +7242,7 @@
         </p:nvSpPr>
         <p:spPr>
           <a:xfrm>
-            <a:off x="645130" y="1352653"/>
+            <a:off x="646111" y="652388"/>
             <a:ext cx="9404723" cy="1400530"/>
           </a:xfrm>
         </p:spPr>
@@ -6718,10 +7250,9 @@
           <a:bodyPr/>
           <a:lstStyle/>
           <a:p>
-            <a:pPr algn="ctr"/>
             <a:r>
               <a:rPr lang="sv-SE" dirty="0"/>
-              <a:t>Frågor?</a:t>
+              <a:t>Demonstration </a:t>
             </a:r>
           </a:p>
         </p:txBody>
@@ -6731,7 +7262,7 @@
           <p:cNvPr id="3" name="Platshållare för innehåll 2">
             <a:extLst>
               <a:ext uri="{FF2B5EF4-FFF2-40B4-BE49-F238E27FC236}">
-                <a16:creationId xmlns:a16="http://schemas.microsoft.com/office/drawing/2014/main" id="{0F672190-7524-4E3A-BE0E-523C81D755D6}"/>
+                <a16:creationId xmlns="" xmlns:a16="http://schemas.microsoft.com/office/drawing/2014/main" id="{5F761CCC-1C19-45AF-A50F-506C981F9205}"/>
               </a:ext>
             </a:extLst>
           </p:cNvPr>
@@ -6744,17 +7275,332 @@
         </p:nvSpPr>
         <p:spPr/>
         <p:txBody>
-          <a:bodyPr/>
+          <a:bodyPr>
+            <a:normAutofit/>
+          </a:bodyPr>
           <a:lstStyle/>
           <a:p>
-            <a:endParaRPr lang="sv-SE"/>
+            <a:r>
+              <a:rPr lang="sv-SE" dirty="0"/>
+              <a:t>Röststyrd</a:t>
+            </a:r>
+          </a:p>
+          <a:p>
+            <a:r>
+              <a:rPr lang="sv-SE" dirty="0"/>
+              <a:t>Personlig kalender</a:t>
+            </a:r>
+          </a:p>
+          <a:p>
+            <a:r>
+              <a:rPr lang="sv-SE" dirty="0"/>
+              <a:t>Visa/dölja meddelanden</a:t>
+            </a:r>
+          </a:p>
+          <a:p>
+            <a:r>
+              <a:rPr lang="sv-SE" dirty="0"/>
+              <a:t>Individanpassat nyhetsflöde </a:t>
+            </a:r>
+            <a:endParaRPr lang="sv-SE" dirty="0" smtClean="0"/>
+          </a:p>
+          <a:p>
+            <a:r>
+              <a:rPr lang="sv-SE" dirty="0" smtClean="0"/>
+              <a:t>Busstabell</a:t>
+            </a:r>
+            <a:endParaRPr lang="sv-SE" dirty="0"/>
           </a:p>
         </p:txBody>
       </p:sp>
     </p:spTree>
     <p:extLst>
       <p:ext uri="{BB962C8B-B14F-4D97-AF65-F5344CB8AC3E}">
-        <p14:creationId xmlns:p14="http://schemas.microsoft.com/office/powerpoint/2010/main" val="942296319"/>
+        <p14:creationId xmlns:p14="http://schemas.microsoft.com/office/powerpoint/2010/main" val="2816503989"/>
+      </p:ext>
+    </p:extLst>
+  </p:cSld>
+  <p:clrMapOvr>
+    <a:masterClrMapping/>
+  </p:clrMapOvr>
+  <p:timing>
+    <p:tnLst>
+      <p:par>
+        <p:cTn id="1" dur="indefinite" restart="never" nodeType="tmRoot"/>
+      </p:par>
+    </p:tnLst>
+  </p:timing>
+</p:sld>
+</file>
+
+<file path=ppt/slides/slide8.xml><?xml version="1.0" encoding="utf-8"?>
+<p:sld xmlns:a="http://schemas.openxmlformats.org/drawingml/2006/main" xmlns:r="http://schemas.openxmlformats.org/officeDocument/2006/relationships" xmlns:p="http://schemas.openxmlformats.org/presentationml/2006/main">
+  <p:cSld>
+    <p:spTree>
+      <p:nvGrpSpPr>
+        <p:cNvPr id="1" name=""/>
+        <p:cNvGrpSpPr/>
+        <p:nvPr/>
+      </p:nvGrpSpPr>
+      <p:grpSpPr>
+        <a:xfrm>
+          <a:off x="0" y="0"/>
+          <a:ext cx="0" cy="0"/>
+          <a:chOff x="0" y="0"/>
+          <a:chExt cx="0" cy="0"/>
+        </a:xfrm>
+      </p:grpSpPr>
+      <p:sp>
+        <p:nvSpPr>
+          <p:cNvPr id="2" name="Title 1"/>
+          <p:cNvSpPr>
+            <a:spLocks noGrp="1"/>
+          </p:cNvSpPr>
+          <p:nvPr>
+            <p:ph type="title"/>
+          </p:nvPr>
+        </p:nvSpPr>
+        <p:spPr/>
+        <p:txBody>
+          <a:bodyPr anchor="ctr"/>
+          <a:lstStyle/>
+          <a:p>
+            <a:pPr lvl="1"/>
+            <a:r>
+              <a:rPr lang="sv-SE" sz="4000" dirty="0" smtClean="0">
+                <a:latin typeface="Helvetica Light"/>
+              </a:rPr>
+              <a:t>Vidareutveckling</a:t>
+            </a:r>
+            <a:endParaRPr lang="sv-SE" sz="4000" dirty="0">
+              <a:latin typeface="Helvetica Light"/>
+            </a:endParaRPr>
+          </a:p>
+        </p:txBody>
+      </p:sp>
+      <p:sp>
+        <p:nvSpPr>
+          <p:cNvPr id="3" name="Content Placeholder 2"/>
+          <p:cNvSpPr>
+            <a:spLocks noGrp="1"/>
+          </p:cNvSpPr>
+          <p:nvPr>
+            <p:ph idx="1"/>
+          </p:nvPr>
+        </p:nvSpPr>
+        <p:spPr/>
+        <p:txBody>
+          <a:bodyPr/>
+          <a:lstStyle/>
+          <a:p>
+            <a:r>
+              <a:rPr lang="sv-SE" dirty="0" smtClean="0"/>
+              <a:t>Utvecklings potential:</a:t>
+            </a:r>
+            <a:endParaRPr lang="sv-SE" dirty="0"/>
+          </a:p>
+          <a:p>
+            <a:pPr lvl="1"/>
+            <a:r>
+              <a:rPr lang="sv-SE" dirty="0"/>
+              <a:t>Anpassningsbar</a:t>
+            </a:r>
+          </a:p>
+          <a:p>
+            <a:pPr lvl="1"/>
+            <a:r>
+              <a:rPr lang="sv-SE" dirty="0"/>
+              <a:t>Integrera ’intelligent </a:t>
+            </a:r>
+            <a:r>
+              <a:rPr lang="sv-SE" dirty="0" err="1"/>
+              <a:t>assistant</a:t>
+            </a:r>
+            <a:r>
+              <a:rPr lang="sv-SE" dirty="0"/>
+              <a:t>’</a:t>
+            </a:r>
+          </a:p>
+          <a:p>
+            <a:pPr lvl="1"/>
+            <a:r>
+              <a:rPr lang="sv-SE" dirty="0" err="1"/>
+              <a:t>Facial</a:t>
+            </a:r>
+            <a:r>
+              <a:rPr lang="sv-SE" dirty="0"/>
+              <a:t> </a:t>
+            </a:r>
+            <a:r>
+              <a:rPr lang="sv-SE" dirty="0" err="1"/>
+              <a:t>recognition</a:t>
+            </a:r>
+            <a:r>
+              <a:rPr lang="sv-SE" dirty="0"/>
+              <a:t> </a:t>
+            </a:r>
+          </a:p>
+          <a:p>
+            <a:pPr lvl="1"/>
+            <a:r>
+              <a:rPr lang="sv-SE" dirty="0"/>
+              <a:t>Video </a:t>
+            </a:r>
+            <a:r>
+              <a:rPr lang="sv-SE" dirty="0" smtClean="0"/>
+              <a:t>samtal</a:t>
+            </a:r>
+            <a:endParaRPr lang="sv-SE" dirty="0"/>
+          </a:p>
+          <a:p>
+            <a:pPr lvl="1"/>
+            <a:r>
+              <a:rPr lang="sv-SE" dirty="0" smtClean="0"/>
+              <a:t>Skalbar</a:t>
+            </a:r>
+            <a:endParaRPr lang="sv-SE" dirty="0"/>
+          </a:p>
+          <a:p>
+            <a:pPr lvl="1"/>
+            <a:endParaRPr lang="sv-SE" dirty="0"/>
+          </a:p>
+          <a:p>
+            <a:endParaRPr lang="sv-SE" dirty="0"/>
+          </a:p>
+          <a:p>
+            <a:endParaRPr lang="sv-SE" dirty="0"/>
+          </a:p>
+          <a:p>
+            <a:endParaRPr lang="sv-SE" dirty="0"/>
+          </a:p>
+          <a:p>
+            <a:endParaRPr lang="sv-SE" dirty="0"/>
+          </a:p>
+        </p:txBody>
+      </p:sp>
+    </p:spTree>
+    <p:extLst>
+      <p:ext uri="{BB962C8B-B14F-4D97-AF65-F5344CB8AC3E}">
+        <p14:creationId xmlns:p14="http://schemas.microsoft.com/office/powerpoint/2010/main" val="1523902976"/>
+      </p:ext>
+    </p:extLst>
+  </p:cSld>
+  <p:clrMapOvr>
+    <a:masterClrMapping/>
+  </p:clrMapOvr>
+</p:sld>
+</file>
+
+<file path=ppt/slides/slide9.xml><?xml version="1.0" encoding="utf-8"?>
+<p:sld xmlns:a="http://schemas.openxmlformats.org/drawingml/2006/main" xmlns:r="http://schemas.openxmlformats.org/officeDocument/2006/relationships" xmlns:p="http://schemas.openxmlformats.org/presentationml/2006/main">
+  <p:cSld>
+    <p:spTree>
+      <p:nvGrpSpPr>
+        <p:cNvPr id="1" name=""/>
+        <p:cNvGrpSpPr/>
+        <p:nvPr/>
+      </p:nvGrpSpPr>
+      <p:grpSpPr>
+        <a:xfrm>
+          <a:off x="0" y="0"/>
+          <a:ext cx="0" cy="0"/>
+          <a:chOff x="0" y="0"/>
+          <a:chExt cx="0" cy="0"/>
+        </a:xfrm>
+      </p:grpSpPr>
+      <p:sp>
+        <p:nvSpPr>
+          <p:cNvPr id="2" name="Title 1"/>
+          <p:cNvSpPr>
+            <a:spLocks noGrp="1"/>
+          </p:cNvSpPr>
+          <p:nvPr>
+            <p:ph type="title"/>
+          </p:nvPr>
+        </p:nvSpPr>
+        <p:spPr/>
+        <p:txBody>
+          <a:bodyPr anchor="ctr"/>
+          <a:lstStyle/>
+          <a:p>
+            <a:pPr lvl="1"/>
+            <a:r>
+              <a:rPr lang="sv-SE" sz="4000" dirty="0" err="1" smtClean="0">
+                <a:latin typeface="Helvetica Light"/>
+              </a:rPr>
+              <a:t>Agil</a:t>
+            </a:r>
+            <a:r>
+              <a:rPr lang="sv-SE" sz="4000" dirty="0" smtClean="0">
+                <a:latin typeface="Helvetica Light"/>
+              </a:rPr>
+              <a:t> metodik</a:t>
+            </a:r>
+            <a:endParaRPr lang="sv-SE" sz="4000" dirty="0">
+              <a:latin typeface="Helvetica Light"/>
+            </a:endParaRPr>
+          </a:p>
+        </p:txBody>
+      </p:sp>
+      <p:sp>
+        <p:nvSpPr>
+          <p:cNvPr id="3" name="Content Placeholder 2"/>
+          <p:cNvSpPr>
+            <a:spLocks noGrp="1"/>
+          </p:cNvSpPr>
+          <p:nvPr>
+            <p:ph idx="1"/>
+          </p:nvPr>
+        </p:nvSpPr>
+        <p:spPr/>
+        <p:txBody>
+          <a:bodyPr/>
+          <a:lstStyle/>
+          <a:p>
+            <a:pPr lvl="1"/>
+            <a:endParaRPr lang="sv-SE" dirty="0"/>
+          </a:p>
+          <a:p>
+            <a:r>
+              <a:rPr lang="sv-SE" dirty="0" err="1" smtClean="0"/>
+              <a:t>Trello</a:t>
+            </a:r>
+            <a:endParaRPr lang="sv-SE" dirty="0" smtClean="0"/>
+          </a:p>
+          <a:p>
+            <a:r>
+              <a:rPr lang="sv-SE" dirty="0" smtClean="0"/>
+              <a:t>Git</a:t>
+            </a:r>
+          </a:p>
+          <a:p>
+            <a:r>
+              <a:rPr lang="sv-SE" dirty="0" err="1" smtClean="0"/>
+              <a:t>Scrum</a:t>
+            </a:r>
+            <a:endParaRPr lang="sv-SE" dirty="0" smtClean="0"/>
+          </a:p>
+          <a:p>
+            <a:endParaRPr lang="sv-SE" dirty="0" smtClean="0"/>
+          </a:p>
+          <a:p>
+            <a:endParaRPr lang="sv-SE" dirty="0"/>
+          </a:p>
+          <a:p>
+            <a:endParaRPr lang="sv-SE" dirty="0"/>
+          </a:p>
+          <a:p>
+            <a:endParaRPr lang="sv-SE" dirty="0"/>
+          </a:p>
+          <a:p>
+            <a:endParaRPr lang="sv-SE" dirty="0"/>
+          </a:p>
+        </p:txBody>
+      </p:sp>
+    </p:spTree>
+    <p:extLst>
+      <p:ext uri="{BB962C8B-B14F-4D97-AF65-F5344CB8AC3E}">
+        <p14:creationId xmlns:p14="http://schemas.microsoft.com/office/powerpoint/2010/main" val="1301141540"/>
       </p:ext>
     </p:extLst>
   </p:cSld>

--- a/pitch_group_mirror.pptx
+++ b/pitch_group_mirror.pptx
@@ -9,13 +9,16 @@
     <p:sldId id="263" r:id="rId3"/>
     <p:sldId id="257" r:id="rId4"/>
     <p:sldId id="264" r:id="rId5"/>
-    <p:sldId id="265" r:id="rId6"/>
-    <p:sldId id="266" r:id="rId7"/>
-    <p:sldId id="261" r:id="rId8"/>
-    <p:sldId id="258" r:id="rId9"/>
-    <p:sldId id="267" r:id="rId10"/>
-    <p:sldId id="268" r:id="rId11"/>
-    <p:sldId id="262" r:id="rId12"/>
+    <p:sldId id="271" r:id="rId6"/>
+    <p:sldId id="265" r:id="rId7"/>
+    <p:sldId id="266" r:id="rId8"/>
+    <p:sldId id="269" r:id="rId9"/>
+    <p:sldId id="270" r:id="rId10"/>
+    <p:sldId id="261" r:id="rId11"/>
+    <p:sldId id="258" r:id="rId12"/>
+    <p:sldId id="267" r:id="rId13"/>
+    <p:sldId id="268" r:id="rId14"/>
+    <p:sldId id="262" r:id="rId15"/>
   </p:sldIdLst>
   <p:sldSz cx="12192000" cy="6858000"/>
   <p:notesSz cx="6858000" cy="9144000"/>
@@ -6276,6 +6279,423 @@
       </p:grpSpPr>
       <p:sp>
         <p:nvSpPr>
+          <p:cNvPr id="2" name="Rubrik 1">
+            <a:extLst>
+              <a:ext uri="{FF2B5EF4-FFF2-40B4-BE49-F238E27FC236}">
+                <a16:creationId xmlns="" xmlns:a16="http://schemas.microsoft.com/office/drawing/2014/main" id="{9122A6C2-26F9-4631-A776-F060D0C9FF8C}"/>
+              </a:ext>
+            </a:extLst>
+          </p:cNvPr>
+          <p:cNvSpPr>
+            <a:spLocks noGrp="1"/>
+          </p:cNvSpPr>
+          <p:nvPr>
+            <p:ph type="title"/>
+          </p:nvPr>
+        </p:nvSpPr>
+        <p:spPr>
+          <a:xfrm>
+            <a:off x="646111" y="652388"/>
+            <a:ext cx="9404723" cy="1400530"/>
+          </a:xfrm>
+        </p:spPr>
+        <p:txBody>
+          <a:bodyPr/>
+          <a:lstStyle/>
+          <a:p>
+            <a:r>
+              <a:rPr lang="sv-SE" dirty="0"/>
+              <a:t>Demonstration </a:t>
+            </a:r>
+          </a:p>
+        </p:txBody>
+      </p:sp>
+      <p:sp>
+        <p:nvSpPr>
+          <p:cNvPr id="3" name="Platshållare för innehåll 2">
+            <a:extLst>
+              <a:ext uri="{FF2B5EF4-FFF2-40B4-BE49-F238E27FC236}">
+                <a16:creationId xmlns="" xmlns:a16="http://schemas.microsoft.com/office/drawing/2014/main" id="{5F761CCC-1C19-45AF-A50F-506C981F9205}"/>
+              </a:ext>
+            </a:extLst>
+          </p:cNvPr>
+          <p:cNvSpPr>
+            <a:spLocks noGrp="1"/>
+          </p:cNvSpPr>
+          <p:nvPr>
+            <p:ph idx="1"/>
+          </p:nvPr>
+        </p:nvSpPr>
+        <p:spPr/>
+        <p:txBody>
+          <a:bodyPr>
+            <a:normAutofit/>
+          </a:bodyPr>
+          <a:lstStyle/>
+          <a:p>
+            <a:r>
+              <a:rPr lang="sv-SE" dirty="0"/>
+              <a:t>Röststyrd</a:t>
+            </a:r>
+          </a:p>
+          <a:p>
+            <a:r>
+              <a:rPr lang="sv-SE" dirty="0"/>
+              <a:t>Personlig kalender</a:t>
+            </a:r>
+          </a:p>
+          <a:p>
+            <a:r>
+              <a:rPr lang="sv-SE" dirty="0"/>
+              <a:t>Visa/dölja meddelanden</a:t>
+            </a:r>
+          </a:p>
+          <a:p>
+            <a:r>
+              <a:rPr lang="sv-SE" dirty="0"/>
+              <a:t>Individanpassat nyhetsflöde </a:t>
+            </a:r>
+            <a:endParaRPr lang="sv-SE" dirty="0" smtClean="0"/>
+          </a:p>
+          <a:p>
+            <a:r>
+              <a:rPr lang="sv-SE" dirty="0" smtClean="0"/>
+              <a:t>Busstabell</a:t>
+            </a:r>
+            <a:endParaRPr lang="sv-SE" dirty="0"/>
+          </a:p>
+        </p:txBody>
+      </p:sp>
+    </p:spTree>
+    <p:extLst>
+      <p:ext uri="{BB962C8B-B14F-4D97-AF65-F5344CB8AC3E}">
+        <p14:creationId xmlns:p14="http://schemas.microsoft.com/office/powerpoint/2010/main" val="2816503989"/>
+      </p:ext>
+    </p:extLst>
+  </p:cSld>
+  <p:clrMapOvr>
+    <a:masterClrMapping/>
+  </p:clrMapOvr>
+  <p:timing>
+    <p:tnLst>
+      <p:par>
+        <p:cTn id="1" dur="indefinite" restart="never" nodeType="tmRoot"/>
+      </p:par>
+    </p:tnLst>
+  </p:timing>
+</p:sld>
+</file>
+
+<file path=ppt/slides/slide11.xml><?xml version="1.0" encoding="utf-8"?>
+<p:sld xmlns:a="http://schemas.openxmlformats.org/drawingml/2006/main" xmlns:r="http://schemas.openxmlformats.org/officeDocument/2006/relationships" xmlns:p="http://schemas.openxmlformats.org/presentationml/2006/main">
+  <p:cSld>
+    <p:spTree>
+      <p:nvGrpSpPr>
+        <p:cNvPr id="1" name=""/>
+        <p:cNvGrpSpPr/>
+        <p:nvPr/>
+      </p:nvGrpSpPr>
+      <p:grpSpPr>
+        <a:xfrm>
+          <a:off x="0" y="0"/>
+          <a:ext cx="0" cy="0"/>
+          <a:chOff x="0" y="0"/>
+          <a:chExt cx="0" cy="0"/>
+        </a:xfrm>
+      </p:grpSpPr>
+      <p:sp>
+        <p:nvSpPr>
+          <p:cNvPr id="2" name="Title 1"/>
+          <p:cNvSpPr>
+            <a:spLocks noGrp="1"/>
+          </p:cNvSpPr>
+          <p:nvPr>
+            <p:ph type="title"/>
+          </p:nvPr>
+        </p:nvSpPr>
+        <p:spPr/>
+        <p:txBody>
+          <a:bodyPr anchor="ctr"/>
+          <a:lstStyle/>
+          <a:p>
+            <a:pPr lvl="1"/>
+            <a:r>
+              <a:rPr lang="sv-SE" sz="4000" dirty="0" smtClean="0">
+                <a:latin typeface="Helvetica Light"/>
+              </a:rPr>
+              <a:t>Vidareutveckling</a:t>
+            </a:r>
+            <a:endParaRPr lang="sv-SE" sz="4000" dirty="0">
+              <a:latin typeface="Helvetica Light"/>
+            </a:endParaRPr>
+          </a:p>
+        </p:txBody>
+      </p:sp>
+      <p:sp>
+        <p:nvSpPr>
+          <p:cNvPr id="3" name="Content Placeholder 2"/>
+          <p:cNvSpPr>
+            <a:spLocks noGrp="1"/>
+          </p:cNvSpPr>
+          <p:nvPr>
+            <p:ph idx="1"/>
+          </p:nvPr>
+        </p:nvSpPr>
+        <p:spPr/>
+        <p:txBody>
+          <a:bodyPr/>
+          <a:lstStyle/>
+          <a:p>
+            <a:r>
+              <a:rPr lang="sv-SE" dirty="0" smtClean="0"/>
+              <a:t>Utvecklings potential:</a:t>
+            </a:r>
+            <a:endParaRPr lang="sv-SE" dirty="0"/>
+          </a:p>
+          <a:p>
+            <a:pPr lvl="1"/>
+            <a:r>
+              <a:rPr lang="sv-SE" dirty="0"/>
+              <a:t>Anpassningsbar</a:t>
+            </a:r>
+          </a:p>
+          <a:p>
+            <a:pPr lvl="1"/>
+            <a:r>
+              <a:rPr lang="sv-SE" dirty="0"/>
+              <a:t>Integrera ’intelligent </a:t>
+            </a:r>
+            <a:r>
+              <a:rPr lang="sv-SE" dirty="0" err="1"/>
+              <a:t>assistant</a:t>
+            </a:r>
+            <a:r>
+              <a:rPr lang="sv-SE" dirty="0"/>
+              <a:t>’</a:t>
+            </a:r>
+          </a:p>
+          <a:p>
+            <a:pPr lvl="1"/>
+            <a:r>
+              <a:rPr lang="sv-SE" dirty="0" err="1"/>
+              <a:t>Facial</a:t>
+            </a:r>
+            <a:r>
+              <a:rPr lang="sv-SE" dirty="0"/>
+              <a:t> </a:t>
+            </a:r>
+            <a:r>
+              <a:rPr lang="sv-SE" dirty="0" err="1"/>
+              <a:t>recognition</a:t>
+            </a:r>
+            <a:r>
+              <a:rPr lang="sv-SE" dirty="0"/>
+              <a:t> </a:t>
+            </a:r>
+          </a:p>
+          <a:p>
+            <a:pPr lvl="1"/>
+            <a:r>
+              <a:rPr lang="sv-SE" dirty="0"/>
+              <a:t>Video </a:t>
+            </a:r>
+            <a:r>
+              <a:rPr lang="sv-SE" dirty="0" smtClean="0"/>
+              <a:t>samtal</a:t>
+            </a:r>
+            <a:endParaRPr lang="sv-SE" dirty="0"/>
+          </a:p>
+          <a:p>
+            <a:pPr lvl="1"/>
+            <a:r>
+              <a:rPr lang="sv-SE" dirty="0" smtClean="0"/>
+              <a:t>Skalbar</a:t>
+            </a:r>
+            <a:endParaRPr lang="sv-SE" dirty="0"/>
+          </a:p>
+          <a:p>
+            <a:pPr lvl="1"/>
+            <a:endParaRPr lang="sv-SE" dirty="0"/>
+          </a:p>
+          <a:p>
+            <a:endParaRPr lang="sv-SE" dirty="0"/>
+          </a:p>
+          <a:p>
+            <a:endParaRPr lang="sv-SE" dirty="0"/>
+          </a:p>
+          <a:p>
+            <a:endParaRPr lang="sv-SE" dirty="0"/>
+          </a:p>
+          <a:p>
+            <a:endParaRPr lang="sv-SE" dirty="0"/>
+          </a:p>
+        </p:txBody>
+      </p:sp>
+    </p:spTree>
+    <p:extLst>
+      <p:ext uri="{BB962C8B-B14F-4D97-AF65-F5344CB8AC3E}">
+        <p14:creationId xmlns:p14="http://schemas.microsoft.com/office/powerpoint/2010/main" val="1523902976"/>
+      </p:ext>
+    </p:extLst>
+  </p:cSld>
+  <p:clrMapOvr>
+    <a:masterClrMapping/>
+  </p:clrMapOvr>
+  <p:timing>
+    <p:tnLst>
+      <p:par>
+        <p:cTn id="1" dur="indefinite" restart="never" nodeType="tmRoot"/>
+      </p:par>
+    </p:tnLst>
+  </p:timing>
+</p:sld>
+</file>
+
+<file path=ppt/slides/slide12.xml><?xml version="1.0" encoding="utf-8"?>
+<p:sld xmlns:a="http://schemas.openxmlformats.org/drawingml/2006/main" xmlns:r="http://schemas.openxmlformats.org/officeDocument/2006/relationships" xmlns:p="http://schemas.openxmlformats.org/presentationml/2006/main">
+  <p:cSld>
+    <p:spTree>
+      <p:nvGrpSpPr>
+        <p:cNvPr id="1" name=""/>
+        <p:cNvGrpSpPr/>
+        <p:nvPr/>
+      </p:nvGrpSpPr>
+      <p:grpSpPr>
+        <a:xfrm>
+          <a:off x="0" y="0"/>
+          <a:ext cx="0" cy="0"/>
+          <a:chOff x="0" y="0"/>
+          <a:chExt cx="0" cy="0"/>
+        </a:xfrm>
+      </p:grpSpPr>
+      <p:sp>
+        <p:nvSpPr>
+          <p:cNvPr id="2" name="Title 1"/>
+          <p:cNvSpPr>
+            <a:spLocks noGrp="1"/>
+          </p:cNvSpPr>
+          <p:nvPr>
+            <p:ph type="title"/>
+          </p:nvPr>
+        </p:nvSpPr>
+        <p:spPr/>
+        <p:txBody>
+          <a:bodyPr anchor="ctr"/>
+          <a:lstStyle/>
+          <a:p>
+            <a:pPr lvl="1"/>
+            <a:r>
+              <a:rPr lang="sv-SE" sz="4000" dirty="0" err="1" smtClean="0">
+                <a:latin typeface="Helvetica Light"/>
+              </a:rPr>
+              <a:t>Agil</a:t>
+            </a:r>
+            <a:r>
+              <a:rPr lang="sv-SE" sz="4000" dirty="0" smtClean="0">
+                <a:latin typeface="Helvetica Light"/>
+              </a:rPr>
+              <a:t> metodik</a:t>
+            </a:r>
+            <a:endParaRPr lang="sv-SE" sz="4000" dirty="0">
+              <a:latin typeface="Helvetica Light"/>
+            </a:endParaRPr>
+          </a:p>
+        </p:txBody>
+      </p:sp>
+      <p:sp>
+        <p:nvSpPr>
+          <p:cNvPr id="3" name="Content Placeholder 2"/>
+          <p:cNvSpPr>
+            <a:spLocks noGrp="1"/>
+          </p:cNvSpPr>
+          <p:nvPr>
+            <p:ph idx="1"/>
+          </p:nvPr>
+        </p:nvSpPr>
+        <p:spPr/>
+        <p:txBody>
+          <a:bodyPr/>
+          <a:lstStyle/>
+          <a:p>
+            <a:pPr lvl="1"/>
+            <a:endParaRPr lang="sv-SE" dirty="0"/>
+          </a:p>
+          <a:p>
+            <a:r>
+              <a:rPr lang="sv-SE" dirty="0" err="1" smtClean="0"/>
+              <a:t>Trello</a:t>
+            </a:r>
+            <a:endParaRPr lang="sv-SE" dirty="0" smtClean="0"/>
+          </a:p>
+          <a:p>
+            <a:r>
+              <a:rPr lang="sv-SE" dirty="0" smtClean="0"/>
+              <a:t>Git</a:t>
+            </a:r>
+          </a:p>
+          <a:p>
+            <a:r>
+              <a:rPr lang="sv-SE" dirty="0" err="1" smtClean="0"/>
+              <a:t>Scrum</a:t>
+            </a:r>
+            <a:endParaRPr lang="sv-SE" dirty="0" smtClean="0"/>
+          </a:p>
+          <a:p>
+            <a:endParaRPr lang="sv-SE" dirty="0" smtClean="0"/>
+          </a:p>
+          <a:p>
+            <a:endParaRPr lang="sv-SE" dirty="0"/>
+          </a:p>
+          <a:p>
+            <a:endParaRPr lang="sv-SE" dirty="0"/>
+          </a:p>
+          <a:p>
+            <a:endParaRPr lang="sv-SE" dirty="0"/>
+          </a:p>
+          <a:p>
+            <a:endParaRPr lang="sv-SE" dirty="0"/>
+          </a:p>
+        </p:txBody>
+      </p:sp>
+    </p:spTree>
+    <p:extLst>
+      <p:ext uri="{BB962C8B-B14F-4D97-AF65-F5344CB8AC3E}">
+        <p14:creationId xmlns:p14="http://schemas.microsoft.com/office/powerpoint/2010/main" val="1301141540"/>
+      </p:ext>
+    </p:extLst>
+  </p:cSld>
+  <p:clrMapOvr>
+    <a:masterClrMapping/>
+  </p:clrMapOvr>
+  <p:timing>
+    <p:tnLst>
+      <p:par>
+        <p:cTn id="1" dur="indefinite" restart="never" nodeType="tmRoot"/>
+      </p:par>
+    </p:tnLst>
+  </p:timing>
+</p:sld>
+</file>
+
+<file path=ppt/slides/slide13.xml><?xml version="1.0" encoding="utf-8"?>
+<p:sld xmlns:a="http://schemas.openxmlformats.org/drawingml/2006/main" xmlns:r="http://schemas.openxmlformats.org/officeDocument/2006/relationships" xmlns:p="http://schemas.openxmlformats.org/presentationml/2006/main">
+  <p:cSld>
+    <p:spTree>
+      <p:nvGrpSpPr>
+        <p:cNvPr id="1" name=""/>
+        <p:cNvGrpSpPr/>
+        <p:nvPr/>
+      </p:nvGrpSpPr>
+      <p:grpSpPr>
+        <a:xfrm>
+          <a:off x="0" y="0"/>
+          <a:ext cx="0" cy="0"/>
+          <a:chOff x="0" y="0"/>
+          <a:chExt cx="0" cy="0"/>
+        </a:xfrm>
+      </p:grpSpPr>
+      <p:sp>
+        <p:nvSpPr>
           <p:cNvPr id="2" name="Title 1"/>
           <p:cNvSpPr>
             <a:spLocks noGrp="1"/>
@@ -6424,7 +6844,7 @@
 </p:sld>
 </file>
 
-<file path=ppt/slides/slide11.xml><?xml version="1.0" encoding="utf-8"?>
+<file path=ppt/slides/slide14.xml><?xml version="1.0" encoding="utf-8"?>
 <p:sld xmlns:a="http://schemas.openxmlformats.org/drawingml/2006/main" xmlns:r="http://schemas.openxmlformats.org/officeDocument/2006/relationships" xmlns:p="http://schemas.openxmlformats.org/presentationml/2006/main">
   <p:cSld>
     <p:spTree>
@@ -6701,6 +7121,13 @@
   <p:clrMapOvr>
     <a:masterClrMapping/>
   </p:clrMapOvr>
+  <p:timing>
+    <p:tnLst>
+      <p:par>
+        <p:cTn id="1" dur="indefinite" restart="never" nodeType="tmRoot"/>
+      </p:par>
+    </p:tnLst>
+  </p:timing>
 </p:sld>
 </file>
 
@@ -6742,7 +7169,7 @@
                 <a:ea typeface="Helvetica Neue Light" charset="0"/>
                 <a:cs typeface="Helvetica Neue Light" charset="0"/>
               </a:rPr>
-              <a:t>Hårdvaruarkitektur</a:t>
+              <a:t>Hårdvara</a:t>
             </a:r>
             <a:endParaRPr lang="sv-SE" dirty="0">
               <a:latin typeface="Helvetica Neue Light" charset="0"/>
@@ -6752,85 +7179,186 @@
           </a:p>
         </p:txBody>
       </p:sp>
-      <p:sp>
-        <p:nvSpPr>
-          <p:cNvPr id="3" name="Content Placeholder 2"/>
-          <p:cNvSpPr>
-            <a:spLocks noGrp="1"/>
-          </p:cNvSpPr>
+      <p:pic>
+        <p:nvPicPr>
+          <p:cNvPr id="4" name="Content Placeholder 3"/>
+          <p:cNvPicPr>
+            <a:picLocks noGrp="1" noChangeAspect="1"/>
+          </p:cNvPicPr>
           <p:nvPr>
             <p:ph idx="1"/>
           </p:nvPr>
-        </p:nvSpPr>
-        <p:spPr/>
-        <p:txBody>
-          <a:bodyPr/>
+        </p:nvPicPr>
+        <p:blipFill>
+          <a:blip r:embed="rId2">
+            <a:extLst>
+              <a:ext uri="{28A0092B-C50C-407E-A947-70E740481C1C}">
+                <a14:useLocalDpi xmlns:a14="http://schemas.microsoft.com/office/drawing/2010/main" val="0"/>
+              </a:ext>
+            </a:extLst>
+          </a:blip>
+          <a:stretch>
+            <a:fillRect/>
+          </a:stretch>
+        </p:blipFill>
+        <p:spPr>
+          <a:xfrm>
+            <a:off x="1267524" y="1948466"/>
+            <a:ext cx="4590234" cy="2704557"/>
+          </a:xfrm>
+        </p:spPr>
+      </p:pic>
+      <p:pic>
+        <p:nvPicPr>
+          <p:cNvPr id="7" name="Picture 6"/>
+          <p:cNvPicPr>
+            <a:picLocks noChangeAspect="1"/>
+          </p:cNvPicPr>
+          <p:nvPr/>
+        </p:nvPicPr>
+        <p:blipFill>
+          <a:blip r:embed="rId3">
+            <a:extLst>
+              <a:ext uri="{28A0092B-C50C-407E-A947-70E740481C1C}">
+                <a14:useLocalDpi xmlns:a14="http://schemas.microsoft.com/office/drawing/2010/main" val="0"/>
+              </a:ext>
+            </a:extLst>
+          </a:blip>
+          <a:stretch>
+            <a:fillRect/>
+          </a:stretch>
+        </p:blipFill>
+        <p:spPr>
+          <a:xfrm>
+            <a:off x="6781800" y="1948466"/>
+            <a:ext cx="3947610" cy="3947610"/>
+          </a:xfrm>
+          <a:prstGeom prst="rect">
+            <a:avLst/>
+          </a:prstGeom>
+        </p:spPr>
+      </p:pic>
+      <p:sp>
+        <p:nvSpPr>
+          <p:cNvPr id="8" name="TextBox 7"/>
+          <p:cNvSpPr txBox="1"/>
+          <p:nvPr/>
+        </p:nvSpPr>
+        <p:spPr>
+          <a:xfrm>
+            <a:off x="1267524" y="4748241"/>
+            <a:ext cx="4590234" cy="369332"/>
+          </a:xfrm>
+          <a:prstGeom prst="rect">
+            <a:avLst/>
+          </a:prstGeom>
+          <a:noFill/>
+        </p:spPr>
+        <p:txBody>
+          <a:bodyPr wrap="square" rtlCol="0">
+            <a:spAutoFit/>
+          </a:bodyPr>
           <a:lstStyle/>
           <a:p>
             <a:r>
-              <a:rPr lang="sv-SE" dirty="0" err="1" smtClean="0"/>
+              <a:rPr lang="sv-SE" dirty="0" err="1" smtClean="0">
+                <a:latin typeface="Helvetica Neue" charset="0"/>
+                <a:ea typeface="Helvetica Neue" charset="0"/>
+                <a:cs typeface="Helvetica Neue" charset="0"/>
+              </a:rPr>
               <a:t>Raspberry</a:t>
             </a:r>
             <a:r>
-              <a:rPr lang="sv-SE" dirty="0" smtClean="0"/>
-              <a:t> pi 3B </a:t>
-            </a:r>
-          </a:p>
-          <a:p>
-            <a:r>
-              <a:rPr lang="sv-SE" dirty="0" err="1" smtClean="0"/>
+              <a:rPr lang="sv-SE" dirty="0" smtClean="0">
+                <a:latin typeface="Helvetica Neue" charset="0"/>
+                <a:ea typeface="Helvetica Neue" charset="0"/>
+                <a:cs typeface="Helvetica Neue" charset="0"/>
+              </a:rPr>
+              <a:t> Pi 3B</a:t>
+            </a:r>
+            <a:endParaRPr lang="sv-SE" dirty="0">
+              <a:latin typeface="Helvetica Neue" charset="0"/>
+              <a:ea typeface="Helvetica Neue" charset="0"/>
+              <a:cs typeface="Helvetica Neue" charset="0"/>
+            </a:endParaRPr>
+          </a:p>
+        </p:txBody>
+      </p:sp>
+      <p:sp>
+        <p:nvSpPr>
+          <p:cNvPr id="9" name="TextBox 8"/>
+          <p:cNvSpPr txBox="1"/>
+          <p:nvPr/>
+        </p:nvSpPr>
+        <p:spPr>
+          <a:xfrm>
+            <a:off x="6781800" y="5991294"/>
+            <a:ext cx="4590234" cy="369332"/>
+          </a:xfrm>
+          <a:prstGeom prst="rect">
+            <a:avLst/>
+          </a:prstGeom>
+          <a:noFill/>
+        </p:spPr>
+        <p:txBody>
+          <a:bodyPr wrap="square" rtlCol="0">
+            <a:spAutoFit/>
+          </a:bodyPr>
+          <a:lstStyle/>
+          <a:p>
+            <a:r>
+              <a:rPr lang="sv-SE" dirty="0" err="1" smtClean="0">
+                <a:latin typeface="Helvetica Neue" charset="0"/>
+                <a:ea typeface="Helvetica Neue" charset="0"/>
+                <a:cs typeface="Helvetica Neue" charset="0"/>
+              </a:rPr>
               <a:t>Geeetech</a:t>
             </a:r>
             <a:r>
-              <a:rPr lang="sv-SE" dirty="0" smtClean="0"/>
+              <a:rPr lang="sv-SE" dirty="0" smtClean="0">
+                <a:latin typeface="Helvetica Neue" charset="0"/>
+                <a:ea typeface="Helvetica Neue" charset="0"/>
+                <a:cs typeface="Helvetica Neue" charset="0"/>
+              </a:rPr>
               <a:t> Voice </a:t>
             </a:r>
             <a:r>
-              <a:rPr lang="sv-SE" dirty="0" err="1" smtClean="0"/>
+              <a:rPr lang="sv-SE" dirty="0" err="1" smtClean="0">
+                <a:latin typeface="Helvetica Neue" charset="0"/>
+                <a:ea typeface="Helvetica Neue" charset="0"/>
+                <a:cs typeface="Helvetica Neue" charset="0"/>
+              </a:rPr>
               <a:t>Recognition</a:t>
             </a:r>
             <a:r>
-              <a:rPr lang="sv-SE" dirty="0" smtClean="0"/>
+              <a:rPr lang="sv-SE" dirty="0" smtClean="0">
+                <a:latin typeface="Helvetica Neue" charset="0"/>
+                <a:ea typeface="Helvetica Neue" charset="0"/>
+                <a:cs typeface="Helvetica Neue" charset="0"/>
+              </a:rPr>
               <a:t> </a:t>
             </a:r>
             <a:r>
-              <a:rPr lang="sv-SE" dirty="0" err="1" smtClean="0"/>
+              <a:rPr lang="sv-SE" dirty="0" err="1" smtClean="0">
+                <a:latin typeface="Helvetica Neue" charset="0"/>
+                <a:ea typeface="Helvetica Neue" charset="0"/>
+                <a:cs typeface="Helvetica Neue" charset="0"/>
+              </a:rPr>
               <a:t>Module</a:t>
             </a:r>
-            <a:endParaRPr lang="sv-SE" dirty="0" smtClean="0"/>
-          </a:p>
-          <a:p>
-            <a:r>
-              <a:rPr lang="sv-SE" dirty="0" smtClean="0"/>
-              <a:t>3D </a:t>
-            </a:r>
-            <a:r>
-              <a:rPr lang="sv-SE" dirty="0" err="1" smtClean="0"/>
-              <a:t>printed</a:t>
-            </a:r>
-            <a:r>
-              <a:rPr lang="sv-SE" dirty="0" smtClean="0"/>
-              <a:t> skal</a:t>
-            </a:r>
-          </a:p>
-          <a:p>
-            <a:r>
-              <a:rPr lang="sv-SE" dirty="0" smtClean="0"/>
-              <a:t>Datorskärm</a:t>
-            </a:r>
-          </a:p>
-          <a:p>
-            <a:r>
-              <a:rPr lang="sv-SE" dirty="0" smtClean="0"/>
-              <a:t>Spegel</a:t>
-            </a:r>
-          </a:p>
-          <a:p>
-            <a:r>
-              <a:rPr lang="sv-SE" dirty="0" smtClean="0"/>
-              <a:t>Ram</a:t>
-            </a:r>
-            <a:endParaRPr lang="sv-SE" dirty="0"/>
+            <a:r>
+              <a:rPr lang="sv-SE" dirty="0" smtClean="0">
+                <a:latin typeface="Helvetica Neue" charset="0"/>
+                <a:ea typeface="Helvetica Neue" charset="0"/>
+                <a:cs typeface="Helvetica Neue" charset="0"/>
+              </a:rPr>
+              <a:t> </a:t>
+            </a:r>
+            <a:endParaRPr lang="sv-SE" dirty="0">
+              <a:latin typeface="Helvetica Neue" charset="0"/>
+              <a:ea typeface="Helvetica Neue" charset="0"/>
+              <a:cs typeface="Helvetica Neue" charset="0"/>
+            </a:endParaRPr>
           </a:p>
         </p:txBody>
       </p:sp>
@@ -6844,6 +7372,13 @@
   <p:clrMapOvr>
     <a:masterClrMapping/>
   </p:clrMapOvr>
+  <p:timing>
+    <p:tnLst>
+      <p:par>
+        <p:cTn id="1" dur="indefinite" restart="never" nodeType="tmRoot"/>
+      </p:par>
+    </p:tnLst>
+  </p:timing>
 </p:sld>
 </file>
 
@@ -6885,7 +7420,7 @@
                 <a:ea typeface="Helvetica Neue Light" charset="0"/>
                 <a:cs typeface="Helvetica Neue Light" charset="0"/>
               </a:rPr>
-              <a:t>Mjukvaruarkitektur</a:t>
+              <a:t>Hårdvaruarkitektur</a:t>
             </a:r>
             <a:endParaRPr lang="sv-SE" dirty="0">
               <a:latin typeface="Helvetica Neue Light" charset="0"/>
@@ -6895,60 +7430,39 @@
           </a:p>
         </p:txBody>
       </p:sp>
-      <p:sp>
-        <p:nvSpPr>
-          <p:cNvPr id="3" name="Content Placeholder 2"/>
-          <p:cNvSpPr>
-            <a:spLocks noGrp="1"/>
-          </p:cNvSpPr>
+      <p:pic>
+        <p:nvPicPr>
+          <p:cNvPr id="8" name="Content Placeholder 7"/>
+          <p:cNvPicPr>
+            <a:picLocks noGrp="1" noChangeAspect="1"/>
+          </p:cNvPicPr>
           <p:nvPr>
             <p:ph idx="1"/>
           </p:nvPr>
-        </p:nvSpPr>
-        <p:spPr/>
-        <p:txBody>
-          <a:bodyPr/>
-          <a:lstStyle/>
-          <a:p>
-            <a:r>
-              <a:rPr lang="sv-SE" dirty="0" err="1" smtClean="0"/>
-              <a:t>Tkinter</a:t>
-            </a:r>
-            <a:r>
-              <a:rPr lang="sv-SE" dirty="0" smtClean="0"/>
-              <a:t> bibliotek</a:t>
-            </a:r>
-          </a:p>
-          <a:p>
-            <a:r>
-              <a:rPr lang="sv-SE" dirty="0" smtClean="0"/>
-              <a:t>Klasser</a:t>
-            </a:r>
-          </a:p>
-          <a:p>
-            <a:r>
-              <a:rPr lang="sv-SE" dirty="0" err="1" smtClean="0"/>
-              <a:t>Widgets</a:t>
-            </a:r>
-            <a:endParaRPr lang="sv-SE" dirty="0" smtClean="0"/>
-          </a:p>
-          <a:p>
-            <a:r>
-              <a:rPr lang="sv-SE" dirty="0" err="1" smtClean="0"/>
-              <a:t>Code</a:t>
-            </a:r>
-            <a:r>
-              <a:rPr lang="sv-SE" dirty="0" smtClean="0"/>
-              <a:t> excerpts</a:t>
-            </a:r>
-            <a:endParaRPr lang="sv-SE" dirty="0"/>
-          </a:p>
-        </p:txBody>
-      </p:sp>
+        </p:nvPicPr>
+        <p:blipFill>
+          <a:blip r:embed="rId2">
+            <a:extLst>
+              <a:ext uri="{28A0092B-C50C-407E-A947-70E740481C1C}">
+                <a14:useLocalDpi xmlns:a14="http://schemas.microsoft.com/office/drawing/2010/main" val="0"/>
+              </a:ext>
+            </a:extLst>
+          </a:blip>
+          <a:stretch>
+            <a:fillRect/>
+          </a:stretch>
+        </p:blipFill>
+        <p:spPr>
+          <a:xfrm>
+            <a:off x="3775061" y="1853248"/>
+            <a:ext cx="3146821" cy="4195762"/>
+          </a:xfrm>
+        </p:spPr>
+      </p:pic>
     </p:spTree>
     <p:extLst>
       <p:ext uri="{BB962C8B-B14F-4D97-AF65-F5344CB8AC3E}">
-        <p14:creationId xmlns:p14="http://schemas.microsoft.com/office/powerpoint/2010/main" val="1357282833"/>
+        <p14:creationId xmlns:p14="http://schemas.microsoft.com/office/powerpoint/2010/main" val="459168506"/>
       </p:ext>
     </p:extLst>
   </p:cSld>
@@ -7003,31 +7517,7 @@
                 <a:ea typeface="Helvetica Neue Light" charset="0"/>
                 <a:cs typeface="Helvetica Neue Light" charset="0"/>
               </a:rPr>
-              <a:t>Mjukvaruarkitektur </a:t>
-            </a:r>
-            <a:r>
-              <a:rPr lang="mr-IN" dirty="0" smtClean="0">
-                <a:latin typeface="Helvetica Neue Light" charset="0"/>
-                <a:ea typeface="Helvetica Neue Light" charset="0"/>
-                <a:cs typeface="Helvetica Neue Light" charset="0"/>
-              </a:rPr>
-              <a:t>–</a:t>
-            </a:r>
-            <a:r>
-              <a:rPr lang="sv-SE" dirty="0" smtClean="0">
-                <a:latin typeface="Helvetica Neue Light" charset="0"/>
-                <a:ea typeface="Helvetica Neue Light" charset="0"/>
-                <a:cs typeface="Helvetica Neue Light" charset="0"/>
-              </a:rPr>
-              <a:t> kod </a:t>
-            </a:r>
-            <a:r>
-              <a:rPr lang="sv-SE" dirty="0" err="1" smtClean="0">
-                <a:latin typeface="Helvetica Neue Light" charset="0"/>
-                <a:ea typeface="Helvetica Neue Light" charset="0"/>
-                <a:cs typeface="Helvetica Neue Light" charset="0"/>
-              </a:rPr>
-              <a:t>snippets</a:t>
+              <a:t>Mjukvaruarkitektur</a:t>
             </a:r>
             <a:endParaRPr lang="sv-SE" dirty="0">
               <a:latin typeface="Helvetica Neue Light" charset="0"/>
@@ -7037,160 +7527,64 @@
           </a:p>
         </p:txBody>
       </p:sp>
-      <p:pic>
-        <p:nvPicPr>
-          <p:cNvPr id="5" name="Picture 4"/>
-          <p:cNvPicPr>
-            <a:picLocks noChangeAspect="1"/>
-          </p:cNvPicPr>
-          <p:nvPr/>
-        </p:nvPicPr>
-        <p:blipFill>
-          <a:blip r:embed="rId2">
-            <a:extLst>
-              <a:ext uri="{28A0092B-C50C-407E-A947-70E740481C1C}">
-                <a14:useLocalDpi xmlns:a14="http://schemas.microsoft.com/office/drawing/2010/main" val="0"/>
-              </a:ext>
-            </a:extLst>
-          </a:blip>
-          <a:stretch>
-            <a:fillRect/>
-          </a:stretch>
-        </p:blipFill>
-        <p:spPr>
-          <a:xfrm>
-            <a:off x="646111" y="1853248"/>
-            <a:ext cx="4191000" cy="3573780"/>
-          </a:xfrm>
-          <a:prstGeom prst="rect">
-            <a:avLst/>
-          </a:prstGeom>
-        </p:spPr>
-      </p:pic>
-      <p:pic>
-        <p:nvPicPr>
-          <p:cNvPr id="6" name="Picture 5"/>
-          <p:cNvPicPr>
-            <a:picLocks noChangeAspect="1"/>
-          </p:cNvPicPr>
-          <p:nvPr/>
-        </p:nvPicPr>
-        <p:blipFill>
-          <a:blip r:embed="rId3">
-            <a:extLst>
-              <a:ext uri="{28A0092B-C50C-407E-A947-70E740481C1C}">
-                <a14:useLocalDpi xmlns:a14="http://schemas.microsoft.com/office/drawing/2010/main" val="0"/>
-              </a:ext>
-            </a:extLst>
-          </a:blip>
-          <a:stretch>
-            <a:fillRect/>
-          </a:stretch>
-        </p:blipFill>
-        <p:spPr>
-          <a:xfrm>
-            <a:off x="2054990" y="2219008"/>
-            <a:ext cx="8892540" cy="3208020"/>
-          </a:xfrm>
-          <a:prstGeom prst="rect">
-            <a:avLst/>
-          </a:prstGeom>
-        </p:spPr>
-      </p:pic>
-      <p:pic>
-        <p:nvPicPr>
-          <p:cNvPr id="7" name="Picture 6"/>
-          <p:cNvPicPr>
-            <a:picLocks noChangeAspect="1"/>
-          </p:cNvPicPr>
-          <p:nvPr/>
-        </p:nvPicPr>
-        <p:blipFill>
-          <a:blip r:embed="rId4">
-            <a:extLst>
-              <a:ext uri="{28A0092B-C50C-407E-A947-70E740481C1C}">
-                <a14:useLocalDpi xmlns:a14="http://schemas.microsoft.com/office/drawing/2010/main" val="0"/>
-              </a:ext>
-            </a:extLst>
-          </a:blip>
-          <a:stretch>
-            <a:fillRect/>
-          </a:stretch>
-        </p:blipFill>
-        <p:spPr>
-          <a:xfrm>
-            <a:off x="1374009" y="3426460"/>
-            <a:ext cx="6835140" cy="2865120"/>
-          </a:xfrm>
-          <a:prstGeom prst="rect">
-            <a:avLst/>
-          </a:prstGeom>
-        </p:spPr>
-      </p:pic>
-      <p:pic>
-        <p:nvPicPr>
-          <p:cNvPr id="9" name="Picture 8"/>
-          <p:cNvPicPr>
-            <a:picLocks noChangeAspect="1"/>
-          </p:cNvPicPr>
-          <p:nvPr/>
-        </p:nvPicPr>
-        <p:blipFill>
-          <a:blip r:embed="rId5">
-            <a:extLst>
-              <a:ext uri="{28A0092B-C50C-407E-A947-70E740481C1C}">
-                <a14:useLocalDpi xmlns:a14="http://schemas.microsoft.com/office/drawing/2010/main" val="0"/>
-              </a:ext>
-            </a:extLst>
-          </a:blip>
-          <a:stretch>
-            <a:fillRect/>
-          </a:stretch>
-        </p:blipFill>
-        <p:spPr>
-          <a:xfrm>
-            <a:off x="101759" y="5442586"/>
-            <a:ext cx="4320540" cy="1143000"/>
-          </a:xfrm>
-          <a:prstGeom prst="rect">
-            <a:avLst/>
-          </a:prstGeom>
-        </p:spPr>
-      </p:pic>
-      <p:pic>
-        <p:nvPicPr>
-          <p:cNvPr id="10" name="Picture 9"/>
-          <p:cNvPicPr>
-            <a:picLocks noChangeAspect="1"/>
-          </p:cNvPicPr>
-          <p:nvPr/>
-        </p:nvPicPr>
-        <p:blipFill>
-          <a:blip r:embed="rId6">
-            <a:extLst>
-              <a:ext uri="{28A0092B-C50C-407E-A947-70E740481C1C}">
-                <a14:useLocalDpi xmlns:a14="http://schemas.microsoft.com/office/drawing/2010/main" val="0"/>
-              </a:ext>
-            </a:extLst>
-          </a:blip>
-          <a:stretch>
-            <a:fillRect/>
-          </a:stretch>
-        </p:blipFill>
-        <p:spPr>
-          <a:xfrm>
-            <a:off x="6861043" y="1631950"/>
-            <a:ext cx="5029200" cy="2446020"/>
-          </a:xfrm>
-          <a:prstGeom prst="rect">
-            <a:avLst/>
-          </a:prstGeom>
-        </p:spPr>
-      </p:pic>
+      <p:sp>
+        <p:nvSpPr>
+          <p:cNvPr id="3" name="Content Placeholder 2"/>
+          <p:cNvSpPr>
+            <a:spLocks noGrp="1"/>
+          </p:cNvSpPr>
+          <p:nvPr>
+            <p:ph idx="1"/>
+          </p:nvPr>
+        </p:nvSpPr>
+        <p:spPr/>
+        <p:txBody>
+          <a:bodyPr/>
+          <a:lstStyle/>
+          <a:p>
+            <a:r>
+              <a:rPr lang="sv-SE" dirty="0" err="1" smtClean="0"/>
+              <a:t>Tk</a:t>
+            </a:r>
+            <a:r>
+              <a:rPr lang="sv-SE" dirty="0" smtClean="0"/>
+              <a:t> interface </a:t>
+            </a:r>
+            <a:r>
+              <a:rPr lang="sv-SE" dirty="0" smtClean="0"/>
+              <a:t>bibliotek</a:t>
+            </a:r>
+          </a:p>
+          <a:p>
+            <a:r>
+              <a:rPr lang="sv-SE" dirty="0" smtClean="0"/>
+              <a:t>Klasser</a:t>
+            </a:r>
+          </a:p>
+          <a:p>
+            <a:r>
+              <a:rPr lang="sv-SE" dirty="0" err="1" smtClean="0"/>
+              <a:t>Widgets</a:t>
+            </a:r>
+            <a:endParaRPr lang="sv-SE" dirty="0" smtClean="0"/>
+          </a:p>
+          <a:p>
+            <a:r>
+              <a:rPr lang="sv-SE" dirty="0" err="1" smtClean="0"/>
+              <a:t>Code</a:t>
+            </a:r>
+            <a:r>
+              <a:rPr lang="sv-SE" dirty="0" smtClean="0"/>
+              <a:t> excerpts</a:t>
+            </a:r>
+            <a:endParaRPr lang="sv-SE" dirty="0"/>
+          </a:p>
+        </p:txBody>
+      </p:sp>
     </p:spTree>
     <p:extLst>
       <p:ext uri="{BB962C8B-B14F-4D97-AF65-F5344CB8AC3E}">
-        <p14:creationId xmlns:p14="http://schemas.microsoft.com/office/powerpoint/2010/main" val="2050494848"/>
+        <p14:creationId xmlns:p14="http://schemas.microsoft.com/office/powerpoint/2010/main" val="1357282833"/>
       </p:ext>
     </p:extLst>
   </p:cSld>
@@ -7226,97 +7620,77 @@
       </p:grpSpPr>
       <p:sp>
         <p:nvSpPr>
-          <p:cNvPr id="2" name="Rubrik 1">
+          <p:cNvPr id="2" name="Title 1"/>
+          <p:cNvSpPr>
+            <a:spLocks noGrp="1"/>
+          </p:cNvSpPr>
+          <p:nvPr>
+            <p:ph type="title"/>
+          </p:nvPr>
+        </p:nvSpPr>
+        <p:spPr/>
+        <p:txBody>
+          <a:bodyPr anchor="ctr"/>
+          <a:lstStyle/>
+          <a:p>
+            <a:r>
+              <a:rPr lang="sv-SE" dirty="0" smtClean="0">
+                <a:latin typeface="Helvetica Neue Light" charset="0"/>
+                <a:ea typeface="Helvetica Neue Light" charset="0"/>
+                <a:cs typeface="Helvetica Neue Light" charset="0"/>
+              </a:rPr>
+              <a:t>Koden - </a:t>
+            </a:r>
+            <a:r>
+              <a:rPr lang="sv-SE" dirty="0" err="1" smtClean="0">
+                <a:latin typeface="Helvetica Neue Light" charset="0"/>
+                <a:ea typeface="Helvetica Neue Light" charset="0"/>
+                <a:cs typeface="Helvetica Neue Light" charset="0"/>
+              </a:rPr>
+              <a:t>widget</a:t>
+            </a:r>
+            <a:endParaRPr lang="sv-SE" dirty="0">
+              <a:latin typeface="Helvetica Neue Light" charset="0"/>
+              <a:ea typeface="Helvetica Neue Light" charset="0"/>
+              <a:cs typeface="Helvetica Neue Light" charset="0"/>
+            </a:endParaRPr>
+          </a:p>
+        </p:txBody>
+      </p:sp>
+      <p:pic>
+        <p:nvPicPr>
+          <p:cNvPr id="6" name="Picture 5"/>
+          <p:cNvPicPr>
+            <a:picLocks noChangeAspect="1"/>
+          </p:cNvPicPr>
+          <p:nvPr/>
+        </p:nvPicPr>
+        <p:blipFill>
+          <a:blip r:embed="rId2">
             <a:extLst>
-              <a:ext uri="{FF2B5EF4-FFF2-40B4-BE49-F238E27FC236}">
-                <a16:creationId xmlns="" xmlns:a16="http://schemas.microsoft.com/office/drawing/2014/main" id="{9122A6C2-26F9-4631-A776-F060D0C9FF8C}"/>
+              <a:ext uri="{28A0092B-C50C-407E-A947-70E740481C1C}">
+                <a14:useLocalDpi xmlns:a14="http://schemas.microsoft.com/office/drawing/2010/main" val="0"/>
               </a:ext>
             </a:extLst>
-          </p:cNvPr>
-          <p:cNvSpPr>
-            <a:spLocks noGrp="1"/>
-          </p:cNvSpPr>
-          <p:nvPr>
-            <p:ph type="title"/>
-          </p:nvPr>
-        </p:nvSpPr>
+          </a:blip>
+          <a:stretch>
+            <a:fillRect/>
+          </a:stretch>
+        </p:blipFill>
         <p:spPr>
           <a:xfrm>
-            <a:off x="646111" y="652388"/>
-            <a:ext cx="9404723" cy="1400530"/>
+            <a:off x="646111" y="1853248"/>
+            <a:ext cx="8892540" cy="3208020"/>
           </a:xfrm>
+          <a:prstGeom prst="rect">
+            <a:avLst/>
+          </a:prstGeom>
         </p:spPr>
-        <p:txBody>
-          <a:bodyPr/>
-          <a:lstStyle/>
-          <a:p>
-            <a:r>
-              <a:rPr lang="sv-SE" dirty="0"/>
-              <a:t>Demonstration </a:t>
-            </a:r>
-          </a:p>
-        </p:txBody>
-      </p:sp>
-      <p:sp>
-        <p:nvSpPr>
-          <p:cNvPr id="3" name="Platshållare för innehåll 2">
-            <a:extLst>
-              <a:ext uri="{FF2B5EF4-FFF2-40B4-BE49-F238E27FC236}">
-                <a16:creationId xmlns="" xmlns:a16="http://schemas.microsoft.com/office/drawing/2014/main" id="{5F761CCC-1C19-45AF-A50F-506C981F9205}"/>
-              </a:ext>
-            </a:extLst>
-          </p:cNvPr>
-          <p:cNvSpPr>
-            <a:spLocks noGrp="1"/>
-          </p:cNvSpPr>
-          <p:nvPr>
-            <p:ph idx="1"/>
-          </p:nvPr>
-        </p:nvSpPr>
-        <p:spPr/>
-        <p:txBody>
-          <a:bodyPr>
-            <a:normAutofit/>
-          </a:bodyPr>
-          <a:lstStyle/>
-          <a:p>
-            <a:r>
-              <a:rPr lang="sv-SE" dirty="0"/>
-              <a:t>Röststyrd</a:t>
-            </a:r>
-          </a:p>
-          <a:p>
-            <a:r>
-              <a:rPr lang="sv-SE" dirty="0"/>
-              <a:t>Personlig kalender</a:t>
-            </a:r>
-          </a:p>
-          <a:p>
-            <a:r>
-              <a:rPr lang="sv-SE" dirty="0"/>
-              <a:t>Visa/dölja meddelanden</a:t>
-            </a:r>
-          </a:p>
-          <a:p>
-            <a:r>
-              <a:rPr lang="sv-SE" dirty="0"/>
-              <a:t>Individanpassat nyhetsflöde </a:t>
-            </a:r>
-            <a:endParaRPr lang="sv-SE" dirty="0" smtClean="0"/>
-          </a:p>
-          <a:p>
-            <a:r>
-              <a:rPr lang="sv-SE" dirty="0" smtClean="0"/>
-              <a:t>Busstabell</a:t>
-            </a:r>
-            <a:endParaRPr lang="sv-SE" dirty="0"/>
-          </a:p>
-        </p:txBody>
-      </p:sp>
+      </p:pic>
     </p:spTree>
     <p:extLst>
       <p:ext uri="{BB962C8B-B14F-4D97-AF65-F5344CB8AC3E}">
-        <p14:creationId xmlns:p14="http://schemas.microsoft.com/office/powerpoint/2010/main" val="2816503989"/>
+        <p14:creationId xmlns:p14="http://schemas.microsoft.com/office/powerpoint/2010/main" val="2050494848"/>
       </p:ext>
     </p:extLst>
   </p:cSld>
@@ -7365,129 +7739,123 @@
           <a:bodyPr anchor="ctr"/>
           <a:lstStyle/>
           <a:p>
-            <a:pPr lvl="1"/>
-            <a:r>
-              <a:rPr lang="sv-SE" sz="4000" dirty="0" smtClean="0">
-                <a:latin typeface="Helvetica Light"/>
+            <a:r>
+              <a:rPr lang="sv-SE" dirty="0" smtClean="0">
+                <a:latin typeface="Helvetica Neue Light" charset="0"/>
+                <a:ea typeface="Helvetica Neue Light" charset="0"/>
+                <a:cs typeface="Helvetica Neue Light" charset="0"/>
               </a:rPr>
-              <a:t>Vidareutveckling</a:t>
-            </a:r>
-            <a:endParaRPr lang="sv-SE" sz="4000" dirty="0">
-              <a:latin typeface="Helvetica Light"/>
+              <a:t>Koden </a:t>
+            </a:r>
+            <a:r>
+              <a:rPr lang="mr-IN" dirty="0" smtClean="0">
+                <a:latin typeface="Helvetica Neue Light" charset="0"/>
+                <a:ea typeface="Helvetica Neue Light" charset="0"/>
+                <a:cs typeface="Helvetica Neue Light" charset="0"/>
+              </a:rPr>
+              <a:t>–</a:t>
+            </a:r>
+            <a:r>
+              <a:rPr lang="sv-SE" dirty="0" smtClean="0">
+                <a:latin typeface="Helvetica Neue Light" charset="0"/>
+                <a:ea typeface="Helvetica Neue Light" charset="0"/>
+                <a:cs typeface="Helvetica Neue Light" charset="0"/>
+              </a:rPr>
+              <a:t> voice </a:t>
+            </a:r>
+            <a:r>
+              <a:rPr lang="sv-SE" dirty="0" err="1" smtClean="0">
+                <a:latin typeface="Helvetica Neue Light" charset="0"/>
+                <a:ea typeface="Helvetica Neue Light" charset="0"/>
+                <a:cs typeface="Helvetica Neue Light" charset="0"/>
+              </a:rPr>
+              <a:t>recognition</a:t>
+            </a:r>
+            <a:endParaRPr lang="sv-SE" dirty="0">
+              <a:latin typeface="Helvetica Neue Light" charset="0"/>
+              <a:ea typeface="Helvetica Neue Light" charset="0"/>
+              <a:cs typeface="Helvetica Neue Light" charset="0"/>
             </a:endParaRPr>
           </a:p>
         </p:txBody>
       </p:sp>
-      <p:sp>
-        <p:nvSpPr>
-          <p:cNvPr id="3" name="Content Placeholder 2"/>
-          <p:cNvSpPr>
-            <a:spLocks noGrp="1"/>
-          </p:cNvSpPr>
-          <p:nvPr>
-            <p:ph idx="1"/>
-          </p:nvPr>
-        </p:nvSpPr>
-        <p:spPr/>
-        <p:txBody>
-          <a:bodyPr/>
-          <a:lstStyle/>
-          <a:p>
-            <a:r>
-              <a:rPr lang="sv-SE" dirty="0" smtClean="0"/>
-              <a:t>Utvecklings potential:</a:t>
-            </a:r>
-            <a:endParaRPr lang="sv-SE" dirty="0"/>
-          </a:p>
-          <a:p>
-            <a:pPr lvl="1"/>
-            <a:r>
-              <a:rPr lang="sv-SE" dirty="0"/>
-              <a:t>Anpassningsbar</a:t>
-            </a:r>
-          </a:p>
-          <a:p>
-            <a:pPr lvl="1"/>
-            <a:r>
-              <a:rPr lang="sv-SE" dirty="0"/>
-              <a:t>Integrera ’intelligent </a:t>
-            </a:r>
-            <a:r>
-              <a:rPr lang="sv-SE" dirty="0" err="1"/>
-              <a:t>assistant</a:t>
-            </a:r>
-            <a:r>
-              <a:rPr lang="sv-SE" dirty="0"/>
-              <a:t>’</a:t>
-            </a:r>
-          </a:p>
-          <a:p>
-            <a:pPr lvl="1"/>
-            <a:r>
-              <a:rPr lang="sv-SE" dirty="0" err="1"/>
-              <a:t>Facial</a:t>
-            </a:r>
-            <a:r>
-              <a:rPr lang="sv-SE" dirty="0"/>
-              <a:t> </a:t>
-            </a:r>
-            <a:r>
-              <a:rPr lang="sv-SE" dirty="0" err="1"/>
-              <a:t>recognition</a:t>
-            </a:r>
-            <a:r>
-              <a:rPr lang="sv-SE" dirty="0"/>
-              <a:t> </a:t>
-            </a:r>
-          </a:p>
-          <a:p>
-            <a:pPr lvl="1"/>
-            <a:r>
-              <a:rPr lang="sv-SE" dirty="0"/>
-              <a:t>Video </a:t>
-            </a:r>
-            <a:r>
-              <a:rPr lang="sv-SE" dirty="0" smtClean="0"/>
-              <a:t>samtal</a:t>
-            </a:r>
-            <a:endParaRPr lang="sv-SE" dirty="0"/>
-          </a:p>
-          <a:p>
-            <a:pPr lvl="1"/>
-            <a:r>
-              <a:rPr lang="sv-SE" dirty="0" smtClean="0"/>
-              <a:t>Skalbar</a:t>
-            </a:r>
-            <a:endParaRPr lang="sv-SE" dirty="0"/>
-          </a:p>
-          <a:p>
-            <a:pPr lvl="1"/>
-            <a:endParaRPr lang="sv-SE" dirty="0"/>
-          </a:p>
-          <a:p>
-            <a:endParaRPr lang="sv-SE" dirty="0"/>
-          </a:p>
-          <a:p>
-            <a:endParaRPr lang="sv-SE" dirty="0"/>
-          </a:p>
-          <a:p>
-            <a:endParaRPr lang="sv-SE" dirty="0"/>
-          </a:p>
-          <a:p>
-            <a:endParaRPr lang="sv-SE" dirty="0"/>
-          </a:p>
-        </p:txBody>
-      </p:sp>
+      <p:pic>
+        <p:nvPicPr>
+          <p:cNvPr id="7" name="Picture 6"/>
+          <p:cNvPicPr>
+            <a:picLocks noChangeAspect="1"/>
+          </p:cNvPicPr>
+          <p:nvPr/>
+        </p:nvPicPr>
+        <p:blipFill>
+          <a:blip r:embed="rId2">
+            <a:extLst>
+              <a:ext uri="{28A0092B-C50C-407E-A947-70E740481C1C}">
+                <a14:useLocalDpi xmlns:a14="http://schemas.microsoft.com/office/drawing/2010/main" val="0"/>
+              </a:ext>
+            </a:extLst>
+          </a:blip>
+          <a:stretch>
+            <a:fillRect/>
+          </a:stretch>
+        </p:blipFill>
+        <p:spPr>
+          <a:xfrm>
+            <a:off x="646111" y="1853248"/>
+            <a:ext cx="6835140" cy="2865120"/>
+          </a:xfrm>
+          <a:prstGeom prst="rect">
+            <a:avLst/>
+          </a:prstGeom>
+        </p:spPr>
+      </p:pic>
+      <p:pic>
+        <p:nvPicPr>
+          <p:cNvPr id="9" name="Picture 8"/>
+          <p:cNvPicPr>
+            <a:picLocks noChangeAspect="1"/>
+          </p:cNvPicPr>
+          <p:nvPr/>
+        </p:nvPicPr>
+        <p:blipFill>
+          <a:blip r:embed="rId3">
+            <a:extLst>
+              <a:ext uri="{28A0092B-C50C-407E-A947-70E740481C1C}">
+                <a14:useLocalDpi xmlns:a14="http://schemas.microsoft.com/office/drawing/2010/main" val="0"/>
+              </a:ext>
+            </a:extLst>
+          </a:blip>
+          <a:stretch>
+            <a:fillRect/>
+          </a:stretch>
+        </p:blipFill>
+        <p:spPr>
+          <a:xfrm>
+            <a:off x="646111" y="4975898"/>
+            <a:ext cx="4320540" cy="1143000"/>
+          </a:xfrm>
+          <a:prstGeom prst="rect">
+            <a:avLst/>
+          </a:prstGeom>
+        </p:spPr>
+      </p:pic>
     </p:spTree>
     <p:extLst>
       <p:ext uri="{BB962C8B-B14F-4D97-AF65-F5344CB8AC3E}">
-        <p14:creationId xmlns:p14="http://schemas.microsoft.com/office/powerpoint/2010/main" val="1523902976"/>
+        <p14:creationId xmlns:p14="http://schemas.microsoft.com/office/powerpoint/2010/main" val="893330027"/>
       </p:ext>
     </p:extLst>
   </p:cSld>
   <p:clrMapOvr>
     <a:masterClrMapping/>
   </p:clrMapOvr>
+  <p:timing>
+    <p:tnLst>
+      <p:par>
+        <p:cTn id="1" dur="indefinite" restart="never" nodeType="tmRoot"/>
+      </p:par>
+    </p:tnLst>
+  </p:timing>
 </p:sld>
 </file>
 
@@ -7523,90 +7891,69 @@
           <a:bodyPr anchor="ctr"/>
           <a:lstStyle/>
           <a:p>
-            <a:pPr lvl="1"/>
-            <a:r>
-              <a:rPr lang="sv-SE" sz="4000" dirty="0" err="1" smtClean="0">
-                <a:latin typeface="Helvetica Light"/>
+            <a:r>
+              <a:rPr lang="sv-SE" dirty="0" smtClean="0">
+                <a:latin typeface="Helvetica Neue Light" charset="0"/>
+                <a:ea typeface="Helvetica Neue Light" charset="0"/>
+                <a:cs typeface="Helvetica Neue Light" charset="0"/>
               </a:rPr>
-              <a:t>Agil</a:t>
-            </a:r>
-            <a:r>
-              <a:rPr lang="sv-SE" sz="4000" dirty="0" smtClean="0">
-                <a:latin typeface="Helvetica Light"/>
-              </a:rPr>
-              <a:t> metodik</a:t>
-            </a:r>
-            <a:endParaRPr lang="sv-SE" sz="4000" dirty="0">
-              <a:latin typeface="Helvetica Light"/>
+              <a:t>Koden - layout</a:t>
+            </a:r>
+            <a:endParaRPr lang="sv-SE" dirty="0">
+              <a:latin typeface="Helvetica Neue Light" charset="0"/>
+              <a:ea typeface="Helvetica Neue Light" charset="0"/>
+              <a:cs typeface="Helvetica Neue Light" charset="0"/>
             </a:endParaRPr>
           </a:p>
         </p:txBody>
       </p:sp>
-      <p:sp>
-        <p:nvSpPr>
-          <p:cNvPr id="3" name="Content Placeholder 2"/>
-          <p:cNvSpPr>
-            <a:spLocks noGrp="1"/>
-          </p:cNvSpPr>
-          <p:nvPr>
-            <p:ph idx="1"/>
-          </p:nvPr>
-        </p:nvSpPr>
-        <p:spPr/>
-        <p:txBody>
-          <a:bodyPr/>
-          <a:lstStyle/>
-          <a:p>
-            <a:pPr lvl="1"/>
-            <a:endParaRPr lang="sv-SE" dirty="0"/>
-          </a:p>
-          <a:p>
-            <a:r>
-              <a:rPr lang="sv-SE" dirty="0" err="1" smtClean="0"/>
-              <a:t>Trello</a:t>
-            </a:r>
-            <a:endParaRPr lang="sv-SE" dirty="0" smtClean="0"/>
-          </a:p>
-          <a:p>
-            <a:r>
-              <a:rPr lang="sv-SE" dirty="0" smtClean="0"/>
-              <a:t>Git</a:t>
-            </a:r>
-          </a:p>
-          <a:p>
-            <a:r>
-              <a:rPr lang="sv-SE" dirty="0" err="1" smtClean="0"/>
-              <a:t>Scrum</a:t>
-            </a:r>
-            <a:endParaRPr lang="sv-SE" dirty="0" smtClean="0"/>
-          </a:p>
-          <a:p>
-            <a:endParaRPr lang="sv-SE" dirty="0" smtClean="0"/>
-          </a:p>
-          <a:p>
-            <a:endParaRPr lang="sv-SE" dirty="0"/>
-          </a:p>
-          <a:p>
-            <a:endParaRPr lang="sv-SE" dirty="0"/>
-          </a:p>
-          <a:p>
-            <a:endParaRPr lang="sv-SE" dirty="0"/>
-          </a:p>
-          <a:p>
-            <a:endParaRPr lang="sv-SE" dirty="0"/>
-          </a:p>
-        </p:txBody>
-      </p:sp>
+      <p:pic>
+        <p:nvPicPr>
+          <p:cNvPr id="10" name="Picture 9"/>
+          <p:cNvPicPr>
+            <a:picLocks noChangeAspect="1"/>
+          </p:cNvPicPr>
+          <p:nvPr/>
+        </p:nvPicPr>
+        <p:blipFill>
+          <a:blip r:embed="rId2">
+            <a:extLst>
+              <a:ext uri="{28A0092B-C50C-407E-A947-70E740481C1C}">
+                <a14:useLocalDpi xmlns:a14="http://schemas.microsoft.com/office/drawing/2010/main" val="0"/>
+              </a:ext>
+            </a:extLst>
+          </a:blip>
+          <a:stretch>
+            <a:fillRect/>
+          </a:stretch>
+        </p:blipFill>
+        <p:spPr>
+          <a:xfrm>
+            <a:off x="646111" y="1853248"/>
+            <a:ext cx="5029200" cy="2446020"/>
+          </a:xfrm>
+          <a:prstGeom prst="rect">
+            <a:avLst/>
+          </a:prstGeom>
+        </p:spPr>
+      </p:pic>
     </p:spTree>
     <p:extLst>
       <p:ext uri="{BB962C8B-B14F-4D97-AF65-F5344CB8AC3E}">
-        <p14:creationId xmlns:p14="http://schemas.microsoft.com/office/powerpoint/2010/main" val="1301141540"/>
+        <p14:creationId xmlns:p14="http://schemas.microsoft.com/office/powerpoint/2010/main" val="1468251528"/>
       </p:ext>
     </p:extLst>
   </p:cSld>
   <p:clrMapOvr>
     <a:masterClrMapping/>
   </p:clrMapOvr>
+  <p:timing>
+    <p:tnLst>
+      <p:par>
+        <p:cTn id="1" dur="indefinite" restart="never" nodeType="tmRoot"/>
+      </p:par>
+    </p:tnLst>
+  </p:timing>
 </p:sld>
 </file>
 

--- a/pitch_group_mirror.pptx
+++ b/pitch_group_mirror.pptx
@@ -8,17 +8,19 @@
     <p:sldId id="256" r:id="rId2"/>
     <p:sldId id="263" r:id="rId3"/>
     <p:sldId id="257" r:id="rId4"/>
-    <p:sldId id="264" r:id="rId5"/>
-    <p:sldId id="271" r:id="rId6"/>
-    <p:sldId id="265" r:id="rId7"/>
-    <p:sldId id="266" r:id="rId8"/>
-    <p:sldId id="269" r:id="rId9"/>
-    <p:sldId id="270" r:id="rId10"/>
-    <p:sldId id="261" r:id="rId11"/>
-    <p:sldId id="258" r:id="rId12"/>
-    <p:sldId id="267" r:id="rId13"/>
-    <p:sldId id="268" r:id="rId14"/>
-    <p:sldId id="262" r:id="rId15"/>
+    <p:sldId id="272" r:id="rId5"/>
+    <p:sldId id="264" r:id="rId6"/>
+    <p:sldId id="271" r:id="rId7"/>
+    <p:sldId id="265" r:id="rId8"/>
+    <p:sldId id="266" r:id="rId9"/>
+    <p:sldId id="269" r:id="rId10"/>
+    <p:sldId id="270" r:id="rId11"/>
+    <p:sldId id="261" r:id="rId12"/>
+    <p:sldId id="258" r:id="rId13"/>
+    <p:sldId id="267" r:id="rId14"/>
+    <p:sldId id="268" r:id="rId15"/>
+    <p:sldId id="273" r:id="rId16"/>
+    <p:sldId id="262" r:id="rId17"/>
   </p:sldIdLst>
   <p:sldSz cx="12192000" cy="6858000"/>
   <p:notesSz cx="6858000" cy="9144000"/>
@@ -311,7 +313,7 @@
           <a:p>
             <a:fld id="{4AAD347D-5ACD-4C99-B74B-A9C85AD731AF}" type="datetimeFigureOut">
               <a:rPr lang="en-US" dirty="0"/>
-              <a:t>9/12/18</a:t>
+              <a:t>9/13/2018</a:t>
             </a:fld>
             <a:endParaRPr lang="en-US" dirty="0"/>
           </a:p>
@@ -581,7 +583,7 @@
           <a:p>
             <a:fld id="{4509A250-FF31-4206-8172-F9D3106AACB1}" type="datetimeFigureOut">
               <a:rPr lang="en-US" dirty="0"/>
-              <a:t>9/12/18</a:t>
+              <a:t>9/13/2018</a:t>
             </a:fld>
             <a:endParaRPr lang="en-US" dirty="0"/>
           </a:p>
@@ -770,7 +772,7 @@
           <a:p>
             <a:fld id="{4509A250-FF31-4206-8172-F9D3106AACB1}" type="datetimeFigureOut">
               <a:rPr lang="en-US" dirty="0"/>
-              <a:t>9/12/18</a:t>
+              <a:t>9/13/2018</a:t>
             </a:fld>
             <a:endParaRPr lang="en-US" dirty="0"/>
           </a:p>
@@ -1038,7 +1040,7 @@
           <a:p>
             <a:fld id="{4509A250-FF31-4206-8172-F9D3106AACB1}" type="datetimeFigureOut">
               <a:rPr lang="en-US" dirty="0"/>
-              <a:t>9/12/18</a:t>
+              <a:t>9/13/2018</a:t>
             </a:fld>
             <a:endParaRPr lang="en-US" dirty="0"/>
           </a:p>
@@ -1374,7 +1376,7 @@
           <a:p>
             <a:fld id="{4509A250-FF31-4206-8172-F9D3106AACB1}" type="datetimeFigureOut">
               <a:rPr lang="en-US" dirty="0"/>
-              <a:t>9/12/18</a:t>
+              <a:t>9/13/2018</a:t>
             </a:fld>
             <a:endParaRPr lang="en-US" dirty="0"/>
           </a:p>
@@ -1992,7 +1994,7 @@
           <a:p>
             <a:fld id="{4509A250-FF31-4206-8172-F9D3106AACB1}" type="datetimeFigureOut">
               <a:rPr lang="en-US" dirty="0"/>
-              <a:t>9/12/18</a:t>
+              <a:t>9/13/2018</a:t>
             </a:fld>
             <a:endParaRPr lang="en-US" dirty="0"/>
           </a:p>
@@ -2847,7 +2849,7 @@
           <a:p>
             <a:fld id="{4509A250-FF31-4206-8172-F9D3106AACB1}" type="datetimeFigureOut">
               <a:rPr lang="en-US" dirty="0"/>
-              <a:t>9/12/18</a:t>
+              <a:t>9/13/2018</a:t>
             </a:fld>
             <a:endParaRPr lang="en-US" dirty="0"/>
           </a:p>
@@ -3012,7 +3014,7 @@
           <a:p>
             <a:fld id="{4509A250-FF31-4206-8172-F9D3106AACB1}" type="datetimeFigureOut">
               <a:rPr lang="en-US" dirty="0"/>
-              <a:t>9/12/18</a:t>
+              <a:t>9/13/2018</a:t>
             </a:fld>
             <a:endParaRPr lang="en-US" dirty="0"/>
           </a:p>
@@ -3187,7 +3189,7 @@
           <a:p>
             <a:fld id="{4509A250-FF31-4206-8172-F9D3106AACB1}" type="datetimeFigureOut">
               <a:rPr lang="en-US" dirty="0"/>
-              <a:t>9/12/18</a:t>
+              <a:t>9/13/2018</a:t>
             </a:fld>
             <a:endParaRPr lang="en-US" dirty="0"/>
           </a:p>
@@ -3464,7 +3466,7 @@
           <a:p>
             <a:fld id="{4509A250-FF31-4206-8172-F9D3106AACB1}" type="datetimeFigureOut">
               <a:rPr lang="en-US" dirty="0"/>
-              <a:t>9/12/18</a:t>
+              <a:t>9/13/2018</a:t>
             </a:fld>
             <a:endParaRPr lang="en-US" dirty="0"/>
           </a:p>
@@ -3706,7 +3708,7 @@
           <a:p>
             <a:fld id="{9796027F-7875-4030-9381-8BD8C4F21935}" type="datetimeFigureOut">
               <a:rPr lang="en-US" dirty="0"/>
-              <a:t>9/12/18</a:t>
+              <a:t>9/13/2018</a:t>
             </a:fld>
             <a:endParaRPr lang="en-US" dirty="0"/>
           </a:p>
@@ -3993,7 +3995,7 @@
           <a:p>
             <a:fld id="{9796027F-7875-4030-9381-8BD8C4F21935}" type="datetimeFigureOut">
               <a:rPr lang="en-US" dirty="0"/>
-              <a:t>9/12/18</a:t>
+              <a:t>9/13/2018</a:t>
             </a:fld>
             <a:endParaRPr lang="en-US" dirty="0"/>
           </a:p>
@@ -4432,7 +4434,7 @@
           <a:p>
             <a:fld id="{9796027F-7875-4030-9381-8BD8C4F21935}" type="datetimeFigureOut">
               <a:rPr lang="en-US" dirty="0"/>
-              <a:t>9/12/18</a:t>
+              <a:t>9/13/2018</a:t>
             </a:fld>
             <a:endParaRPr lang="en-US" dirty="0"/>
           </a:p>
@@ -4545,7 +4547,7 @@
           <a:p>
             <a:fld id="{4509A250-FF31-4206-8172-F9D3106AACB1}" type="datetimeFigureOut">
               <a:rPr lang="en-US" dirty="0"/>
-              <a:t>9/12/18</a:t>
+              <a:t>9/13/2018</a:t>
             </a:fld>
             <a:endParaRPr lang="en-US" dirty="0"/>
           </a:p>
@@ -4635,7 +4637,7 @@
           <a:p>
             <a:fld id="{4509A250-FF31-4206-8172-F9D3106AACB1}" type="datetimeFigureOut">
               <a:rPr lang="en-US" dirty="0"/>
-              <a:t>9/12/18</a:t>
+              <a:t>9/13/2018</a:t>
             </a:fld>
             <a:endParaRPr lang="en-US" dirty="0"/>
           </a:p>
@@ -4909,7 +4911,7 @@
           <a:p>
             <a:fld id="{4509A250-FF31-4206-8172-F9D3106AACB1}" type="datetimeFigureOut">
               <a:rPr lang="en-US" dirty="0"/>
-              <a:t>9/12/18</a:t>
+              <a:t>9/13/2018</a:t>
             </a:fld>
             <a:endParaRPr lang="en-US" dirty="0"/>
           </a:p>
@@ -5179,7 +5181,7 @@
           <a:p>
             <a:fld id="{4509A250-FF31-4206-8172-F9D3106AACB1}" type="datetimeFigureOut">
               <a:rPr lang="en-US" dirty="0"/>
-              <a:t>9/12/18</a:t>
+              <a:t>9/13/2018</a:t>
             </a:fld>
             <a:endParaRPr lang="en-US" dirty="0"/>
           </a:p>
@@ -5627,7 +5629,7 @@
           <a:p>
             <a:fld id="{4AAD347D-5ACD-4C99-B74B-A9C85AD731AF}" type="datetimeFigureOut">
               <a:rPr lang="en-US" dirty="0"/>
-              <a:t>9/12/18</a:t>
+              <a:t>9/13/2018</a:t>
             </a:fld>
             <a:endParaRPr lang="en-US" dirty="0"/>
           </a:p>
@@ -6279,110 +6281,70 @@
       </p:grpSpPr>
       <p:sp>
         <p:nvSpPr>
-          <p:cNvPr id="2" name="Rubrik 1">
+          <p:cNvPr id="2" name="Title 1"/>
+          <p:cNvSpPr>
+            <a:spLocks noGrp="1"/>
+          </p:cNvSpPr>
+          <p:nvPr>
+            <p:ph type="title"/>
+          </p:nvPr>
+        </p:nvSpPr>
+        <p:spPr/>
+        <p:txBody>
+          <a:bodyPr anchor="ctr"/>
+          <a:lstStyle/>
+          <a:p>
+            <a:r>
+              <a:rPr lang="sv-SE" dirty="0">
+                <a:latin typeface="Helvetica Neue Light" charset="0"/>
+                <a:ea typeface="Helvetica Neue Light" charset="0"/>
+                <a:cs typeface="Helvetica Neue Light" charset="0"/>
+              </a:rPr>
+              <a:t>Koden - layout</a:t>
+            </a:r>
+          </a:p>
+        </p:txBody>
+      </p:sp>
+      <p:pic>
+        <p:nvPicPr>
+          <p:cNvPr id="10" name="Picture 9"/>
+          <p:cNvPicPr>
+            <a:picLocks noChangeAspect="1"/>
+          </p:cNvPicPr>
+          <p:nvPr/>
+        </p:nvPicPr>
+        <p:blipFill>
+          <a:blip r:embed="rId2">
             <a:extLst>
-              <a:ext uri="{FF2B5EF4-FFF2-40B4-BE49-F238E27FC236}">
-                <a16:creationId xmlns="" xmlns:a16="http://schemas.microsoft.com/office/drawing/2014/main" id="{9122A6C2-26F9-4631-A776-F060D0C9FF8C}"/>
+              <a:ext uri="{28A0092B-C50C-407E-A947-70E740481C1C}">
+                <a14:useLocalDpi xmlns:a14="http://schemas.microsoft.com/office/drawing/2010/main" val="0"/>
               </a:ext>
             </a:extLst>
-          </p:cNvPr>
-          <p:cNvSpPr>
-            <a:spLocks noGrp="1"/>
-          </p:cNvSpPr>
-          <p:nvPr>
-            <p:ph type="title"/>
-          </p:nvPr>
-        </p:nvSpPr>
+          </a:blip>
+          <a:stretch>
+            <a:fillRect/>
+          </a:stretch>
+        </p:blipFill>
         <p:spPr>
           <a:xfrm>
-            <a:off x="646111" y="652388"/>
-            <a:ext cx="9404723" cy="1400530"/>
+            <a:off x="730086" y="2189150"/>
+            <a:ext cx="6389171" cy="3107460"/>
           </a:xfrm>
+          <a:prstGeom prst="rect">
+            <a:avLst/>
+          </a:prstGeom>
         </p:spPr>
-        <p:txBody>
-          <a:bodyPr/>
-          <a:lstStyle/>
-          <a:p>
-            <a:r>
-              <a:rPr lang="sv-SE" dirty="0"/>
-              <a:t>Demonstration </a:t>
-            </a:r>
-          </a:p>
-        </p:txBody>
-      </p:sp>
-      <p:sp>
-        <p:nvSpPr>
-          <p:cNvPr id="3" name="Platshållare för innehåll 2">
-            <a:extLst>
-              <a:ext uri="{FF2B5EF4-FFF2-40B4-BE49-F238E27FC236}">
-                <a16:creationId xmlns="" xmlns:a16="http://schemas.microsoft.com/office/drawing/2014/main" id="{5F761CCC-1C19-45AF-A50F-506C981F9205}"/>
-              </a:ext>
-            </a:extLst>
-          </p:cNvPr>
-          <p:cNvSpPr>
-            <a:spLocks noGrp="1"/>
-          </p:cNvSpPr>
-          <p:nvPr>
-            <p:ph idx="1"/>
-          </p:nvPr>
-        </p:nvSpPr>
-        <p:spPr/>
-        <p:txBody>
-          <a:bodyPr>
-            <a:normAutofit/>
-          </a:bodyPr>
-          <a:lstStyle/>
-          <a:p>
-            <a:r>
-              <a:rPr lang="sv-SE" dirty="0"/>
-              <a:t>Röststyrd</a:t>
-            </a:r>
-          </a:p>
-          <a:p>
-            <a:r>
-              <a:rPr lang="sv-SE" dirty="0"/>
-              <a:t>Personlig kalender</a:t>
-            </a:r>
-          </a:p>
-          <a:p>
-            <a:r>
-              <a:rPr lang="sv-SE" dirty="0"/>
-              <a:t>Visa/dölja meddelanden</a:t>
-            </a:r>
-          </a:p>
-          <a:p>
-            <a:r>
-              <a:rPr lang="sv-SE" dirty="0"/>
-              <a:t>Individanpassat nyhetsflöde </a:t>
-            </a:r>
-            <a:endParaRPr lang="sv-SE" dirty="0" smtClean="0"/>
-          </a:p>
-          <a:p>
-            <a:r>
-              <a:rPr lang="sv-SE" dirty="0" smtClean="0"/>
-              <a:t>Busstabell</a:t>
-            </a:r>
-            <a:endParaRPr lang="sv-SE" dirty="0"/>
-          </a:p>
-        </p:txBody>
-      </p:sp>
+      </p:pic>
     </p:spTree>
     <p:extLst>
       <p:ext uri="{BB962C8B-B14F-4D97-AF65-F5344CB8AC3E}">
-        <p14:creationId xmlns:p14="http://schemas.microsoft.com/office/powerpoint/2010/main" val="2816503989"/>
+        <p14:creationId xmlns:p14="http://schemas.microsoft.com/office/powerpoint/2010/main" val="1468251528"/>
       </p:ext>
     </p:extLst>
   </p:cSld>
   <p:clrMapOvr>
     <a:masterClrMapping/>
   </p:clrMapOvr>
-  <p:timing>
-    <p:tnLst>
-      <p:par>
-        <p:cTn id="1" dur="indefinite" restart="never" nodeType="tmRoot"/>
-      </p:par>
-    </p:tnLst>
-  </p:timing>
 </p:sld>
 </file>
 
@@ -6405,7 +6367,13 @@
       </p:grpSpPr>
       <p:sp>
         <p:nvSpPr>
-          <p:cNvPr id="2" name="Title 1"/>
+          <p:cNvPr id="2" name="Rubrik 1">
+            <a:extLst>
+              <a:ext uri="{FF2B5EF4-FFF2-40B4-BE49-F238E27FC236}">
+                <a16:creationId xmlns:a16="http://schemas.microsoft.com/office/drawing/2014/main" id="{9122A6C2-26F9-4631-A776-F060D0C9FF8C}"/>
+              </a:ext>
+            </a:extLst>
+          </p:cNvPr>
           <p:cNvSpPr>
             <a:spLocks noGrp="1"/>
           </p:cNvSpPr>
@@ -6413,141 +6381,87 @@
             <p:ph type="title"/>
           </p:nvPr>
         </p:nvSpPr>
+        <p:spPr>
+          <a:xfrm>
+            <a:off x="646111" y="652388"/>
+            <a:ext cx="9404723" cy="1400530"/>
+          </a:xfrm>
+        </p:spPr>
+        <p:txBody>
+          <a:bodyPr/>
+          <a:lstStyle/>
+          <a:p>
+            <a:r>
+              <a:rPr lang="sv-SE" dirty="0"/>
+              <a:t>Demonstration </a:t>
+            </a:r>
+          </a:p>
+        </p:txBody>
+      </p:sp>
+      <p:sp>
+        <p:nvSpPr>
+          <p:cNvPr id="3" name="Platshållare för innehåll 2">
+            <a:extLst>
+              <a:ext uri="{FF2B5EF4-FFF2-40B4-BE49-F238E27FC236}">
+                <a16:creationId xmlns:a16="http://schemas.microsoft.com/office/drawing/2014/main" id="{5F761CCC-1C19-45AF-A50F-506C981F9205}"/>
+              </a:ext>
+            </a:extLst>
+          </p:cNvPr>
+          <p:cNvSpPr>
+            <a:spLocks noGrp="1"/>
+          </p:cNvSpPr>
+          <p:nvPr>
+            <p:ph idx="1"/>
+          </p:nvPr>
+        </p:nvSpPr>
         <p:spPr/>
         <p:txBody>
-          <a:bodyPr anchor="ctr"/>
-          <a:lstStyle/>
-          <a:p>
-            <a:pPr lvl="1"/>
-            <a:r>
-              <a:rPr lang="sv-SE" sz="4000" dirty="0" smtClean="0">
-                <a:latin typeface="Helvetica Light"/>
-              </a:rPr>
-              <a:t>Vidareutveckling</a:t>
-            </a:r>
-            <a:endParaRPr lang="sv-SE" sz="4000" dirty="0">
-              <a:latin typeface="Helvetica Light"/>
-            </a:endParaRPr>
-          </a:p>
-        </p:txBody>
-      </p:sp>
-      <p:sp>
-        <p:nvSpPr>
-          <p:cNvPr id="3" name="Content Placeholder 2"/>
-          <p:cNvSpPr>
-            <a:spLocks noGrp="1"/>
-          </p:cNvSpPr>
-          <p:nvPr>
-            <p:ph idx="1"/>
-          </p:nvPr>
-        </p:nvSpPr>
-        <p:spPr/>
-        <p:txBody>
-          <a:bodyPr/>
-          <a:lstStyle/>
-          <a:p>
-            <a:r>
-              <a:rPr lang="sv-SE" dirty="0" smtClean="0"/>
-              <a:t>Utvecklings potential:</a:t>
-            </a:r>
-            <a:endParaRPr lang="sv-SE" dirty="0"/>
-          </a:p>
-          <a:p>
-            <a:pPr lvl="1"/>
+          <a:bodyPr>
+            <a:normAutofit/>
+          </a:bodyPr>
+          <a:lstStyle/>
+          <a:p>
             <a:r>
               <a:rPr lang="sv-SE" dirty="0"/>
-              <a:t>Anpassningsbar</a:t>
-            </a:r>
-          </a:p>
-          <a:p>
-            <a:pPr lvl="1"/>
+              <a:t>Röststyrd</a:t>
+            </a:r>
+          </a:p>
+          <a:p>
             <a:r>
               <a:rPr lang="sv-SE" dirty="0"/>
-              <a:t>Integrera ’intelligent </a:t>
-            </a:r>
-            <a:r>
-              <a:rPr lang="sv-SE" dirty="0" err="1"/>
-              <a:t>assistant</a:t>
-            </a:r>
+              <a:t>Personlig kalender</a:t>
+            </a:r>
+          </a:p>
+          <a:p>
             <a:r>
               <a:rPr lang="sv-SE" dirty="0"/>
-              <a:t>’</a:t>
-            </a:r>
-          </a:p>
-          <a:p>
-            <a:pPr lvl="1"/>
-            <a:r>
-              <a:rPr lang="sv-SE" dirty="0" err="1"/>
-              <a:t>Facial</a:t>
-            </a:r>
+              <a:t>Visa/dölja meddelanden</a:t>
+            </a:r>
+          </a:p>
+          <a:p>
             <a:r>
               <a:rPr lang="sv-SE" dirty="0"/>
-              <a:t> </a:t>
-            </a:r>
-            <a:r>
-              <a:rPr lang="sv-SE" dirty="0" err="1"/>
-              <a:t>recognition</a:t>
-            </a:r>
+              <a:t>Busstabell</a:t>
+            </a:r>
+          </a:p>
+          <a:p>
             <a:r>
               <a:rPr lang="sv-SE" dirty="0"/>
-              <a:t> </a:t>
-            </a:r>
-          </a:p>
-          <a:p>
-            <a:pPr lvl="1"/>
-            <a:r>
-              <a:rPr lang="sv-SE" dirty="0"/>
-              <a:t>Video </a:t>
-            </a:r>
-            <a:r>
-              <a:rPr lang="sv-SE" dirty="0" smtClean="0"/>
-              <a:t>samtal</a:t>
-            </a:r>
-            <a:endParaRPr lang="sv-SE" dirty="0"/>
-          </a:p>
-          <a:p>
-            <a:pPr lvl="1"/>
-            <a:r>
-              <a:rPr lang="sv-SE" dirty="0" smtClean="0"/>
-              <a:t>Skalbar</a:t>
-            </a:r>
-            <a:endParaRPr lang="sv-SE" dirty="0"/>
-          </a:p>
-          <a:p>
-            <a:pPr lvl="1"/>
-            <a:endParaRPr lang="sv-SE" dirty="0"/>
-          </a:p>
-          <a:p>
-            <a:endParaRPr lang="sv-SE" dirty="0"/>
-          </a:p>
-          <a:p>
-            <a:endParaRPr lang="sv-SE" dirty="0"/>
-          </a:p>
-          <a:p>
-            <a:endParaRPr lang="sv-SE" dirty="0"/>
-          </a:p>
-          <a:p>
-            <a:endParaRPr lang="sv-SE" dirty="0"/>
+              <a:t>Individanpassat nyhetsflöde </a:t>
+            </a:r>
           </a:p>
         </p:txBody>
       </p:sp>
     </p:spTree>
     <p:extLst>
       <p:ext uri="{BB962C8B-B14F-4D97-AF65-F5344CB8AC3E}">
-        <p14:creationId xmlns:p14="http://schemas.microsoft.com/office/powerpoint/2010/main" val="1523902976"/>
+        <p14:creationId xmlns:p14="http://schemas.microsoft.com/office/powerpoint/2010/main" val="2816503989"/>
       </p:ext>
     </p:extLst>
   </p:cSld>
   <p:clrMapOvr>
     <a:masterClrMapping/>
   </p:clrMapOvr>
-  <p:timing>
-    <p:tnLst>
-      <p:par>
-        <p:cTn id="1" dur="indefinite" restart="never" nodeType="tmRoot"/>
-      </p:par>
-    </p:tnLst>
-  </p:timing>
 </p:sld>
 </file>
 
@@ -6585,20 +6499,11 @@
           <a:p>
             <a:pPr lvl="1"/>
             <a:r>
-              <a:rPr lang="sv-SE" sz="4000" dirty="0" err="1" smtClean="0">
+              <a:rPr lang="sv-SE" sz="4000" dirty="0">
                 <a:latin typeface="Helvetica Light"/>
               </a:rPr>
-              <a:t>Agil</a:t>
-            </a:r>
-            <a:r>
-              <a:rPr lang="sv-SE" sz="4000" dirty="0" smtClean="0">
-                <a:latin typeface="Helvetica Light"/>
-              </a:rPr>
-              <a:t> metodik</a:t>
-            </a:r>
-            <a:endParaRPr lang="sv-SE" sz="4000" dirty="0">
-              <a:latin typeface="Helvetica Light"/>
-            </a:endParaRPr>
+              <a:t>Vidareutveckling</a:t>
+            </a:r>
           </a:p>
         </p:txBody>
       </p:sp>
@@ -6612,36 +6517,116 @@
             <p:ph idx="1"/>
           </p:nvPr>
         </p:nvSpPr>
-        <p:spPr/>
+        <p:spPr>
+          <a:xfrm>
+            <a:off x="1103312" y="1853248"/>
+            <a:ext cx="8946541" cy="4195481"/>
+          </a:xfrm>
+        </p:spPr>
         <p:txBody>
           <a:bodyPr/>
           <a:lstStyle/>
+          <a:p>
+            <a:r>
+              <a:rPr lang="sv-SE" dirty="0"/>
+              <a:t>Anpassningsbar</a:t>
+            </a:r>
+          </a:p>
+          <a:p>
+            <a:r>
+              <a:rPr lang="sv-SE" dirty="0"/>
+              <a:t>Integrera ’intelligent </a:t>
+            </a:r>
+            <a:r>
+              <a:rPr lang="sv-SE" dirty="0" err="1"/>
+              <a:t>assistant</a:t>
+            </a:r>
+            <a:r>
+              <a:rPr lang="sv-SE" dirty="0"/>
+              <a:t>’</a:t>
+            </a:r>
+          </a:p>
+          <a:p>
+            <a:pPr lvl="1"/>
+            <a:r>
+              <a:rPr lang="sv-SE" dirty="0"/>
+              <a:t>Amazons </a:t>
+            </a:r>
+            <a:r>
+              <a:rPr lang="sv-SE" dirty="0" err="1"/>
+              <a:t>Alexa</a:t>
+            </a:r>
+            <a:endParaRPr lang="sv-SE" dirty="0"/>
+          </a:p>
+          <a:p>
+            <a:pPr lvl="1"/>
+            <a:r>
+              <a:rPr lang="sv-SE" dirty="0"/>
+              <a:t>Google Assistant </a:t>
+            </a:r>
+          </a:p>
+          <a:p>
+            <a:r>
+              <a:rPr lang="sv-SE" dirty="0" err="1"/>
+              <a:t>Facial</a:t>
+            </a:r>
+            <a:r>
+              <a:rPr lang="sv-SE" dirty="0"/>
+              <a:t> </a:t>
+            </a:r>
+            <a:r>
+              <a:rPr lang="sv-SE" dirty="0" err="1"/>
+              <a:t>recognition</a:t>
+            </a:r>
+            <a:r>
+              <a:rPr lang="sv-SE" dirty="0"/>
+              <a:t> </a:t>
+            </a:r>
+          </a:p>
+          <a:p>
+            <a:pPr lvl="1"/>
+            <a:r>
+              <a:rPr lang="sv-SE" dirty="0" err="1"/>
+              <a:t>PyImageSearch</a:t>
+            </a:r>
+            <a:r>
+              <a:rPr lang="sv-SE" dirty="0"/>
+              <a:t> </a:t>
+            </a:r>
+            <a:r>
+              <a:rPr lang="sv-SE" dirty="0" err="1"/>
+              <a:t>OpenCV</a:t>
+            </a:r>
+            <a:endParaRPr lang="sv-SE" dirty="0"/>
+          </a:p>
+          <a:p>
+            <a:r>
+              <a:rPr lang="sv-SE" dirty="0"/>
+              <a:t>Video samtal</a:t>
+            </a:r>
+          </a:p>
+          <a:p>
+            <a:pPr lvl="1"/>
+            <a:r>
+              <a:rPr lang="sv-SE" dirty="0"/>
+              <a:t>Skype </a:t>
+            </a:r>
+          </a:p>
+          <a:p>
+            <a:r>
+              <a:rPr lang="sv-SE" dirty="0"/>
+              <a:t>Skalbar</a:t>
+            </a:r>
+          </a:p>
+          <a:p>
+            <a:r>
+              <a:rPr lang="sv-SE" dirty="0"/>
+              <a:t>Privat eller för företag</a:t>
+            </a:r>
+          </a:p>
           <a:p>
             <a:pPr lvl="1"/>
             <a:endParaRPr lang="sv-SE" dirty="0"/>
-          </a:p>
-          <a:p>
-            <a:r>
-              <a:rPr lang="sv-SE" dirty="0" err="1" smtClean="0"/>
-              <a:t>Trello</a:t>
-            </a:r>
-            <a:endParaRPr lang="sv-SE" dirty="0" smtClean="0"/>
-          </a:p>
-          <a:p>
-            <a:r>
-              <a:rPr lang="sv-SE" dirty="0" smtClean="0"/>
-              <a:t>Git</a:t>
-            </a:r>
-          </a:p>
-          <a:p>
-            <a:r>
-              <a:rPr lang="sv-SE" dirty="0" err="1" smtClean="0"/>
-              <a:t>Scrum</a:t>
-            </a:r>
-            <a:endParaRPr lang="sv-SE" dirty="0" smtClean="0"/>
-          </a:p>
-          <a:p>
-            <a:endParaRPr lang="sv-SE" dirty="0" smtClean="0"/>
           </a:p>
           <a:p>
             <a:endParaRPr lang="sv-SE" dirty="0"/>
@@ -6660,20 +6645,13 @@
     </p:spTree>
     <p:extLst>
       <p:ext uri="{BB962C8B-B14F-4D97-AF65-F5344CB8AC3E}">
-        <p14:creationId xmlns:p14="http://schemas.microsoft.com/office/powerpoint/2010/main" val="1301141540"/>
+        <p14:creationId xmlns:p14="http://schemas.microsoft.com/office/powerpoint/2010/main" val="1523902976"/>
       </p:ext>
     </p:extLst>
   </p:cSld>
   <p:clrMapOvr>
     <a:masterClrMapping/>
   </p:clrMapOvr>
-  <p:timing>
-    <p:tnLst>
-      <p:par>
-        <p:cTn id="1" dur="indefinite" restart="never" nodeType="tmRoot"/>
-      </p:par>
-    </p:tnLst>
-  </p:timing>
 </p:sld>
 </file>
 
@@ -6711,14 +6689,17 @@
           <a:p>
             <a:pPr lvl="1"/>
             <a:r>
-              <a:rPr lang="sv-SE" sz="4000" dirty="0" smtClean="0">
+              <a:rPr lang="sv-SE" sz="4000" dirty="0" err="1">
                 <a:latin typeface="Helvetica Light"/>
               </a:rPr>
-              <a:t>Outlook</a:t>
-            </a:r>
-            <a:endParaRPr lang="sv-SE" sz="4000" dirty="0">
-              <a:latin typeface="Helvetica Light"/>
-            </a:endParaRPr>
+              <a:t>Agil</a:t>
+            </a:r>
+            <a:r>
+              <a:rPr lang="sv-SE" sz="4000" dirty="0">
+                <a:latin typeface="Helvetica Light"/>
+              </a:rPr>
+              <a:t> metodik</a:t>
+            </a:r>
           </a:p>
         </p:txBody>
       </p:sp>
@@ -6737,94 +6718,43 @@
           <a:bodyPr/>
           <a:lstStyle/>
           <a:p>
-            <a:r>
-              <a:rPr lang="sv-SE" dirty="0" smtClean="0"/>
-              <a:t>Liten fokuserad task-grupp</a:t>
-            </a:r>
-          </a:p>
-          <a:p>
-            <a:r>
-              <a:rPr lang="sv-SE" dirty="0" smtClean="0"/>
-              <a:t>Stegvis utveckling</a:t>
-            </a:r>
-          </a:p>
-          <a:p>
-            <a:r>
-              <a:rPr lang="sv-SE" dirty="0" smtClean="0"/>
-              <a:t>OOP</a:t>
-            </a:r>
-          </a:p>
-          <a:p>
-            <a:r>
-              <a:rPr lang="sv-SE" dirty="0" smtClean="0"/>
-              <a:t>Testa oss fram</a:t>
-            </a:r>
-          </a:p>
-          <a:p>
-            <a:r>
-              <a:rPr lang="sv-SE" dirty="0" smtClean="0"/>
-              <a:t>”Google is </a:t>
-            </a:r>
-            <a:r>
-              <a:rPr lang="sv-SE" dirty="0" err="1" smtClean="0"/>
-              <a:t>your</a:t>
-            </a:r>
-            <a:r>
-              <a:rPr lang="sv-SE" dirty="0" smtClean="0"/>
-              <a:t> best </a:t>
-            </a:r>
-            <a:r>
-              <a:rPr lang="sv-SE" dirty="0" err="1" smtClean="0"/>
-              <a:t>friend</a:t>
-            </a:r>
-            <a:r>
-              <a:rPr lang="sv-SE" dirty="0" smtClean="0"/>
-              <a:t>!”</a:t>
-            </a:r>
-          </a:p>
-          <a:p>
+            <a:pPr lvl="1"/>
             <a:endParaRPr lang="sv-SE" dirty="0"/>
           </a:p>
           <a:p>
             <a:r>
-              <a:rPr lang="sv-SE" dirty="0" smtClean="0"/>
-              <a:t>Python3 </a:t>
-            </a:r>
-            <a:r>
-              <a:rPr lang="sv-SE" dirty="0" err="1" smtClean="0"/>
-              <a:t>Tk</a:t>
-            </a:r>
-            <a:r>
-              <a:rPr lang="sv-SE" dirty="0" smtClean="0"/>
-              <a:t> </a:t>
-            </a:r>
-            <a:r>
-              <a:rPr lang="sv-SE" dirty="0" err="1" smtClean="0"/>
-              <a:t>interfect</a:t>
-            </a:r>
-            <a:r>
-              <a:rPr lang="sv-SE" dirty="0" smtClean="0"/>
-              <a:t> ”</a:t>
-            </a:r>
-            <a:r>
-              <a:rPr lang="sv-SE" dirty="0" err="1" smtClean="0"/>
-              <a:t>locked</a:t>
-            </a:r>
-            <a:r>
-              <a:rPr lang="sv-SE" dirty="0" smtClean="0"/>
-              <a:t>” funktioner tex ’</a:t>
-            </a:r>
-            <a:r>
-              <a:rPr lang="sv-SE" dirty="0" err="1" smtClean="0"/>
-              <a:t>tk.mainloop</a:t>
-            </a:r>
-            <a:r>
-              <a:rPr lang="sv-SE" dirty="0" smtClean="0"/>
-              <a:t>()’</a:t>
-            </a:r>
-          </a:p>
-          <a:p>
-            <a:endParaRPr lang="sv-SE" dirty="0" smtClean="0"/>
+              <a:rPr lang="sv-SE" dirty="0" err="1"/>
+              <a:t>Trello</a:t>
+            </a:r>
+            <a:r>
+              <a:rPr lang="sv-SE" dirty="0"/>
+              <a:t> - Taskboard</a:t>
+            </a:r>
+          </a:p>
+          <a:p>
+            <a:r>
+              <a:rPr lang="sv-SE" dirty="0"/>
+              <a:t>Git - Versionshantering</a:t>
+            </a:r>
+          </a:p>
+          <a:p>
+            <a:r>
+              <a:rPr lang="sv-SE" dirty="0" err="1"/>
+              <a:t>Scrum</a:t>
+            </a:r>
+            <a:endParaRPr lang="sv-SE" dirty="0"/>
+          </a:p>
+          <a:p>
+            <a:endParaRPr lang="sv-SE" dirty="0"/>
+          </a:p>
+          <a:p>
+            <a:endParaRPr lang="sv-SE" dirty="0"/>
+          </a:p>
+          <a:p>
+            <a:endParaRPr lang="sv-SE" dirty="0"/>
+          </a:p>
+          <a:p>
+            <a:endParaRPr lang="sv-SE" dirty="0"/>
           </a:p>
           <a:p>
             <a:endParaRPr lang="sv-SE" dirty="0"/>
@@ -6834,7 +6764,7 @@
     </p:spTree>
     <p:extLst>
       <p:ext uri="{BB962C8B-B14F-4D97-AF65-F5344CB8AC3E}">
-        <p14:creationId xmlns:p14="http://schemas.microsoft.com/office/powerpoint/2010/main" val="1743961819"/>
+        <p14:creationId xmlns:p14="http://schemas.microsoft.com/office/powerpoint/2010/main" val="1301141540"/>
       </p:ext>
     </p:extLst>
   </p:cSld>
@@ -6863,10 +6793,149 @@
       </p:grpSpPr>
       <p:sp>
         <p:nvSpPr>
+          <p:cNvPr id="2" name="Title 1"/>
+          <p:cNvSpPr>
+            <a:spLocks noGrp="1"/>
+          </p:cNvSpPr>
+          <p:nvPr>
+            <p:ph type="title"/>
+          </p:nvPr>
+        </p:nvSpPr>
+        <p:spPr/>
+        <p:txBody>
+          <a:bodyPr anchor="ctr"/>
+          <a:lstStyle/>
+          <a:p>
+            <a:pPr lvl="1"/>
+            <a:r>
+              <a:rPr lang="sv-SE" sz="4000" dirty="0">
+                <a:latin typeface="Helvetica Light"/>
+              </a:rPr>
+              <a:t>Retrospektiv – Lärdomar </a:t>
+            </a:r>
+          </a:p>
+        </p:txBody>
+      </p:sp>
+      <p:sp>
+        <p:nvSpPr>
+          <p:cNvPr id="3" name="Content Placeholder 2"/>
+          <p:cNvSpPr>
+            <a:spLocks noGrp="1"/>
+          </p:cNvSpPr>
+          <p:nvPr>
+            <p:ph idx="1"/>
+          </p:nvPr>
+        </p:nvSpPr>
+        <p:spPr/>
+        <p:txBody>
+          <a:bodyPr/>
+          <a:lstStyle/>
+          <a:p>
+            <a:r>
+              <a:rPr lang="sv-SE" dirty="0"/>
+              <a:t>Liten projektgrupp </a:t>
+            </a:r>
+          </a:p>
+          <a:p>
+            <a:pPr lvl="1"/>
+            <a:r>
+              <a:rPr lang="sv-SE" dirty="0"/>
+              <a:t>Fokuserad på en uppgift i taget </a:t>
+            </a:r>
+          </a:p>
+          <a:p>
+            <a:r>
+              <a:rPr lang="sv-SE" dirty="0"/>
+              <a:t>Stegvis utveckling</a:t>
+            </a:r>
+          </a:p>
+          <a:p>
+            <a:r>
+              <a:rPr lang="sv-SE" dirty="0"/>
+              <a:t>Stegvis förfining </a:t>
+            </a:r>
+          </a:p>
+          <a:p>
+            <a:r>
+              <a:rPr lang="sv-SE" dirty="0"/>
+              <a:t>OOP</a:t>
+            </a:r>
+          </a:p>
+          <a:p>
+            <a:r>
+              <a:rPr lang="sv-SE" dirty="0"/>
+              <a:t>Testade allas idéer</a:t>
+            </a:r>
+          </a:p>
+          <a:p>
+            <a:r>
+              <a:rPr lang="sv-SE" dirty="0"/>
+              <a:t>”Google is </a:t>
+            </a:r>
+            <a:r>
+              <a:rPr lang="sv-SE" dirty="0" err="1"/>
+              <a:t>your</a:t>
+            </a:r>
+            <a:r>
+              <a:rPr lang="sv-SE" dirty="0"/>
+              <a:t> best </a:t>
+            </a:r>
+            <a:r>
+              <a:rPr lang="sv-SE" dirty="0" err="1"/>
+              <a:t>friend</a:t>
+            </a:r>
+            <a:r>
+              <a:rPr lang="sv-SE" dirty="0"/>
+              <a:t>!”</a:t>
+            </a:r>
+          </a:p>
+          <a:p>
+            <a:endParaRPr lang="sv-SE" dirty="0"/>
+          </a:p>
+          <a:p>
+            <a:endParaRPr lang="sv-SE" dirty="0"/>
+          </a:p>
+          <a:p>
+            <a:endParaRPr lang="sv-SE" dirty="0"/>
+          </a:p>
+        </p:txBody>
+      </p:sp>
+    </p:spTree>
+    <p:extLst>
+      <p:ext uri="{BB962C8B-B14F-4D97-AF65-F5344CB8AC3E}">
+        <p14:creationId xmlns:p14="http://schemas.microsoft.com/office/powerpoint/2010/main" val="1743961819"/>
+      </p:ext>
+    </p:extLst>
+  </p:cSld>
+  <p:clrMapOvr>
+    <a:masterClrMapping/>
+  </p:clrMapOvr>
+</p:sld>
+</file>
+
+<file path=ppt/slides/slide15.xml><?xml version="1.0" encoding="utf-8"?>
+<p:sld xmlns:a="http://schemas.openxmlformats.org/drawingml/2006/main" xmlns:r="http://schemas.openxmlformats.org/officeDocument/2006/relationships" xmlns:p="http://schemas.openxmlformats.org/presentationml/2006/main">
+  <p:cSld>
+    <p:spTree>
+      <p:nvGrpSpPr>
+        <p:cNvPr id="1" name=""/>
+        <p:cNvGrpSpPr/>
+        <p:nvPr/>
+      </p:nvGrpSpPr>
+      <p:grpSpPr>
+        <a:xfrm>
+          <a:off x="0" y="0"/>
+          <a:ext cx="0" cy="0"/>
+          <a:chOff x="0" y="0"/>
+          <a:chExt cx="0" cy="0"/>
+        </a:xfrm>
+      </p:grpSpPr>
+      <p:sp>
+        <p:nvSpPr>
           <p:cNvPr id="2" name="Rubrik 1">
             <a:extLst>
               <a:ext uri="{FF2B5EF4-FFF2-40B4-BE49-F238E27FC236}">
-                <a16:creationId xmlns="" xmlns:a16="http://schemas.microsoft.com/office/drawing/2014/main" id="{937D90F4-67CA-4831-8E1B-3F8AD1603DDC}"/>
+                <a16:creationId xmlns:a16="http://schemas.microsoft.com/office/drawing/2014/main" id="{667678EB-D67E-4D62-9539-14DE0542B9CF}"/>
               </a:ext>
             </a:extLst>
           </p:cNvPr>
@@ -6879,7 +6948,132 @@
         </p:nvSpPr>
         <p:spPr>
           <a:xfrm>
-            <a:off x="645130" y="1352653"/>
+            <a:off x="646111" y="609601"/>
+            <a:ext cx="9404723" cy="1400530"/>
+          </a:xfrm>
+        </p:spPr>
+        <p:txBody>
+          <a:bodyPr/>
+          <a:lstStyle/>
+          <a:p>
+            <a:r>
+              <a:rPr lang="sv-SE" dirty="0"/>
+              <a:t>Retrospektiv - Utmaningar </a:t>
+            </a:r>
+          </a:p>
+        </p:txBody>
+      </p:sp>
+      <p:sp>
+        <p:nvSpPr>
+          <p:cNvPr id="3" name="Platshållare för innehåll 2">
+            <a:extLst>
+              <a:ext uri="{FF2B5EF4-FFF2-40B4-BE49-F238E27FC236}">
+                <a16:creationId xmlns:a16="http://schemas.microsoft.com/office/drawing/2014/main" id="{D6CBE700-75AA-4E11-BD89-6F69C05B67FC}"/>
+              </a:ext>
+            </a:extLst>
+          </p:cNvPr>
+          <p:cNvSpPr>
+            <a:spLocks noGrp="1"/>
+          </p:cNvSpPr>
+          <p:nvPr>
+            <p:ph idx="1"/>
+          </p:nvPr>
+        </p:nvSpPr>
+        <p:spPr/>
+        <p:txBody>
+          <a:bodyPr/>
+          <a:lstStyle/>
+          <a:p>
+            <a:r>
+              <a:rPr lang="sv-SE" dirty="0"/>
+              <a:t>Python3 </a:t>
+            </a:r>
+            <a:r>
+              <a:rPr lang="sv-SE" dirty="0" err="1"/>
+              <a:t>Tk</a:t>
+            </a:r>
+            <a:r>
+              <a:rPr lang="sv-SE" dirty="0"/>
+              <a:t> interface ”låsta” funktioner tex ’</a:t>
+            </a:r>
+            <a:r>
+              <a:rPr lang="sv-SE" dirty="0" err="1"/>
+              <a:t>tk.mainloop</a:t>
+            </a:r>
+            <a:r>
+              <a:rPr lang="sv-SE" dirty="0"/>
+              <a:t>()’</a:t>
+            </a:r>
+          </a:p>
+          <a:p>
+            <a:r>
+              <a:rPr lang="sv-SE" dirty="0"/>
+              <a:t>Bytte hårdvara</a:t>
+            </a:r>
+          </a:p>
+          <a:p>
+            <a:r>
+              <a:rPr lang="sv-SE" dirty="0"/>
+              <a:t>Bytte källkod</a:t>
+            </a:r>
+          </a:p>
+          <a:p>
+            <a:r>
+              <a:rPr lang="sv-SE" dirty="0"/>
+              <a:t>Bytte programmeringsspråk och tillvägagångssätt</a:t>
+            </a:r>
+          </a:p>
+        </p:txBody>
+      </p:sp>
+    </p:spTree>
+    <p:extLst>
+      <p:ext uri="{BB962C8B-B14F-4D97-AF65-F5344CB8AC3E}">
+        <p14:creationId xmlns:p14="http://schemas.microsoft.com/office/powerpoint/2010/main" val="2201119790"/>
+      </p:ext>
+    </p:extLst>
+  </p:cSld>
+  <p:clrMapOvr>
+    <a:masterClrMapping/>
+  </p:clrMapOvr>
+</p:sld>
+</file>
+
+<file path=ppt/slides/slide16.xml><?xml version="1.0" encoding="utf-8"?>
+<p:sld xmlns:a="http://schemas.openxmlformats.org/drawingml/2006/main" xmlns:r="http://schemas.openxmlformats.org/officeDocument/2006/relationships" xmlns:p="http://schemas.openxmlformats.org/presentationml/2006/main">
+  <p:cSld>
+    <p:spTree>
+      <p:nvGrpSpPr>
+        <p:cNvPr id="1" name=""/>
+        <p:cNvGrpSpPr/>
+        <p:nvPr/>
+      </p:nvGrpSpPr>
+      <p:grpSpPr>
+        <a:xfrm>
+          <a:off x="0" y="0"/>
+          <a:ext cx="0" cy="0"/>
+          <a:chOff x="0" y="0"/>
+          <a:chExt cx="0" cy="0"/>
+        </a:xfrm>
+      </p:grpSpPr>
+      <p:sp>
+        <p:nvSpPr>
+          <p:cNvPr id="2" name="Rubrik 1">
+            <a:extLst>
+              <a:ext uri="{FF2B5EF4-FFF2-40B4-BE49-F238E27FC236}">
+                <a16:creationId xmlns:a16="http://schemas.microsoft.com/office/drawing/2014/main" id="{937D90F4-67CA-4831-8E1B-3F8AD1603DDC}"/>
+              </a:ext>
+            </a:extLst>
+          </p:cNvPr>
+          <p:cNvSpPr>
+            <a:spLocks noGrp="1"/>
+          </p:cNvSpPr>
+          <p:nvPr>
+            <p:ph type="title"/>
+          </p:nvPr>
+        </p:nvSpPr>
+        <p:spPr>
+          <a:xfrm>
+            <a:off x="943709" y="1753869"/>
             <a:ext cx="9404723" cy="1400530"/>
           </a:xfrm>
         </p:spPr>
@@ -6941,18 +7135,13 @@
           <a:lstStyle/>
           <a:p>
             <a:r>
-              <a:rPr lang="sv-SE" dirty="0" smtClean="0">
+              <a:rPr lang="sv-SE" dirty="0">
                 <a:latin typeface="Helvetica Neue Light" charset="0"/>
                 <a:ea typeface="Helvetica Neue Light" charset="0"/>
                 <a:cs typeface="Helvetica Neue Light" charset="0"/>
               </a:rPr>
               <a:t>Vilka är vi?</a:t>
             </a:r>
-            <a:endParaRPr lang="sv-SE" dirty="0">
-              <a:latin typeface="Helvetica Neue Light" charset="0"/>
-              <a:ea typeface="Helvetica Neue Light" charset="0"/>
-              <a:cs typeface="Helvetica Neue Light" charset="0"/>
-            </a:endParaRPr>
           </a:p>
         </p:txBody>
       </p:sp>
@@ -6972,10 +7161,79 @@
           <a:lstStyle/>
           <a:p>
             <a:r>
-              <a:rPr lang="sv-SE" dirty="0" smtClean="0"/>
-              <a:t>Marie, Mustafa, Christoffer</a:t>
-            </a:r>
-            <a:endParaRPr lang="sv-SE" dirty="0"/>
+              <a:rPr lang="sv-SE" dirty="0"/>
+              <a:t>Marie</a:t>
+            </a:r>
+          </a:p>
+          <a:p>
+            <a:pPr lvl="1"/>
+            <a:r>
+              <a:rPr lang="sv-SE" dirty="0"/>
+              <a:t>Bakgrund: Sjuksköterska, 27år, Jönköping</a:t>
+            </a:r>
+          </a:p>
+          <a:p>
+            <a:pPr lvl="1"/>
+            <a:r>
+              <a:rPr lang="sv-SE" dirty="0"/>
+              <a:t>Första uppdrag: </a:t>
+            </a:r>
+            <a:r>
+              <a:rPr lang="sv-SE" dirty="0" err="1"/>
+              <a:t>Kapsch</a:t>
+            </a:r>
+            <a:r>
+              <a:rPr lang="sv-SE" dirty="0"/>
+              <a:t> </a:t>
+            </a:r>
+            <a:r>
+              <a:rPr lang="sv-SE" dirty="0" err="1"/>
+              <a:t>Trafficom</a:t>
+            </a:r>
+            <a:r>
+              <a:rPr lang="sv-SE" dirty="0"/>
+              <a:t> AB</a:t>
+            </a:r>
+          </a:p>
+          <a:p>
+            <a:r>
+              <a:rPr lang="sv-SE" dirty="0"/>
+              <a:t>Mustafa</a:t>
+            </a:r>
+          </a:p>
+          <a:p>
+            <a:pPr lvl="1"/>
+            <a:r>
+              <a:rPr lang="sv-SE" dirty="0"/>
+              <a:t>Bakgrund: Forskare, 32år, Göteborg</a:t>
+            </a:r>
+          </a:p>
+          <a:p>
+            <a:pPr lvl="1"/>
+            <a:r>
+              <a:rPr lang="sv-SE" dirty="0"/>
+              <a:t>Första uppdrag: Tillgänglig konsult </a:t>
+            </a:r>
+          </a:p>
+          <a:p>
+            <a:r>
+              <a:rPr lang="sv-SE" dirty="0"/>
+              <a:t>Christoffer</a:t>
+            </a:r>
+          </a:p>
+          <a:p>
+            <a:pPr lvl="1"/>
+            <a:r>
+              <a:rPr lang="sv-SE" dirty="0"/>
+              <a:t>Bakgrund: Systemtekniker, 28år, Jönköping</a:t>
+            </a:r>
+          </a:p>
+          <a:p>
+            <a:pPr lvl="1"/>
+            <a:r>
+              <a:rPr lang="sv-SE" dirty="0"/>
+              <a:t>Första uppdrag: ITAB</a:t>
+            </a:r>
           </a:p>
         </p:txBody>
       </p:sp>
@@ -7121,13 +7379,6 @@
   <p:clrMapOvr>
     <a:masterClrMapping/>
   </p:clrMapOvr>
-  <p:timing>
-    <p:tnLst>
-      <p:par>
-        <p:cTn id="1" dur="indefinite" restart="never" nodeType="tmRoot"/>
-      </p:par>
-    </p:tnLst>
-  </p:timing>
 </p:sld>
 </file>
 
@@ -7150,6 +7401,130 @@
       </p:grpSpPr>
       <p:sp>
         <p:nvSpPr>
+          <p:cNvPr id="2" name="Rubrik 1">
+            <a:extLst>
+              <a:ext uri="{FF2B5EF4-FFF2-40B4-BE49-F238E27FC236}">
+                <a16:creationId xmlns:a16="http://schemas.microsoft.com/office/drawing/2014/main" id="{E0244FA1-0F9F-4643-B1E2-865E1453D1D1}"/>
+              </a:ext>
+            </a:extLst>
+          </p:cNvPr>
+          <p:cNvSpPr>
+            <a:spLocks noGrp="1"/>
+          </p:cNvSpPr>
+          <p:nvPr>
+            <p:ph type="title"/>
+          </p:nvPr>
+        </p:nvSpPr>
+        <p:spPr/>
+        <p:txBody>
+          <a:bodyPr/>
+          <a:lstStyle/>
+          <a:p>
+            <a:r>
+              <a:rPr lang="sv-SE" dirty="0"/>
+              <a:t>Bakgrund </a:t>
+            </a:r>
+          </a:p>
+        </p:txBody>
+      </p:sp>
+      <p:sp>
+        <p:nvSpPr>
+          <p:cNvPr id="3" name="Platshållare för innehåll 2">
+            <a:extLst>
+              <a:ext uri="{FF2B5EF4-FFF2-40B4-BE49-F238E27FC236}">
+                <a16:creationId xmlns:a16="http://schemas.microsoft.com/office/drawing/2014/main" id="{BB939BEE-98C1-4780-8E3C-FA04B39162A2}"/>
+              </a:ext>
+            </a:extLst>
+          </p:cNvPr>
+          <p:cNvSpPr>
+            <a:spLocks noGrp="1"/>
+          </p:cNvSpPr>
+          <p:nvPr>
+            <p:ph idx="1"/>
+          </p:nvPr>
+        </p:nvSpPr>
+        <p:spPr/>
+        <p:txBody>
+          <a:bodyPr/>
+          <a:lstStyle/>
+          <a:p>
+            <a:r>
+              <a:rPr lang="sv-SE" dirty="0"/>
+              <a:t>Gemensamt intresse för </a:t>
+            </a:r>
+            <a:r>
+              <a:rPr lang="sv-SE" dirty="0" err="1"/>
+              <a:t>IoT</a:t>
+            </a:r>
+            <a:r>
+              <a:rPr lang="sv-SE" dirty="0"/>
+              <a:t> och DIY</a:t>
+            </a:r>
+          </a:p>
+          <a:p>
+            <a:r>
+              <a:rPr lang="sv-SE" dirty="0"/>
+              <a:t>Kombinera hårdvara och mjukvara</a:t>
+            </a:r>
+          </a:p>
+          <a:p>
+            <a:r>
+              <a:rPr lang="sv-SE" dirty="0" err="1"/>
+              <a:t>Pythons</a:t>
+            </a:r>
+            <a:r>
+              <a:rPr lang="sv-SE" dirty="0"/>
+              <a:t> inbyggda funktionalitet underlättar prototypskapande av </a:t>
+            </a:r>
+            <a:r>
+              <a:rPr lang="sv-SE" dirty="0" err="1"/>
+              <a:t>IoT</a:t>
+            </a:r>
+            <a:r>
+              <a:rPr lang="sv-SE" dirty="0"/>
+              <a:t> produkter</a:t>
+            </a:r>
+          </a:p>
+          <a:p>
+            <a:r>
+              <a:rPr lang="sv-SE" dirty="0"/>
+              <a:t>En eftertraktad produkt </a:t>
+            </a:r>
+          </a:p>
+        </p:txBody>
+      </p:sp>
+    </p:spTree>
+    <p:extLst>
+      <p:ext uri="{BB962C8B-B14F-4D97-AF65-F5344CB8AC3E}">
+        <p14:creationId xmlns:p14="http://schemas.microsoft.com/office/powerpoint/2010/main" val="3280226611"/>
+      </p:ext>
+    </p:extLst>
+  </p:cSld>
+  <p:clrMapOvr>
+    <a:masterClrMapping/>
+  </p:clrMapOvr>
+</p:sld>
+</file>
+
+<file path=ppt/slides/slide5.xml><?xml version="1.0" encoding="utf-8"?>
+<p:sld xmlns:a="http://schemas.openxmlformats.org/drawingml/2006/main" xmlns:r="http://schemas.openxmlformats.org/officeDocument/2006/relationships" xmlns:p="http://schemas.openxmlformats.org/presentationml/2006/main">
+  <p:cSld>
+    <p:spTree>
+      <p:nvGrpSpPr>
+        <p:cNvPr id="1" name=""/>
+        <p:cNvGrpSpPr/>
+        <p:nvPr/>
+      </p:nvGrpSpPr>
+      <p:grpSpPr>
+        <a:xfrm>
+          <a:off x="0" y="0"/>
+          <a:ext cx="0" cy="0"/>
+          <a:chOff x="0" y="0"/>
+          <a:chExt cx="0" cy="0"/>
+        </a:xfrm>
+      </p:grpSpPr>
+      <p:sp>
+        <p:nvSpPr>
           <p:cNvPr id="2" name="Title 1"/>
           <p:cNvSpPr>
             <a:spLocks noGrp="1"/>
@@ -7164,18 +7539,13 @@
           <a:lstStyle/>
           <a:p>
             <a:r>
-              <a:rPr lang="sv-SE" dirty="0" smtClean="0">
+              <a:rPr lang="sv-SE" dirty="0">
                 <a:latin typeface="Helvetica Neue Light" charset="0"/>
                 <a:ea typeface="Helvetica Neue Light" charset="0"/>
                 <a:cs typeface="Helvetica Neue Light" charset="0"/>
               </a:rPr>
               <a:t>Hårdvara</a:t>
             </a:r>
-            <a:endParaRPr lang="sv-SE" dirty="0">
-              <a:latin typeface="Helvetica Neue Light" charset="0"/>
-              <a:ea typeface="Helvetica Neue Light" charset="0"/>
-              <a:cs typeface="Helvetica Neue Light" charset="0"/>
-            </a:endParaRPr>
           </a:p>
         </p:txBody>
       </p:sp>
@@ -7261,7 +7631,7 @@
           <a:lstStyle/>
           <a:p>
             <a:r>
-              <a:rPr lang="sv-SE" dirty="0" err="1" smtClean="0">
+              <a:rPr lang="sv-SE" dirty="0" err="1">
                 <a:latin typeface="Helvetica Neue" charset="0"/>
                 <a:ea typeface="Helvetica Neue" charset="0"/>
                 <a:cs typeface="Helvetica Neue" charset="0"/>
@@ -7269,18 +7639,13 @@
               <a:t>Raspberry</a:t>
             </a:r>
             <a:r>
-              <a:rPr lang="sv-SE" dirty="0" smtClean="0">
+              <a:rPr lang="sv-SE" dirty="0">
                 <a:latin typeface="Helvetica Neue" charset="0"/>
                 <a:ea typeface="Helvetica Neue" charset="0"/>
                 <a:cs typeface="Helvetica Neue" charset="0"/>
               </a:rPr>
-              <a:t> Pi 3B</a:t>
-            </a:r>
-            <a:endParaRPr lang="sv-SE" dirty="0">
-              <a:latin typeface="Helvetica Neue" charset="0"/>
-              <a:ea typeface="Helvetica Neue" charset="0"/>
-              <a:cs typeface="Helvetica Neue" charset="0"/>
-            </a:endParaRPr>
+              <a:t> Pi 3B v2</a:t>
+            </a:r>
           </a:p>
         </p:txBody>
       </p:sp>
@@ -7307,7 +7672,7 @@
           <a:lstStyle/>
           <a:p>
             <a:r>
-              <a:rPr lang="sv-SE" dirty="0" err="1" smtClean="0">
+              <a:rPr lang="sv-SE" dirty="0" err="1">
                 <a:latin typeface="Helvetica Neue" charset="0"/>
                 <a:ea typeface="Helvetica Neue" charset="0"/>
                 <a:cs typeface="Helvetica Neue" charset="0"/>
@@ -7315,7 +7680,7 @@
               <a:t>Geeetech</a:t>
             </a:r>
             <a:r>
-              <a:rPr lang="sv-SE" dirty="0" smtClean="0">
+              <a:rPr lang="sv-SE" dirty="0">
                 <a:latin typeface="Helvetica Neue" charset="0"/>
                 <a:ea typeface="Helvetica Neue" charset="0"/>
                 <a:cs typeface="Helvetica Neue" charset="0"/>
@@ -7323,7 +7688,7 @@
               <a:t> Voice </a:t>
             </a:r>
             <a:r>
-              <a:rPr lang="sv-SE" dirty="0" err="1" smtClean="0">
+              <a:rPr lang="sv-SE" dirty="0" err="1">
                 <a:latin typeface="Helvetica Neue" charset="0"/>
                 <a:ea typeface="Helvetica Neue" charset="0"/>
                 <a:cs typeface="Helvetica Neue" charset="0"/>
@@ -7331,7 +7696,7 @@
               <a:t>Recognition</a:t>
             </a:r>
             <a:r>
-              <a:rPr lang="sv-SE" dirty="0" smtClean="0">
+              <a:rPr lang="sv-SE" dirty="0">
                 <a:latin typeface="Helvetica Neue" charset="0"/>
                 <a:ea typeface="Helvetica Neue" charset="0"/>
                 <a:cs typeface="Helvetica Neue" charset="0"/>
@@ -7339,7 +7704,7 @@
               <a:t> </a:t>
             </a:r>
             <a:r>
-              <a:rPr lang="sv-SE" dirty="0" err="1" smtClean="0">
+              <a:rPr lang="sv-SE" dirty="0" err="1">
                 <a:latin typeface="Helvetica Neue" charset="0"/>
                 <a:ea typeface="Helvetica Neue" charset="0"/>
                 <a:cs typeface="Helvetica Neue" charset="0"/>
@@ -7347,18 +7712,13 @@
               <a:t>Module</a:t>
             </a:r>
             <a:r>
-              <a:rPr lang="sv-SE" dirty="0" smtClean="0">
+              <a:rPr lang="sv-SE" dirty="0">
                 <a:latin typeface="Helvetica Neue" charset="0"/>
                 <a:ea typeface="Helvetica Neue" charset="0"/>
                 <a:cs typeface="Helvetica Neue" charset="0"/>
               </a:rPr>
               <a:t> </a:t>
             </a:r>
-            <a:endParaRPr lang="sv-SE" dirty="0">
-              <a:latin typeface="Helvetica Neue" charset="0"/>
-              <a:ea typeface="Helvetica Neue" charset="0"/>
-              <a:cs typeface="Helvetica Neue" charset="0"/>
-            </a:endParaRPr>
           </a:p>
         </p:txBody>
       </p:sp>
@@ -7372,17 +7732,10 @@
   <p:clrMapOvr>
     <a:masterClrMapping/>
   </p:clrMapOvr>
-  <p:timing>
-    <p:tnLst>
-      <p:par>
-        <p:cTn id="1" dur="indefinite" restart="never" nodeType="tmRoot"/>
-      </p:par>
-    </p:tnLst>
-  </p:timing>
 </p:sld>
 </file>
 
-<file path=ppt/slides/slide5.xml><?xml version="1.0" encoding="utf-8"?>
+<file path=ppt/slides/slide6.xml><?xml version="1.0" encoding="utf-8"?>
 <p:sld xmlns:a="http://schemas.openxmlformats.org/drawingml/2006/main" xmlns:r="http://schemas.openxmlformats.org/officeDocument/2006/relationships" xmlns:p="http://schemas.openxmlformats.org/presentationml/2006/main">
   <p:cSld>
     <p:spTree>
@@ -7415,18 +7768,13 @@
           <a:lstStyle/>
           <a:p>
             <a:r>
-              <a:rPr lang="sv-SE" dirty="0" smtClean="0">
+              <a:rPr lang="sv-SE" dirty="0">
                 <a:latin typeface="Helvetica Neue Light" charset="0"/>
                 <a:ea typeface="Helvetica Neue Light" charset="0"/>
                 <a:cs typeface="Helvetica Neue Light" charset="0"/>
               </a:rPr>
               <a:t>Hårdvaruarkitektur</a:t>
             </a:r>
-            <a:endParaRPr lang="sv-SE" dirty="0">
-              <a:latin typeface="Helvetica Neue Light" charset="0"/>
-              <a:ea typeface="Helvetica Neue Light" charset="0"/>
-              <a:cs typeface="Helvetica Neue Light" charset="0"/>
-            </a:endParaRPr>
           </a:p>
         </p:txBody>
       </p:sp>
@@ -7469,135 +7817,6 @@
   <p:clrMapOvr>
     <a:masterClrMapping/>
   </p:clrMapOvr>
-  <p:timing>
-    <p:tnLst>
-      <p:par>
-        <p:cTn id="1" dur="indefinite" restart="never" nodeType="tmRoot"/>
-      </p:par>
-    </p:tnLst>
-  </p:timing>
-</p:sld>
-</file>
-
-<file path=ppt/slides/slide6.xml><?xml version="1.0" encoding="utf-8"?>
-<p:sld xmlns:a="http://schemas.openxmlformats.org/drawingml/2006/main" xmlns:r="http://schemas.openxmlformats.org/officeDocument/2006/relationships" xmlns:p="http://schemas.openxmlformats.org/presentationml/2006/main">
-  <p:cSld>
-    <p:spTree>
-      <p:nvGrpSpPr>
-        <p:cNvPr id="1" name=""/>
-        <p:cNvGrpSpPr/>
-        <p:nvPr/>
-      </p:nvGrpSpPr>
-      <p:grpSpPr>
-        <a:xfrm>
-          <a:off x="0" y="0"/>
-          <a:ext cx="0" cy="0"/>
-          <a:chOff x="0" y="0"/>
-          <a:chExt cx="0" cy="0"/>
-        </a:xfrm>
-      </p:grpSpPr>
-      <p:sp>
-        <p:nvSpPr>
-          <p:cNvPr id="2" name="Title 1"/>
-          <p:cNvSpPr>
-            <a:spLocks noGrp="1"/>
-          </p:cNvSpPr>
-          <p:nvPr>
-            <p:ph type="title"/>
-          </p:nvPr>
-        </p:nvSpPr>
-        <p:spPr/>
-        <p:txBody>
-          <a:bodyPr anchor="ctr"/>
-          <a:lstStyle/>
-          <a:p>
-            <a:r>
-              <a:rPr lang="sv-SE" dirty="0" smtClean="0">
-                <a:latin typeface="Helvetica Neue Light" charset="0"/>
-                <a:ea typeface="Helvetica Neue Light" charset="0"/>
-                <a:cs typeface="Helvetica Neue Light" charset="0"/>
-              </a:rPr>
-              <a:t>Mjukvaruarkitektur</a:t>
-            </a:r>
-            <a:endParaRPr lang="sv-SE" dirty="0">
-              <a:latin typeface="Helvetica Neue Light" charset="0"/>
-              <a:ea typeface="Helvetica Neue Light" charset="0"/>
-              <a:cs typeface="Helvetica Neue Light" charset="0"/>
-            </a:endParaRPr>
-          </a:p>
-        </p:txBody>
-      </p:sp>
-      <p:sp>
-        <p:nvSpPr>
-          <p:cNvPr id="3" name="Content Placeholder 2"/>
-          <p:cNvSpPr>
-            <a:spLocks noGrp="1"/>
-          </p:cNvSpPr>
-          <p:nvPr>
-            <p:ph idx="1"/>
-          </p:nvPr>
-        </p:nvSpPr>
-        <p:spPr/>
-        <p:txBody>
-          <a:bodyPr/>
-          <a:lstStyle/>
-          <a:p>
-            <a:r>
-              <a:rPr lang="sv-SE" dirty="0" err="1" smtClean="0"/>
-              <a:t>Tk</a:t>
-            </a:r>
-            <a:r>
-              <a:rPr lang="sv-SE" dirty="0" smtClean="0"/>
-              <a:t> interface </a:t>
-            </a:r>
-            <a:r>
-              <a:rPr lang="sv-SE" dirty="0" smtClean="0"/>
-              <a:t>bibliotek</a:t>
-            </a:r>
-          </a:p>
-          <a:p>
-            <a:r>
-              <a:rPr lang="sv-SE" dirty="0" smtClean="0"/>
-              <a:t>Klasser</a:t>
-            </a:r>
-          </a:p>
-          <a:p>
-            <a:r>
-              <a:rPr lang="sv-SE" dirty="0" err="1" smtClean="0"/>
-              <a:t>Widgets</a:t>
-            </a:r>
-            <a:endParaRPr lang="sv-SE" dirty="0" smtClean="0"/>
-          </a:p>
-          <a:p>
-            <a:r>
-              <a:rPr lang="sv-SE" dirty="0" err="1" smtClean="0"/>
-              <a:t>Code</a:t>
-            </a:r>
-            <a:r>
-              <a:rPr lang="sv-SE" dirty="0" smtClean="0"/>
-              <a:t> excerpts</a:t>
-            </a:r>
-            <a:endParaRPr lang="sv-SE" dirty="0"/>
-          </a:p>
-        </p:txBody>
-      </p:sp>
-    </p:spTree>
-    <p:extLst>
-      <p:ext uri="{BB962C8B-B14F-4D97-AF65-F5344CB8AC3E}">
-        <p14:creationId xmlns:p14="http://schemas.microsoft.com/office/powerpoint/2010/main" val="1357282833"/>
-      </p:ext>
-    </p:extLst>
-  </p:cSld>
-  <p:clrMapOvr>
-    <a:masterClrMapping/>
-  </p:clrMapOvr>
-  <p:timing>
-    <p:tnLst>
-      <p:par>
-        <p:cTn id="1" dur="indefinite" restart="never" nodeType="tmRoot"/>
-      </p:par>
-    </p:tnLst>
-  </p:timing>
 </p:sld>
 </file>
 
@@ -7634,7 +7853,120 @@
           <a:lstStyle/>
           <a:p>
             <a:r>
-              <a:rPr lang="sv-SE" dirty="0" smtClean="0">
+              <a:rPr lang="sv-SE" dirty="0">
+                <a:latin typeface="Helvetica Neue Light" charset="0"/>
+                <a:ea typeface="Helvetica Neue Light" charset="0"/>
+                <a:cs typeface="Helvetica Neue Light" charset="0"/>
+              </a:rPr>
+              <a:t>Mjukvaruarkitektur</a:t>
+            </a:r>
+          </a:p>
+        </p:txBody>
+      </p:sp>
+      <p:sp>
+        <p:nvSpPr>
+          <p:cNvPr id="3" name="Content Placeholder 2"/>
+          <p:cNvSpPr>
+            <a:spLocks noGrp="1"/>
+          </p:cNvSpPr>
+          <p:nvPr>
+            <p:ph idx="1"/>
+          </p:nvPr>
+        </p:nvSpPr>
+        <p:spPr/>
+        <p:txBody>
+          <a:bodyPr/>
+          <a:lstStyle/>
+          <a:p>
+            <a:r>
+              <a:rPr lang="sv-SE" dirty="0"/>
+              <a:t>OOP</a:t>
+            </a:r>
+          </a:p>
+          <a:p>
+            <a:r>
+              <a:rPr lang="sv-SE" dirty="0" err="1"/>
+              <a:t>Python</a:t>
+            </a:r>
+            <a:r>
+              <a:rPr lang="sv-SE" dirty="0"/>
+              <a:t> </a:t>
+            </a:r>
+            <a:r>
+              <a:rPr lang="sv-SE" dirty="0" err="1"/>
+              <a:t>Tk</a:t>
+            </a:r>
+            <a:r>
+              <a:rPr lang="sv-SE" dirty="0"/>
+              <a:t> interface bibliotek</a:t>
+            </a:r>
+          </a:p>
+          <a:p>
+            <a:r>
+              <a:rPr lang="sv-SE" dirty="0" err="1"/>
+              <a:t>Widgets</a:t>
+            </a:r>
+            <a:endParaRPr lang="sv-SE" dirty="0"/>
+          </a:p>
+          <a:p>
+            <a:r>
+              <a:rPr lang="sv-SE" dirty="0" err="1"/>
+              <a:t>Code</a:t>
+            </a:r>
+            <a:r>
+              <a:rPr lang="sv-SE" dirty="0"/>
+              <a:t> excerpts</a:t>
+            </a:r>
+          </a:p>
+        </p:txBody>
+      </p:sp>
+    </p:spTree>
+    <p:extLst>
+      <p:ext uri="{BB962C8B-B14F-4D97-AF65-F5344CB8AC3E}">
+        <p14:creationId xmlns:p14="http://schemas.microsoft.com/office/powerpoint/2010/main" val="1357282833"/>
+      </p:ext>
+    </p:extLst>
+  </p:cSld>
+  <p:clrMapOvr>
+    <a:masterClrMapping/>
+  </p:clrMapOvr>
+</p:sld>
+</file>
+
+<file path=ppt/slides/slide8.xml><?xml version="1.0" encoding="utf-8"?>
+<p:sld xmlns:a="http://schemas.openxmlformats.org/drawingml/2006/main" xmlns:r="http://schemas.openxmlformats.org/officeDocument/2006/relationships" xmlns:p="http://schemas.openxmlformats.org/presentationml/2006/main">
+  <p:cSld>
+    <p:spTree>
+      <p:nvGrpSpPr>
+        <p:cNvPr id="1" name=""/>
+        <p:cNvGrpSpPr/>
+        <p:nvPr/>
+      </p:nvGrpSpPr>
+      <p:grpSpPr>
+        <a:xfrm>
+          <a:off x="0" y="0"/>
+          <a:ext cx="0" cy="0"/>
+          <a:chOff x="0" y="0"/>
+          <a:chExt cx="0" cy="0"/>
+        </a:xfrm>
+      </p:grpSpPr>
+      <p:sp>
+        <p:nvSpPr>
+          <p:cNvPr id="2" name="Title 1"/>
+          <p:cNvSpPr>
+            <a:spLocks noGrp="1"/>
+          </p:cNvSpPr>
+          <p:nvPr>
+            <p:ph type="title"/>
+          </p:nvPr>
+        </p:nvSpPr>
+        <p:spPr/>
+        <p:txBody>
+          <a:bodyPr anchor="ctr"/>
+          <a:lstStyle/>
+          <a:p>
+            <a:r>
+              <a:rPr lang="sv-SE" dirty="0">
                 <a:latin typeface="Helvetica Neue Light" charset="0"/>
                 <a:ea typeface="Helvetica Neue Light" charset="0"/>
                 <a:cs typeface="Helvetica Neue Light" charset="0"/>
@@ -7642,7 +7974,7 @@
               <a:t>Koden - </a:t>
             </a:r>
             <a:r>
-              <a:rPr lang="sv-SE" dirty="0" err="1" smtClean="0">
+              <a:rPr lang="sv-SE" dirty="0" err="1">
                 <a:latin typeface="Helvetica Neue Light" charset="0"/>
                 <a:ea typeface="Helvetica Neue Light" charset="0"/>
                 <a:cs typeface="Helvetica Neue Light" charset="0"/>
@@ -7679,7 +8011,7 @@
         </p:blipFill>
         <p:spPr>
           <a:xfrm>
-            <a:off x="646111" y="1853248"/>
+            <a:off x="753991" y="2114505"/>
             <a:ext cx="8892540" cy="3208020"/>
           </a:xfrm>
           <a:prstGeom prst="rect">
@@ -7697,17 +8029,10 @@
   <p:clrMapOvr>
     <a:masterClrMapping/>
   </p:clrMapOvr>
-  <p:timing>
-    <p:tnLst>
-      <p:par>
-        <p:cTn id="1" dur="indefinite" restart="never" nodeType="tmRoot"/>
-      </p:par>
-    </p:tnLst>
-  </p:timing>
 </p:sld>
 </file>
 
-<file path=ppt/slides/slide8.xml><?xml version="1.0" encoding="utf-8"?>
+<file path=ppt/slides/slide9.xml><?xml version="1.0" encoding="utf-8"?>
 <p:sld xmlns:a="http://schemas.openxmlformats.org/drawingml/2006/main" xmlns:r="http://schemas.openxmlformats.org/officeDocument/2006/relationships" xmlns:p="http://schemas.openxmlformats.org/presentationml/2006/main">
   <p:cSld>
     <p:spTree>
@@ -7740,7 +8065,7 @@
           <a:lstStyle/>
           <a:p>
             <a:r>
-              <a:rPr lang="sv-SE" dirty="0" smtClean="0">
+              <a:rPr lang="sv-SE" dirty="0">
                 <a:latin typeface="Helvetica Neue Light" charset="0"/>
                 <a:ea typeface="Helvetica Neue Light" charset="0"/>
                 <a:cs typeface="Helvetica Neue Light" charset="0"/>
@@ -7748,7 +8073,7 @@
               <a:t>Koden </a:t>
             </a:r>
             <a:r>
-              <a:rPr lang="mr-IN" dirty="0" smtClean="0">
+              <a:rPr lang="mr-IN" dirty="0">
                 <a:latin typeface="Helvetica Neue Light" charset="0"/>
                 <a:ea typeface="Helvetica Neue Light" charset="0"/>
                 <a:cs typeface="Helvetica Neue Light" charset="0"/>
@@ -7756,26 +8081,13 @@
               <a:t>–</a:t>
             </a:r>
             <a:r>
-              <a:rPr lang="sv-SE" dirty="0" smtClean="0">
+              <a:rPr lang="sv-SE" dirty="0">
                 <a:latin typeface="Helvetica Neue Light" charset="0"/>
                 <a:ea typeface="Helvetica Neue Light" charset="0"/>
                 <a:cs typeface="Helvetica Neue Light" charset="0"/>
               </a:rPr>
-              <a:t> voice </a:t>
-            </a:r>
-            <a:r>
-              <a:rPr lang="sv-SE" dirty="0" err="1" smtClean="0">
-                <a:latin typeface="Helvetica Neue Light" charset="0"/>
-                <a:ea typeface="Helvetica Neue Light" charset="0"/>
-                <a:cs typeface="Helvetica Neue Light" charset="0"/>
-              </a:rPr>
-              <a:t>recognition</a:t>
-            </a:r>
-            <a:endParaRPr lang="sv-SE" dirty="0">
-              <a:latin typeface="Helvetica Neue Light" charset="0"/>
-              <a:ea typeface="Helvetica Neue Light" charset="0"/>
-              <a:cs typeface="Helvetica Neue Light" charset="0"/>
-            </a:endParaRPr>
+              <a:t> röststyrning </a:t>
+            </a:r>
           </a:p>
         </p:txBody>
       </p:sp>
@@ -7849,111 +8161,6 @@
   <p:clrMapOvr>
     <a:masterClrMapping/>
   </p:clrMapOvr>
-  <p:timing>
-    <p:tnLst>
-      <p:par>
-        <p:cTn id="1" dur="indefinite" restart="never" nodeType="tmRoot"/>
-      </p:par>
-    </p:tnLst>
-  </p:timing>
-</p:sld>
-</file>
-
-<file path=ppt/slides/slide9.xml><?xml version="1.0" encoding="utf-8"?>
-<p:sld xmlns:a="http://schemas.openxmlformats.org/drawingml/2006/main" xmlns:r="http://schemas.openxmlformats.org/officeDocument/2006/relationships" xmlns:p="http://schemas.openxmlformats.org/presentationml/2006/main">
-  <p:cSld>
-    <p:spTree>
-      <p:nvGrpSpPr>
-        <p:cNvPr id="1" name=""/>
-        <p:cNvGrpSpPr/>
-        <p:nvPr/>
-      </p:nvGrpSpPr>
-      <p:grpSpPr>
-        <a:xfrm>
-          <a:off x="0" y="0"/>
-          <a:ext cx="0" cy="0"/>
-          <a:chOff x="0" y="0"/>
-          <a:chExt cx="0" cy="0"/>
-        </a:xfrm>
-      </p:grpSpPr>
-      <p:sp>
-        <p:nvSpPr>
-          <p:cNvPr id="2" name="Title 1"/>
-          <p:cNvSpPr>
-            <a:spLocks noGrp="1"/>
-          </p:cNvSpPr>
-          <p:nvPr>
-            <p:ph type="title"/>
-          </p:nvPr>
-        </p:nvSpPr>
-        <p:spPr/>
-        <p:txBody>
-          <a:bodyPr anchor="ctr"/>
-          <a:lstStyle/>
-          <a:p>
-            <a:r>
-              <a:rPr lang="sv-SE" dirty="0" smtClean="0">
-                <a:latin typeface="Helvetica Neue Light" charset="0"/>
-                <a:ea typeface="Helvetica Neue Light" charset="0"/>
-                <a:cs typeface="Helvetica Neue Light" charset="0"/>
-              </a:rPr>
-              <a:t>Koden - layout</a:t>
-            </a:r>
-            <a:endParaRPr lang="sv-SE" dirty="0">
-              <a:latin typeface="Helvetica Neue Light" charset="0"/>
-              <a:ea typeface="Helvetica Neue Light" charset="0"/>
-              <a:cs typeface="Helvetica Neue Light" charset="0"/>
-            </a:endParaRPr>
-          </a:p>
-        </p:txBody>
-      </p:sp>
-      <p:pic>
-        <p:nvPicPr>
-          <p:cNvPr id="10" name="Picture 9"/>
-          <p:cNvPicPr>
-            <a:picLocks noChangeAspect="1"/>
-          </p:cNvPicPr>
-          <p:nvPr/>
-        </p:nvPicPr>
-        <p:blipFill>
-          <a:blip r:embed="rId2">
-            <a:extLst>
-              <a:ext uri="{28A0092B-C50C-407E-A947-70E740481C1C}">
-                <a14:useLocalDpi xmlns:a14="http://schemas.microsoft.com/office/drawing/2010/main" val="0"/>
-              </a:ext>
-            </a:extLst>
-          </a:blip>
-          <a:stretch>
-            <a:fillRect/>
-          </a:stretch>
-        </p:blipFill>
-        <p:spPr>
-          <a:xfrm>
-            <a:off x="646111" y="1853248"/>
-            <a:ext cx="5029200" cy="2446020"/>
-          </a:xfrm>
-          <a:prstGeom prst="rect">
-            <a:avLst/>
-          </a:prstGeom>
-        </p:spPr>
-      </p:pic>
-    </p:spTree>
-    <p:extLst>
-      <p:ext uri="{BB962C8B-B14F-4D97-AF65-F5344CB8AC3E}">
-        <p14:creationId xmlns:p14="http://schemas.microsoft.com/office/powerpoint/2010/main" val="1468251528"/>
-      </p:ext>
-    </p:extLst>
-  </p:cSld>
-  <p:clrMapOvr>
-    <a:masterClrMapping/>
-  </p:clrMapOvr>
-  <p:timing>
-    <p:tnLst>
-      <p:par>
-        <p:cTn id="1" dur="indefinite" restart="never" nodeType="tmRoot"/>
-      </p:par>
-    </p:tnLst>
-  </p:timing>
 </p:sld>
 </file>
 

--- a/pitch_group_mirror.pptx
+++ b/pitch_group_mirror.pptx
@@ -6435,7 +6435,7 @@
           <a:p>
             <a:r>
               <a:rPr lang="sv-SE" dirty="0"/>
-              <a:t>Visa/dölja meddelanden</a:t>
+              <a:t>Individanpassat nyhetsflöde </a:t>
             </a:r>
           </a:p>
           <a:p>
@@ -6447,8 +6447,11 @@
           <a:p>
             <a:r>
               <a:rPr lang="sv-SE" dirty="0"/>
-              <a:t>Individanpassat nyhetsflöde </a:t>
-            </a:r>
+              <a:t>Visa/dölja meddelanden</a:t>
+            </a:r>
+          </a:p>
+          <a:p>
+            <a:endParaRPr lang="sv-SE" dirty="0"/>
           </a:p>
         </p:txBody>
       </p:sp>
@@ -6615,12 +6618,6 @@
           <a:p>
             <a:r>
               <a:rPr lang="sv-SE" dirty="0"/>
-              <a:t>Skalbar</a:t>
-            </a:r>
-          </a:p>
-          <a:p>
-            <a:r>
-              <a:rPr lang="sv-SE" dirty="0"/>
               <a:t>Privat eller för företag</a:t>
             </a:r>
           </a:p>
@@ -6743,6 +6740,12 @@
               <a:t>Scrum</a:t>
             </a:r>
             <a:endParaRPr lang="sv-SE" dirty="0"/>
+          </a:p>
+          <a:p>
+            <a:r>
+              <a:rPr lang="sv-SE" dirty="0"/>
+              <a:t>Löpande dokumentation </a:t>
+            </a:r>
           </a:p>
           <a:p>
             <a:endParaRPr lang="sv-SE" dirty="0"/>
